--- a/Overview.pptx
+++ b/Overview.pptx
@@ -6,13 +6,14 @@
   </p:sldMasterIdLst>
   <p:sldIdLst>
     <p:sldId id="256" r:id="rId2"/>
-    <p:sldId id="258" r:id="rId3"/>
-    <p:sldId id="260" r:id="rId4"/>
-    <p:sldId id="261" r:id="rId5"/>
+    <p:sldId id="260" r:id="rId3"/>
+    <p:sldId id="261" r:id="rId4"/>
+    <p:sldId id="258" r:id="rId5"/>
     <p:sldId id="262" r:id="rId6"/>
     <p:sldId id="263" r:id="rId7"/>
     <p:sldId id="264" r:id="rId8"/>
-    <p:sldId id="265" r:id="rId9"/>
+    <p:sldId id="266" r:id="rId9"/>
+    <p:sldId id="265" r:id="rId10"/>
   </p:sldIdLst>
   <p:sldSz cx="12192000" cy="6858000"/>
   <p:notesSz cx="6858000" cy="9144000"/>
@@ -111,6 +112,11 @@
       </a:defRPr>
     </a:lvl9pPr>
   </p:defaultTextStyle>
+  <p:extLst>
+    <p:ext uri="{EFAFB233-063F-42B5-8137-9DF3F51BA10A}">
+      <p15:sldGuideLst xmlns:p15="http://schemas.microsoft.com/office/powerpoint/2012/main"/>
+    </p:ext>
+  </p:extLst>
 </p:presentation>
 </file>
 
@@ -3981,6 +3987,881 @@
     <dgm:fillClrLst meth="repeat">
       <a:schemeClr val="accent4">
         <a:tint val="60000"/>
+      </a:schemeClr>
+    </dgm:fillClrLst>
+    <dgm:linClrLst meth="repeat">
+      <a:schemeClr val="lt1"/>
+    </dgm:linClrLst>
+    <dgm:effectClrLst/>
+    <dgm:txLinClrLst/>
+    <dgm:txFillClrLst meth="repeat">
+      <a:schemeClr val="dk1"/>
+    </dgm:txFillClrLst>
+    <dgm:txEffectClrLst/>
+  </dgm:styleLbl>
+  <dgm:styleLbl name="revTx">
+    <dgm:fillClrLst meth="repeat">
+      <a:schemeClr val="lt1">
+        <a:alpha val="0"/>
+      </a:schemeClr>
+    </dgm:fillClrLst>
+    <dgm:linClrLst meth="repeat">
+      <a:schemeClr val="dk1">
+        <a:alpha val="0"/>
+      </a:schemeClr>
+    </dgm:linClrLst>
+    <dgm:effectClrLst/>
+    <dgm:txLinClrLst/>
+    <dgm:txFillClrLst meth="repeat">
+      <a:schemeClr val="tx1"/>
+    </dgm:txFillClrLst>
+    <dgm:txEffectClrLst/>
+  </dgm:styleLbl>
+</dgm:colorsDef>
+</file>
+
+<file path=ppt/diagrams/colors6.xml><?xml version="1.0" encoding="utf-8"?>
+<dgm:colorsDef xmlns:dgm="http://schemas.openxmlformats.org/drawingml/2006/diagram" xmlns:a="http://schemas.openxmlformats.org/drawingml/2006/main" uniqueId="urn:microsoft.com/office/officeart/2005/8/colors/accent1_3">
+  <dgm:title val=""/>
+  <dgm:desc val=""/>
+  <dgm:catLst>
+    <dgm:cat type="accent1" pri="11300"/>
+  </dgm:catLst>
+  <dgm:styleLbl name="node0">
+    <dgm:fillClrLst meth="repeat">
+      <a:schemeClr val="accent1">
+        <a:shade val="80000"/>
+      </a:schemeClr>
+    </dgm:fillClrLst>
+    <dgm:linClrLst meth="repeat">
+      <a:schemeClr val="lt1"/>
+    </dgm:linClrLst>
+    <dgm:effectClrLst/>
+    <dgm:txLinClrLst/>
+    <dgm:txFillClrLst/>
+    <dgm:txEffectClrLst/>
+  </dgm:styleLbl>
+  <dgm:styleLbl name="alignNode1">
+    <dgm:fillClrLst>
+      <a:schemeClr val="accent1">
+        <a:shade val="80000"/>
+      </a:schemeClr>
+      <a:schemeClr val="accent1">
+        <a:tint val="70000"/>
+      </a:schemeClr>
+    </dgm:fillClrLst>
+    <dgm:linClrLst>
+      <a:schemeClr val="accent1">
+        <a:shade val="80000"/>
+      </a:schemeClr>
+      <a:schemeClr val="accent1">
+        <a:tint val="70000"/>
+      </a:schemeClr>
+    </dgm:linClrLst>
+    <dgm:effectClrLst/>
+    <dgm:txLinClrLst/>
+    <dgm:txFillClrLst/>
+    <dgm:txEffectClrLst/>
+  </dgm:styleLbl>
+  <dgm:styleLbl name="node1">
+    <dgm:fillClrLst>
+      <a:schemeClr val="accent1">
+        <a:shade val="80000"/>
+      </a:schemeClr>
+      <a:schemeClr val="accent1">
+        <a:tint val="70000"/>
+      </a:schemeClr>
+    </dgm:fillClrLst>
+    <dgm:linClrLst meth="repeat">
+      <a:schemeClr val="lt1"/>
+    </dgm:linClrLst>
+    <dgm:effectClrLst/>
+    <dgm:txLinClrLst/>
+    <dgm:txFillClrLst/>
+    <dgm:txEffectClrLst/>
+  </dgm:styleLbl>
+  <dgm:styleLbl name="lnNode1">
+    <dgm:fillClrLst>
+      <a:schemeClr val="accent1">
+        <a:shade val="80000"/>
+      </a:schemeClr>
+      <a:schemeClr val="accent1">
+        <a:tint val="70000"/>
+      </a:schemeClr>
+    </dgm:fillClrLst>
+    <dgm:linClrLst meth="repeat">
+      <a:schemeClr val="lt1"/>
+    </dgm:linClrLst>
+    <dgm:effectClrLst/>
+    <dgm:txLinClrLst/>
+    <dgm:txFillClrLst/>
+    <dgm:txEffectClrLst/>
+  </dgm:styleLbl>
+  <dgm:styleLbl name="vennNode1">
+    <dgm:fillClrLst>
+      <a:schemeClr val="accent1">
+        <a:shade val="80000"/>
+        <a:alpha val="50000"/>
+      </a:schemeClr>
+      <a:schemeClr val="accent1">
+        <a:tint val="70000"/>
+        <a:alpha val="50000"/>
+      </a:schemeClr>
+    </dgm:fillClrLst>
+    <dgm:linClrLst meth="repeat">
+      <a:schemeClr val="lt1"/>
+    </dgm:linClrLst>
+    <dgm:effectClrLst/>
+    <dgm:txLinClrLst/>
+    <dgm:txFillClrLst/>
+    <dgm:txEffectClrLst/>
+  </dgm:styleLbl>
+  <dgm:styleLbl name="node2">
+    <dgm:fillClrLst>
+      <a:schemeClr val="accent1">
+        <a:tint val="99000"/>
+      </a:schemeClr>
+    </dgm:fillClrLst>
+    <dgm:linClrLst meth="repeat">
+      <a:schemeClr val="lt1"/>
+    </dgm:linClrLst>
+    <dgm:effectClrLst/>
+    <dgm:txLinClrLst/>
+    <dgm:txFillClrLst/>
+    <dgm:txEffectClrLst/>
+  </dgm:styleLbl>
+  <dgm:styleLbl name="node3">
+    <dgm:fillClrLst>
+      <a:schemeClr val="accent1">
+        <a:tint val="80000"/>
+      </a:schemeClr>
+    </dgm:fillClrLst>
+    <dgm:linClrLst meth="repeat">
+      <a:schemeClr val="lt1"/>
+    </dgm:linClrLst>
+    <dgm:effectClrLst/>
+    <dgm:txLinClrLst/>
+    <dgm:txFillClrLst/>
+    <dgm:txEffectClrLst/>
+  </dgm:styleLbl>
+  <dgm:styleLbl name="node4">
+    <dgm:fillClrLst>
+      <a:schemeClr val="accent1">
+        <a:tint val="70000"/>
+      </a:schemeClr>
+    </dgm:fillClrLst>
+    <dgm:linClrLst meth="repeat">
+      <a:schemeClr val="lt1"/>
+    </dgm:linClrLst>
+    <dgm:effectClrLst/>
+    <dgm:txLinClrLst/>
+    <dgm:txFillClrLst/>
+    <dgm:txEffectClrLst/>
+  </dgm:styleLbl>
+  <dgm:styleLbl name="fgImgPlace1">
+    <dgm:fillClrLst>
+      <a:schemeClr val="accent1">
+        <a:tint val="50000"/>
+      </a:schemeClr>
+      <a:schemeClr val="accent1">
+        <a:tint val="20000"/>
+      </a:schemeClr>
+    </dgm:fillClrLst>
+    <dgm:linClrLst meth="repeat">
+      <a:schemeClr val="lt1"/>
+    </dgm:linClrLst>
+    <dgm:effectClrLst/>
+    <dgm:txLinClrLst/>
+    <dgm:txFillClrLst meth="repeat">
+      <a:schemeClr val="lt1"/>
+    </dgm:txFillClrLst>
+    <dgm:txEffectClrLst/>
+  </dgm:styleLbl>
+  <dgm:styleLbl name="alignImgPlace1">
+    <dgm:fillClrLst>
+      <a:schemeClr val="accent1">
+        <a:tint val="50000"/>
+      </a:schemeClr>
+      <a:schemeClr val="accent1">
+        <a:tint val="20000"/>
+      </a:schemeClr>
+    </dgm:fillClrLst>
+    <dgm:linClrLst meth="repeat">
+      <a:schemeClr val="lt1"/>
+    </dgm:linClrLst>
+    <dgm:effectClrLst/>
+    <dgm:txLinClrLst/>
+    <dgm:txFillClrLst meth="repeat">
+      <a:schemeClr val="lt1"/>
+    </dgm:txFillClrLst>
+    <dgm:txEffectClrLst/>
+  </dgm:styleLbl>
+  <dgm:styleLbl name="bgImgPlace1">
+    <dgm:fillClrLst>
+      <a:schemeClr val="accent1">
+        <a:tint val="50000"/>
+      </a:schemeClr>
+      <a:schemeClr val="accent1">
+        <a:tint val="20000"/>
+      </a:schemeClr>
+    </dgm:fillClrLst>
+    <dgm:linClrLst meth="repeat">
+      <a:schemeClr val="lt1"/>
+    </dgm:linClrLst>
+    <dgm:effectClrLst/>
+    <dgm:txLinClrLst/>
+    <dgm:txFillClrLst meth="repeat">
+      <a:schemeClr val="lt1"/>
+    </dgm:txFillClrLst>
+    <dgm:txEffectClrLst/>
+  </dgm:styleLbl>
+  <dgm:styleLbl name="sibTrans2D1">
+    <dgm:fillClrLst>
+      <a:schemeClr val="accent1">
+        <a:shade val="90000"/>
+      </a:schemeClr>
+      <a:schemeClr val="accent1">
+        <a:tint val="70000"/>
+      </a:schemeClr>
+    </dgm:fillClrLst>
+    <dgm:linClrLst>
+      <a:schemeClr val="accent1">
+        <a:shade val="90000"/>
+      </a:schemeClr>
+      <a:schemeClr val="accent1">
+        <a:tint val="70000"/>
+      </a:schemeClr>
+    </dgm:linClrLst>
+    <dgm:effectClrLst/>
+    <dgm:txLinClrLst/>
+    <dgm:txFillClrLst/>
+    <dgm:txEffectClrLst/>
+  </dgm:styleLbl>
+  <dgm:styleLbl name="fgSibTrans2D1">
+    <dgm:fillClrLst>
+      <a:schemeClr val="accent1">
+        <a:shade val="90000"/>
+      </a:schemeClr>
+      <a:schemeClr val="accent1">
+        <a:tint val="70000"/>
+      </a:schemeClr>
+    </dgm:fillClrLst>
+    <dgm:linClrLst>
+      <a:schemeClr val="accent1">
+        <a:shade val="90000"/>
+      </a:schemeClr>
+      <a:schemeClr val="accent1">
+        <a:tint val="70000"/>
+      </a:schemeClr>
+    </dgm:linClrLst>
+    <dgm:effectClrLst/>
+    <dgm:txLinClrLst/>
+    <dgm:txFillClrLst meth="repeat">
+      <a:schemeClr val="lt1"/>
+    </dgm:txFillClrLst>
+    <dgm:txEffectClrLst/>
+  </dgm:styleLbl>
+  <dgm:styleLbl name="bgSibTrans2D1">
+    <dgm:fillClrLst>
+      <a:schemeClr val="accent1">
+        <a:shade val="90000"/>
+      </a:schemeClr>
+      <a:schemeClr val="accent1">
+        <a:tint val="70000"/>
+      </a:schemeClr>
+    </dgm:fillClrLst>
+    <dgm:linClrLst>
+      <a:schemeClr val="accent1">
+        <a:shade val="90000"/>
+      </a:schemeClr>
+      <a:schemeClr val="accent1">
+        <a:tint val="70000"/>
+      </a:schemeClr>
+    </dgm:linClrLst>
+    <dgm:effectClrLst/>
+    <dgm:txLinClrLst/>
+    <dgm:txFillClrLst meth="repeat">
+      <a:schemeClr val="lt1"/>
+    </dgm:txFillClrLst>
+    <dgm:txEffectClrLst/>
+  </dgm:styleLbl>
+  <dgm:styleLbl name="sibTrans1D1">
+    <dgm:fillClrLst>
+      <a:schemeClr val="accent1">
+        <a:shade val="90000"/>
+      </a:schemeClr>
+      <a:schemeClr val="accent1">
+        <a:tint val="70000"/>
+      </a:schemeClr>
+    </dgm:fillClrLst>
+    <dgm:linClrLst>
+      <a:schemeClr val="accent1">
+        <a:shade val="90000"/>
+      </a:schemeClr>
+      <a:schemeClr val="accent1">
+        <a:tint val="70000"/>
+      </a:schemeClr>
+    </dgm:linClrLst>
+    <dgm:effectClrLst/>
+    <dgm:txLinClrLst/>
+    <dgm:txFillClrLst meth="repeat">
+      <a:schemeClr val="tx1"/>
+    </dgm:txFillClrLst>
+    <dgm:txEffectClrLst/>
+  </dgm:styleLbl>
+  <dgm:styleLbl name="callout">
+    <dgm:fillClrLst meth="repeat">
+      <a:schemeClr val="accent1"/>
+    </dgm:fillClrLst>
+    <dgm:linClrLst meth="repeat">
+      <a:schemeClr val="accent1"/>
+    </dgm:linClrLst>
+    <dgm:effectClrLst/>
+    <dgm:txLinClrLst/>
+    <dgm:txFillClrLst meth="repeat">
+      <a:schemeClr val="tx1"/>
+    </dgm:txFillClrLst>
+    <dgm:txEffectClrLst/>
+  </dgm:styleLbl>
+  <dgm:styleLbl name="asst0">
+    <dgm:fillClrLst meth="repeat">
+      <a:schemeClr val="accent1">
+        <a:shade val="80000"/>
+      </a:schemeClr>
+    </dgm:fillClrLst>
+    <dgm:linClrLst meth="repeat">
+      <a:schemeClr val="lt1"/>
+    </dgm:linClrLst>
+    <dgm:effectClrLst/>
+    <dgm:txLinClrLst/>
+    <dgm:txFillClrLst/>
+    <dgm:txEffectClrLst/>
+  </dgm:styleLbl>
+  <dgm:styleLbl name="asst1">
+    <dgm:fillClrLst meth="repeat">
+      <a:schemeClr val="accent1">
+        <a:shade val="80000"/>
+      </a:schemeClr>
+    </dgm:fillClrLst>
+    <dgm:linClrLst meth="repeat">
+      <a:schemeClr val="lt1"/>
+    </dgm:linClrLst>
+    <dgm:effectClrLst/>
+    <dgm:txLinClrLst/>
+    <dgm:txFillClrLst/>
+    <dgm:txEffectClrLst/>
+  </dgm:styleLbl>
+  <dgm:styleLbl name="asst2">
+    <dgm:fillClrLst>
+      <a:schemeClr val="accent1">
+        <a:tint val="99000"/>
+      </a:schemeClr>
+    </dgm:fillClrLst>
+    <dgm:linClrLst meth="repeat">
+      <a:schemeClr val="lt1"/>
+    </dgm:linClrLst>
+    <dgm:effectClrLst/>
+    <dgm:txLinClrLst/>
+    <dgm:txFillClrLst/>
+    <dgm:txEffectClrLst/>
+  </dgm:styleLbl>
+  <dgm:styleLbl name="asst3">
+    <dgm:fillClrLst>
+      <a:schemeClr val="accent1">
+        <a:tint val="80000"/>
+      </a:schemeClr>
+    </dgm:fillClrLst>
+    <dgm:linClrLst meth="repeat">
+      <a:schemeClr val="lt1"/>
+    </dgm:linClrLst>
+    <dgm:effectClrLst/>
+    <dgm:txLinClrLst/>
+    <dgm:txFillClrLst/>
+    <dgm:txEffectClrLst/>
+  </dgm:styleLbl>
+  <dgm:styleLbl name="asst4">
+    <dgm:fillClrLst>
+      <a:schemeClr val="accent1">
+        <a:tint val="70000"/>
+      </a:schemeClr>
+    </dgm:fillClrLst>
+    <dgm:linClrLst meth="repeat">
+      <a:schemeClr val="lt1"/>
+    </dgm:linClrLst>
+    <dgm:effectClrLst/>
+    <dgm:txLinClrLst/>
+    <dgm:txFillClrLst/>
+    <dgm:txEffectClrLst/>
+  </dgm:styleLbl>
+  <dgm:styleLbl name="parChTrans2D1">
+    <dgm:fillClrLst meth="repeat">
+      <a:schemeClr val="accent1">
+        <a:tint val="60000"/>
+      </a:schemeClr>
+    </dgm:fillClrLst>
+    <dgm:linClrLst meth="repeat">
+      <a:schemeClr val="accent1">
+        <a:tint val="60000"/>
+      </a:schemeClr>
+    </dgm:linClrLst>
+    <dgm:effectClrLst/>
+    <dgm:txLinClrLst/>
+    <dgm:txFillClrLst meth="repeat">
+      <a:schemeClr val="lt1"/>
+    </dgm:txFillClrLst>
+    <dgm:txEffectClrLst/>
+  </dgm:styleLbl>
+  <dgm:styleLbl name="parChTrans2D2">
+    <dgm:fillClrLst meth="repeat">
+      <a:schemeClr val="accent1">
+        <a:tint val="90000"/>
+      </a:schemeClr>
+    </dgm:fillClrLst>
+    <dgm:linClrLst meth="repeat">
+      <a:schemeClr val="accent1">
+        <a:tint val="90000"/>
+      </a:schemeClr>
+    </dgm:linClrLst>
+    <dgm:effectClrLst/>
+    <dgm:txLinClrLst/>
+    <dgm:txFillClrLst/>
+    <dgm:txEffectClrLst/>
+  </dgm:styleLbl>
+  <dgm:styleLbl name="parChTrans2D3">
+    <dgm:fillClrLst meth="repeat">
+      <a:schemeClr val="accent1">
+        <a:tint val="70000"/>
+      </a:schemeClr>
+    </dgm:fillClrLst>
+    <dgm:linClrLst meth="repeat">
+      <a:schemeClr val="accent1">
+        <a:tint val="70000"/>
+      </a:schemeClr>
+    </dgm:linClrLst>
+    <dgm:effectClrLst/>
+    <dgm:txLinClrLst/>
+    <dgm:txFillClrLst/>
+    <dgm:txEffectClrLst/>
+  </dgm:styleLbl>
+  <dgm:styleLbl name="parChTrans2D4">
+    <dgm:fillClrLst meth="repeat">
+      <a:schemeClr val="accent1">
+        <a:tint val="50000"/>
+      </a:schemeClr>
+    </dgm:fillClrLst>
+    <dgm:linClrLst meth="repeat">
+      <a:schemeClr val="accent1">
+        <a:tint val="50000"/>
+      </a:schemeClr>
+    </dgm:linClrLst>
+    <dgm:effectClrLst/>
+    <dgm:txLinClrLst/>
+    <dgm:txFillClrLst meth="repeat">
+      <a:schemeClr val="lt1"/>
+    </dgm:txFillClrLst>
+    <dgm:txEffectClrLst/>
+  </dgm:styleLbl>
+  <dgm:styleLbl name="parChTrans1D1">
+    <dgm:fillClrLst meth="repeat">
+      <a:schemeClr val="accent1">
+        <a:shade val="80000"/>
+      </a:schemeClr>
+    </dgm:fillClrLst>
+    <dgm:linClrLst meth="repeat">
+      <a:schemeClr val="accent1">
+        <a:shade val="80000"/>
+      </a:schemeClr>
+    </dgm:linClrLst>
+    <dgm:effectClrLst/>
+    <dgm:txLinClrLst/>
+    <dgm:txFillClrLst meth="repeat">
+      <a:schemeClr val="tx1"/>
+    </dgm:txFillClrLst>
+    <dgm:txEffectClrLst/>
+  </dgm:styleLbl>
+  <dgm:styleLbl name="parChTrans1D2">
+    <dgm:fillClrLst meth="repeat">
+      <a:schemeClr val="accent1">
+        <a:tint val="99000"/>
+      </a:schemeClr>
+    </dgm:fillClrLst>
+    <dgm:linClrLst meth="repeat">
+      <a:schemeClr val="accent1">
+        <a:tint val="99000"/>
+      </a:schemeClr>
+    </dgm:linClrLst>
+    <dgm:effectClrLst/>
+    <dgm:txLinClrLst/>
+    <dgm:txFillClrLst meth="repeat">
+      <a:schemeClr val="tx1"/>
+    </dgm:txFillClrLst>
+    <dgm:txEffectClrLst/>
+  </dgm:styleLbl>
+  <dgm:styleLbl name="parChTrans1D3">
+    <dgm:fillClrLst meth="repeat">
+      <a:schemeClr val="accent1">
+        <a:tint val="80000"/>
+      </a:schemeClr>
+    </dgm:fillClrLst>
+    <dgm:linClrLst meth="repeat">
+      <a:schemeClr val="accent1">
+        <a:tint val="80000"/>
+      </a:schemeClr>
+    </dgm:linClrLst>
+    <dgm:effectClrLst/>
+    <dgm:txLinClrLst/>
+    <dgm:txFillClrLst meth="repeat">
+      <a:schemeClr val="tx1"/>
+    </dgm:txFillClrLst>
+    <dgm:txEffectClrLst/>
+  </dgm:styleLbl>
+  <dgm:styleLbl name="parChTrans1D4">
+    <dgm:fillClrLst meth="repeat">
+      <a:schemeClr val="accent1">
+        <a:tint val="70000"/>
+      </a:schemeClr>
+    </dgm:fillClrLst>
+    <dgm:linClrLst meth="repeat">
+      <a:schemeClr val="accent1">
+        <a:tint val="70000"/>
+      </a:schemeClr>
+    </dgm:linClrLst>
+    <dgm:effectClrLst/>
+    <dgm:txLinClrLst/>
+    <dgm:txFillClrLst meth="repeat">
+      <a:schemeClr val="tx1"/>
+    </dgm:txFillClrLst>
+    <dgm:txEffectClrLst/>
+  </dgm:styleLbl>
+  <dgm:styleLbl name="fgAcc1">
+    <dgm:fillClrLst meth="repeat">
+      <a:schemeClr val="lt1">
+        <a:alpha val="90000"/>
+      </a:schemeClr>
+    </dgm:fillClrLst>
+    <dgm:linClrLst>
+      <a:schemeClr val="accent1">
+        <a:shade val="80000"/>
+      </a:schemeClr>
+      <a:schemeClr val="accent1">
+        <a:tint val="70000"/>
+      </a:schemeClr>
+    </dgm:linClrLst>
+    <dgm:effectClrLst/>
+    <dgm:txLinClrLst/>
+    <dgm:txFillClrLst meth="repeat">
+      <a:schemeClr val="dk1"/>
+    </dgm:txFillClrLst>
+    <dgm:txEffectClrLst/>
+  </dgm:styleLbl>
+  <dgm:styleLbl name="conFgAcc1">
+    <dgm:fillClrLst meth="repeat">
+      <a:schemeClr val="lt1">
+        <a:alpha val="90000"/>
+      </a:schemeClr>
+    </dgm:fillClrLst>
+    <dgm:linClrLst>
+      <a:schemeClr val="accent1">
+        <a:shade val="80000"/>
+      </a:schemeClr>
+      <a:schemeClr val="accent1">
+        <a:tint val="70000"/>
+      </a:schemeClr>
+    </dgm:linClrLst>
+    <dgm:effectClrLst/>
+    <dgm:txLinClrLst/>
+    <dgm:txFillClrLst meth="repeat">
+      <a:schemeClr val="dk1"/>
+    </dgm:txFillClrLst>
+    <dgm:txEffectClrLst/>
+  </dgm:styleLbl>
+  <dgm:styleLbl name="alignAcc1">
+    <dgm:fillClrLst meth="repeat">
+      <a:schemeClr val="lt1">
+        <a:alpha val="90000"/>
+      </a:schemeClr>
+    </dgm:fillClrLst>
+    <dgm:linClrLst>
+      <a:schemeClr val="accent1">
+        <a:shade val="80000"/>
+      </a:schemeClr>
+      <a:schemeClr val="accent1">
+        <a:tint val="70000"/>
+      </a:schemeClr>
+    </dgm:linClrLst>
+    <dgm:effectClrLst/>
+    <dgm:txLinClrLst/>
+    <dgm:txFillClrLst meth="repeat">
+      <a:schemeClr val="dk1"/>
+    </dgm:txFillClrLst>
+    <dgm:txEffectClrLst/>
+  </dgm:styleLbl>
+  <dgm:styleLbl name="trAlignAcc1">
+    <dgm:fillClrLst meth="repeat">
+      <a:schemeClr val="lt1">
+        <a:alpha val="40000"/>
+      </a:schemeClr>
+    </dgm:fillClrLst>
+    <dgm:linClrLst meth="repeat">
+      <a:schemeClr val="accent1"/>
+    </dgm:linClrLst>
+    <dgm:effectClrLst/>
+    <dgm:txLinClrLst/>
+    <dgm:txFillClrLst meth="repeat">
+      <a:schemeClr val="dk1"/>
+    </dgm:txFillClrLst>
+    <dgm:txEffectClrLst/>
+  </dgm:styleLbl>
+  <dgm:styleLbl name="bgAcc1">
+    <dgm:fillClrLst meth="repeat">
+      <a:schemeClr val="lt1">
+        <a:alpha val="90000"/>
+      </a:schemeClr>
+    </dgm:fillClrLst>
+    <dgm:linClrLst>
+      <a:schemeClr val="accent1">
+        <a:shade val="80000"/>
+      </a:schemeClr>
+      <a:schemeClr val="accent1">
+        <a:tint val="70000"/>
+      </a:schemeClr>
+    </dgm:linClrLst>
+    <dgm:effectClrLst/>
+    <dgm:txLinClrLst/>
+    <dgm:txFillClrLst meth="repeat">
+      <a:schemeClr val="dk1"/>
+    </dgm:txFillClrLst>
+    <dgm:txEffectClrLst/>
+  </dgm:styleLbl>
+  <dgm:styleLbl name="solidFgAcc1">
+    <dgm:fillClrLst meth="repeat">
+      <a:schemeClr val="lt1"/>
+    </dgm:fillClrLst>
+    <dgm:linClrLst>
+      <a:schemeClr val="accent1">
+        <a:shade val="80000"/>
+      </a:schemeClr>
+      <a:schemeClr val="accent1">
+        <a:tint val="70000"/>
+      </a:schemeClr>
+    </dgm:linClrLst>
+    <dgm:effectClrLst/>
+    <dgm:txLinClrLst/>
+    <dgm:txFillClrLst meth="repeat">
+      <a:schemeClr val="dk1"/>
+    </dgm:txFillClrLst>
+    <dgm:txEffectClrLst/>
+  </dgm:styleLbl>
+  <dgm:styleLbl name="solidAlignAcc1">
+    <dgm:fillClrLst meth="repeat">
+      <a:schemeClr val="lt1"/>
+    </dgm:fillClrLst>
+    <dgm:linClrLst meth="repeat">
+      <a:schemeClr val="accent1"/>
+    </dgm:linClrLst>
+    <dgm:effectClrLst/>
+    <dgm:txLinClrLst/>
+    <dgm:txFillClrLst meth="repeat">
+      <a:schemeClr val="dk1"/>
+    </dgm:txFillClrLst>
+    <dgm:txEffectClrLst/>
+  </dgm:styleLbl>
+  <dgm:styleLbl name="solidBgAcc1">
+    <dgm:fillClrLst meth="repeat">
+      <a:schemeClr val="lt1"/>
+    </dgm:fillClrLst>
+    <dgm:linClrLst meth="repeat">
+      <a:schemeClr val="accent1"/>
+    </dgm:linClrLst>
+    <dgm:effectClrLst/>
+    <dgm:txLinClrLst/>
+    <dgm:txFillClrLst meth="repeat">
+      <a:schemeClr val="dk1"/>
+    </dgm:txFillClrLst>
+    <dgm:txEffectClrLst/>
+  </dgm:styleLbl>
+  <dgm:styleLbl name="fgAccFollowNode1">
+    <dgm:fillClrLst meth="repeat">
+      <a:schemeClr val="accent1">
+        <a:alpha val="90000"/>
+        <a:tint val="40000"/>
+      </a:schemeClr>
+    </dgm:fillClrLst>
+    <dgm:linClrLst meth="repeat">
+      <a:schemeClr val="accent1">
+        <a:alpha val="90000"/>
+        <a:tint val="40000"/>
+      </a:schemeClr>
+    </dgm:linClrLst>
+    <dgm:effectClrLst/>
+    <dgm:txLinClrLst/>
+    <dgm:txFillClrLst meth="repeat">
+      <a:schemeClr val="dk1"/>
+    </dgm:txFillClrLst>
+    <dgm:txEffectClrLst/>
+  </dgm:styleLbl>
+  <dgm:styleLbl name="alignAccFollowNode1">
+    <dgm:fillClrLst meth="repeat">
+      <a:schemeClr val="accent1">
+        <a:alpha val="90000"/>
+        <a:tint val="40000"/>
+      </a:schemeClr>
+    </dgm:fillClrLst>
+    <dgm:linClrLst meth="repeat">
+      <a:schemeClr val="accent1">
+        <a:alpha val="90000"/>
+        <a:tint val="40000"/>
+      </a:schemeClr>
+    </dgm:linClrLst>
+    <dgm:effectClrLst/>
+    <dgm:txLinClrLst/>
+    <dgm:txFillClrLst meth="repeat">
+      <a:schemeClr val="dk1"/>
+    </dgm:txFillClrLst>
+    <dgm:txEffectClrLst/>
+  </dgm:styleLbl>
+  <dgm:styleLbl name="bgAccFollowNode1">
+    <dgm:fillClrLst meth="repeat">
+      <a:schemeClr val="accent1">
+        <a:alpha val="90000"/>
+        <a:tint val="40000"/>
+      </a:schemeClr>
+    </dgm:fillClrLst>
+    <dgm:linClrLst meth="repeat">
+      <a:schemeClr val="lt1"/>
+    </dgm:linClrLst>
+    <dgm:effectClrLst/>
+    <dgm:txLinClrLst/>
+    <dgm:txFillClrLst meth="repeat">
+      <a:schemeClr val="dk1"/>
+    </dgm:txFillClrLst>
+    <dgm:txEffectClrLst/>
+  </dgm:styleLbl>
+  <dgm:styleLbl name="fgAcc0">
+    <dgm:fillClrLst meth="repeat">
+      <a:schemeClr val="lt1">
+        <a:alpha val="90000"/>
+      </a:schemeClr>
+    </dgm:fillClrLst>
+    <dgm:linClrLst meth="repeat">
+      <a:schemeClr val="accent1">
+        <a:shade val="80000"/>
+      </a:schemeClr>
+    </dgm:linClrLst>
+    <dgm:effectClrLst/>
+    <dgm:txLinClrLst/>
+    <dgm:txFillClrLst meth="repeat">
+      <a:schemeClr val="dk1"/>
+    </dgm:txFillClrLst>
+    <dgm:txEffectClrLst/>
+  </dgm:styleLbl>
+  <dgm:styleLbl name="fgAcc2">
+    <dgm:fillClrLst meth="repeat">
+      <a:schemeClr val="lt1">
+        <a:alpha val="90000"/>
+      </a:schemeClr>
+    </dgm:fillClrLst>
+    <dgm:linClrLst meth="repeat">
+      <a:schemeClr val="accent1">
+        <a:tint val="99000"/>
+      </a:schemeClr>
+    </dgm:linClrLst>
+    <dgm:effectClrLst/>
+    <dgm:txLinClrLst/>
+    <dgm:txFillClrLst meth="repeat">
+      <a:schemeClr val="dk1"/>
+    </dgm:txFillClrLst>
+    <dgm:txEffectClrLst/>
+  </dgm:styleLbl>
+  <dgm:styleLbl name="fgAcc3">
+    <dgm:fillClrLst meth="repeat">
+      <a:schemeClr val="lt1">
+        <a:alpha val="90000"/>
+      </a:schemeClr>
+    </dgm:fillClrLst>
+    <dgm:linClrLst meth="repeat">
+      <a:schemeClr val="accent1">
+        <a:tint val="80000"/>
+      </a:schemeClr>
+    </dgm:linClrLst>
+    <dgm:effectClrLst/>
+    <dgm:txLinClrLst/>
+    <dgm:txFillClrLst meth="repeat">
+      <a:schemeClr val="dk1"/>
+    </dgm:txFillClrLst>
+    <dgm:txEffectClrLst/>
+  </dgm:styleLbl>
+  <dgm:styleLbl name="fgAcc4">
+    <dgm:fillClrLst meth="repeat">
+      <a:schemeClr val="lt1">
+        <a:alpha val="90000"/>
+      </a:schemeClr>
+    </dgm:fillClrLst>
+    <dgm:linClrLst meth="repeat">
+      <a:schemeClr val="accent1">
+        <a:tint val="70000"/>
+      </a:schemeClr>
+    </dgm:linClrLst>
+    <dgm:effectClrLst/>
+    <dgm:txLinClrLst/>
+    <dgm:txFillClrLst meth="repeat">
+      <a:schemeClr val="dk1"/>
+    </dgm:txFillClrLst>
+    <dgm:txEffectClrLst/>
+  </dgm:styleLbl>
+  <dgm:styleLbl name="bgShp">
+    <dgm:fillClrLst meth="repeat">
+      <a:schemeClr val="accent1">
+        <a:tint val="40000"/>
+      </a:schemeClr>
+    </dgm:fillClrLst>
+    <dgm:linClrLst meth="repeat">
+      <a:schemeClr val="dk1"/>
+    </dgm:linClrLst>
+    <dgm:effectClrLst/>
+    <dgm:txLinClrLst/>
+    <dgm:txFillClrLst meth="repeat">
+      <a:schemeClr val="dk1"/>
+    </dgm:txFillClrLst>
+    <dgm:txEffectClrLst/>
+  </dgm:styleLbl>
+  <dgm:styleLbl name="dkBgShp">
+    <dgm:fillClrLst meth="repeat">
+      <a:schemeClr val="accent1">
+        <a:shade val="90000"/>
+      </a:schemeClr>
+    </dgm:fillClrLst>
+    <dgm:linClrLst meth="repeat">
+      <a:schemeClr val="dk1"/>
+    </dgm:linClrLst>
+    <dgm:effectClrLst/>
+    <dgm:txLinClrLst/>
+    <dgm:txFillClrLst meth="repeat">
+      <a:schemeClr val="lt1"/>
+    </dgm:txFillClrLst>
+    <dgm:txEffectClrLst/>
+  </dgm:styleLbl>
+  <dgm:styleLbl name="trBgShp">
+    <dgm:fillClrLst meth="repeat">
+      <a:schemeClr val="accent1">
+        <a:tint val="50000"/>
+        <a:alpha val="40000"/>
+      </a:schemeClr>
+    </dgm:fillClrLst>
+    <dgm:linClrLst meth="repeat">
+      <a:schemeClr val="accent1"/>
+    </dgm:linClrLst>
+    <dgm:effectClrLst/>
+    <dgm:txLinClrLst/>
+    <dgm:txFillClrLst meth="repeat">
+      <a:schemeClr val="lt1"/>
+    </dgm:txFillClrLst>
+    <dgm:txEffectClrLst/>
+  </dgm:styleLbl>
+  <dgm:styleLbl name="fgShp">
+    <dgm:fillClrLst meth="repeat">
+      <a:schemeClr val="accent1">
+        <a:tint val="40000"/>
       </a:schemeClr>
     </dgm:fillClrLst>
     <dgm:linClrLst meth="repeat">
@@ -6869,6 +7750,478 @@
     <dgm:cxn modelId="{BA04A1C6-14B5-4D71-949B-85F3CDDF5771}" type="presParOf" srcId="{CD11D1B5-118E-4BAD-988C-BBE7069C5710}" destId="{4A6C95A3-1CEB-45AB-8D98-993E8FDD1D67}" srcOrd="1" destOrd="0" presId="urn:microsoft.com/office/officeart/2005/8/layout/hProcess6"/>
     <dgm:cxn modelId="{3E54C9F9-2C67-4920-9722-0F3EA9CA7F63}" type="presParOf" srcId="{CD11D1B5-118E-4BAD-988C-BBE7069C5710}" destId="{DEC20AE1-D895-4EFC-8816-2A0B83B3ADE7}" srcOrd="2" destOrd="0" presId="urn:microsoft.com/office/officeart/2005/8/layout/hProcess6"/>
     <dgm:cxn modelId="{0E515F5B-ECD6-4667-AC07-8E1E44A44F87}" type="presParOf" srcId="{CD11D1B5-118E-4BAD-988C-BBE7069C5710}" destId="{B4FEDC3B-013E-40C2-95AD-F9542AA7CCCA}" srcOrd="3" destOrd="0" presId="urn:microsoft.com/office/officeart/2005/8/layout/hProcess6"/>
+  </dgm:cxnLst>
+  <dgm:bg/>
+  <dgm:whole/>
+  <dgm:extLst>
+    <a:ext uri="http://schemas.microsoft.com/office/drawing/2008/diagram">
+      <dsp:dataModelExt xmlns:dsp="http://schemas.microsoft.com/office/drawing/2008/diagram" relId="rId6" minVer="http://schemas.openxmlformats.org/drawingml/2006/diagram"/>
+    </a:ext>
+  </dgm:extLst>
+</dgm:dataModel>
+</file>
+
+<file path=ppt/diagrams/data6.xml><?xml version="1.0" encoding="utf-8"?>
+<dgm:dataModel xmlns:dgm="http://schemas.openxmlformats.org/drawingml/2006/diagram" xmlns:a="http://schemas.openxmlformats.org/drawingml/2006/main">
+  <dgm:ptLst>
+    <dgm:pt modelId="{2DAF903F-1811-4349-8C5A-B49EC845591D}" type="doc">
+      <dgm:prSet loTypeId="urn:microsoft.com/office/officeart/2016/7/layout/BasicLinearProcessNumbered" loCatId="process" qsTypeId="urn:microsoft.com/office/officeart/2005/8/quickstyle/simple1" qsCatId="simple" csTypeId="urn:microsoft.com/office/officeart/2005/8/colors/accent1_3" csCatId="accent1" phldr="1"/>
+      <dgm:spPr/>
+      <dgm:t>
+        <a:bodyPr/>
+        <a:lstStyle/>
+        <a:p>
+          <a:endParaRPr lang="en-US"/>
+        </a:p>
+      </dgm:t>
+    </dgm:pt>
+    <dgm:pt modelId="{19B7A6CF-4E34-471D-9828-5D2C2499C36E}">
+      <dgm:prSet phldrT="[Text]"/>
+      <dgm:spPr/>
+      <dgm:t>
+        <a:bodyPr/>
+        <a:lstStyle/>
+        <a:p>
+          <a:r>
+            <a:rPr lang="en-US" dirty="0"/>
+            <a:t>The Transport Mechanism should be improvised </a:t>
+          </a:r>
+        </a:p>
+      </dgm:t>
+    </dgm:pt>
+    <dgm:pt modelId="{F33ADAB5-60D9-495D-9A42-75CDD63F0E0D}" type="parTrans" cxnId="{6AE2E120-FA1B-445B-BF4B-B808B9439609}">
+      <dgm:prSet/>
+      <dgm:spPr/>
+      <dgm:t>
+        <a:bodyPr/>
+        <a:lstStyle/>
+        <a:p>
+          <a:endParaRPr lang="en-US"/>
+        </a:p>
+      </dgm:t>
+    </dgm:pt>
+    <dgm:pt modelId="{DD4B015F-D0EE-4445-AE12-E62EED289D70}" type="sibTrans" cxnId="{6AE2E120-FA1B-445B-BF4B-B808B9439609}">
+      <dgm:prSet phldrT="1"/>
+      <dgm:spPr/>
+      <dgm:t>
+        <a:bodyPr/>
+        <a:lstStyle/>
+        <a:p>
+          <a:r>
+            <a:rPr lang="en-US"/>
+            <a:t>1</a:t>
+          </a:r>
+        </a:p>
+      </dgm:t>
+    </dgm:pt>
+    <dgm:pt modelId="{371AEB38-849C-4D02-B3BE-FDD0154D7708}">
+      <dgm:prSet phldrT="[Text]"/>
+      <dgm:spPr/>
+      <dgm:t>
+        <a:bodyPr/>
+        <a:lstStyle/>
+        <a:p>
+          <a:r>
+            <a:rPr lang="en-US"/>
+            <a:t>Client and Server can communicate via TCP Sockets and Close the socket whenever there is no need .</a:t>
+          </a:r>
+        </a:p>
+      </dgm:t>
+    </dgm:pt>
+    <dgm:pt modelId="{562B3948-C707-4332-9128-FC110E530D6F}" type="parTrans" cxnId="{9A37E02D-BC21-4AC5-B754-9B4C9BD2813E}">
+      <dgm:prSet/>
+      <dgm:spPr/>
+      <dgm:t>
+        <a:bodyPr/>
+        <a:lstStyle/>
+        <a:p>
+          <a:endParaRPr lang="en-US"/>
+        </a:p>
+      </dgm:t>
+    </dgm:pt>
+    <dgm:pt modelId="{165BEACA-64C1-4C8C-BD4B-72F99A5D5678}" type="sibTrans" cxnId="{9A37E02D-BC21-4AC5-B754-9B4C9BD2813E}">
+      <dgm:prSet phldrT="3"/>
+      <dgm:spPr/>
+      <dgm:t>
+        <a:bodyPr/>
+        <a:lstStyle/>
+        <a:p>
+          <a:r>
+            <a:rPr lang="en-US"/>
+            <a:t>3</a:t>
+          </a:r>
+        </a:p>
+      </dgm:t>
+    </dgm:pt>
+    <dgm:pt modelId="{B58809B4-0EA4-4686-9EB7-BC7181631B64}">
+      <dgm:prSet phldrT="[Text]"/>
+      <dgm:spPr/>
+      <dgm:t>
+        <a:bodyPr/>
+        <a:lstStyle/>
+        <a:p>
+          <a:r>
+            <a:rPr lang="en-US"/>
+            <a:t>Clients will use Datagram Protocol to send the Online Heart Beat Status to server. </a:t>
+          </a:r>
+        </a:p>
+      </dgm:t>
+    </dgm:pt>
+    <dgm:pt modelId="{EB2CBEF4-124F-425E-BAB5-976FFE09124C}" type="parTrans" cxnId="{90D20410-80E1-4636-95EC-7E0073CEA7AA}">
+      <dgm:prSet/>
+      <dgm:spPr/>
+      <dgm:t>
+        <a:bodyPr/>
+        <a:lstStyle/>
+        <a:p>
+          <a:endParaRPr lang="en-US"/>
+        </a:p>
+      </dgm:t>
+    </dgm:pt>
+    <dgm:pt modelId="{A8AAE4E1-B843-436D-ACEC-725A9EE2F3A5}" type="sibTrans" cxnId="{90D20410-80E1-4636-95EC-7E0073CEA7AA}">
+      <dgm:prSet phldrT="4"/>
+      <dgm:spPr/>
+      <dgm:t>
+        <a:bodyPr/>
+        <a:lstStyle/>
+        <a:p>
+          <a:r>
+            <a:rPr lang="en-US"/>
+            <a:t>4</a:t>
+          </a:r>
+        </a:p>
+      </dgm:t>
+    </dgm:pt>
+    <dgm:pt modelId="{94523E17-8C6C-4637-96DA-A4C41905D553}">
+      <dgm:prSet phldrT="[Text]"/>
+      <dgm:spPr/>
+      <dgm:t>
+        <a:bodyPr/>
+        <a:lstStyle/>
+        <a:p>
+          <a:r>
+            <a:rPr lang="en-US" dirty="0"/>
+            <a:t>MQTT would be an ideal Protocol if the chat service supports multiple Rooms</a:t>
+          </a:r>
+        </a:p>
+      </dgm:t>
+    </dgm:pt>
+    <dgm:pt modelId="{6C251297-EC1B-4CF1-8717-15054F044056}" type="parTrans" cxnId="{7D29C317-D35E-45F3-9052-109034673B2A}">
+      <dgm:prSet/>
+      <dgm:spPr/>
+      <dgm:t>
+        <a:bodyPr/>
+        <a:lstStyle/>
+        <a:p>
+          <a:endParaRPr lang="en-US"/>
+        </a:p>
+      </dgm:t>
+    </dgm:pt>
+    <dgm:pt modelId="{956C0DC6-EC9F-4D57-8A6C-E2E63EFB7101}" type="sibTrans" cxnId="{7D29C317-D35E-45F3-9052-109034673B2A}">
+      <dgm:prSet phldrT="5"/>
+      <dgm:spPr/>
+      <dgm:t>
+        <a:bodyPr/>
+        <a:lstStyle/>
+        <a:p>
+          <a:r>
+            <a:rPr lang="en-US"/>
+            <a:t>5</a:t>
+          </a:r>
+        </a:p>
+      </dgm:t>
+    </dgm:pt>
+    <dgm:pt modelId="{4C5275FF-F01A-4637-B551-0F7F81601A1E}">
+      <dgm:prSet phldrT="[Text]"/>
+      <dgm:spPr/>
+      <dgm:t>
+        <a:bodyPr/>
+        <a:lstStyle/>
+        <a:p>
+          <a:r>
+            <a:rPr lang="en-US"/>
+            <a:t>Reduce the Number of Passive Chat session on Server to reduce the threads in Server</a:t>
+          </a:r>
+        </a:p>
+      </dgm:t>
+    </dgm:pt>
+    <dgm:pt modelId="{9E5A5613-3EEF-438D-B7AF-07F19C21ACE1}" type="parTrans" cxnId="{E77A2446-865E-43BF-AE50-593C6DCCFC25}">
+      <dgm:prSet/>
+      <dgm:spPr/>
+      <dgm:t>
+        <a:bodyPr/>
+        <a:lstStyle/>
+        <a:p>
+          <a:endParaRPr lang="en-US"/>
+        </a:p>
+      </dgm:t>
+    </dgm:pt>
+    <dgm:pt modelId="{F1915B0A-66ED-4CD7-9F86-18B99FBC12F3}" type="sibTrans" cxnId="{E77A2446-865E-43BF-AE50-593C6DCCFC25}">
+      <dgm:prSet phldrT="2"/>
+      <dgm:spPr/>
+      <dgm:t>
+        <a:bodyPr/>
+        <a:lstStyle/>
+        <a:p>
+          <a:r>
+            <a:rPr lang="en-US"/>
+            <a:t>2</a:t>
+          </a:r>
+        </a:p>
+      </dgm:t>
+    </dgm:pt>
+    <dgm:pt modelId="{629804C7-A75A-474B-95FA-24AA419641F0}" type="pres">
+      <dgm:prSet presAssocID="{2DAF903F-1811-4349-8C5A-B49EC845591D}" presName="Name0" presStyleCnt="0">
+        <dgm:presLayoutVars>
+          <dgm:animLvl val="lvl"/>
+          <dgm:resizeHandles val="exact"/>
+        </dgm:presLayoutVars>
+      </dgm:prSet>
+      <dgm:spPr/>
+    </dgm:pt>
+    <dgm:pt modelId="{CD8EC2B1-007F-4674-993B-F51CEDC075F6}" type="pres">
+      <dgm:prSet presAssocID="{19B7A6CF-4E34-471D-9828-5D2C2499C36E}" presName="compositeNode" presStyleCnt="0">
+        <dgm:presLayoutVars>
+          <dgm:bulletEnabled val="1"/>
+        </dgm:presLayoutVars>
+      </dgm:prSet>
+      <dgm:spPr/>
+    </dgm:pt>
+    <dgm:pt modelId="{3612F99C-FDBE-44C4-A5CC-B377230BAD66}" type="pres">
+      <dgm:prSet presAssocID="{19B7A6CF-4E34-471D-9828-5D2C2499C36E}" presName="bgRect" presStyleLbl="bgAccFollowNode1" presStyleIdx="0" presStyleCnt="5"/>
+      <dgm:spPr/>
+    </dgm:pt>
+    <dgm:pt modelId="{E7CD63B4-9E97-4A05-BA73-791A4E481248}" type="pres">
+      <dgm:prSet presAssocID="{DD4B015F-D0EE-4445-AE12-E62EED289D70}" presName="sibTransNodeCircle" presStyleLbl="alignNode1" presStyleIdx="0" presStyleCnt="10">
+        <dgm:presLayoutVars>
+          <dgm:chMax val="0"/>
+          <dgm:bulletEnabled/>
+        </dgm:presLayoutVars>
+      </dgm:prSet>
+      <dgm:spPr/>
+    </dgm:pt>
+    <dgm:pt modelId="{4C429ABF-4B1F-4470-A57D-17E3F7E99E72}" type="pres">
+      <dgm:prSet presAssocID="{19B7A6CF-4E34-471D-9828-5D2C2499C36E}" presName="bottomLine" presStyleLbl="alignNode1" presStyleIdx="1" presStyleCnt="10">
+        <dgm:presLayoutVars/>
+      </dgm:prSet>
+      <dgm:spPr/>
+    </dgm:pt>
+    <dgm:pt modelId="{93AD9167-6291-4104-BAF7-C0D744918ABF}" type="pres">
+      <dgm:prSet presAssocID="{19B7A6CF-4E34-471D-9828-5D2C2499C36E}" presName="nodeText" presStyleLbl="bgAccFollowNode1" presStyleIdx="0" presStyleCnt="5">
+        <dgm:presLayoutVars>
+          <dgm:bulletEnabled val="1"/>
+        </dgm:presLayoutVars>
+      </dgm:prSet>
+      <dgm:spPr/>
+    </dgm:pt>
+    <dgm:pt modelId="{BE0E0E49-FB50-4808-86B8-D2E804A51B7E}" type="pres">
+      <dgm:prSet presAssocID="{DD4B015F-D0EE-4445-AE12-E62EED289D70}" presName="sibTrans" presStyleCnt="0"/>
+      <dgm:spPr/>
+    </dgm:pt>
+    <dgm:pt modelId="{EFD1AF98-9AA0-4D8A-B90E-F91B9896EE8E}" type="pres">
+      <dgm:prSet presAssocID="{4C5275FF-F01A-4637-B551-0F7F81601A1E}" presName="compositeNode" presStyleCnt="0">
+        <dgm:presLayoutVars>
+          <dgm:bulletEnabled val="1"/>
+        </dgm:presLayoutVars>
+      </dgm:prSet>
+      <dgm:spPr/>
+    </dgm:pt>
+    <dgm:pt modelId="{C9D8B2CA-0615-45EE-AAB9-AB5DE896E3D7}" type="pres">
+      <dgm:prSet presAssocID="{4C5275FF-F01A-4637-B551-0F7F81601A1E}" presName="bgRect" presStyleLbl="bgAccFollowNode1" presStyleIdx="1" presStyleCnt="5"/>
+      <dgm:spPr/>
+    </dgm:pt>
+    <dgm:pt modelId="{580005C2-B286-4B95-88AE-71530DB4C9F8}" type="pres">
+      <dgm:prSet presAssocID="{F1915B0A-66ED-4CD7-9F86-18B99FBC12F3}" presName="sibTransNodeCircle" presStyleLbl="alignNode1" presStyleIdx="2" presStyleCnt="10">
+        <dgm:presLayoutVars>
+          <dgm:chMax val="0"/>
+          <dgm:bulletEnabled/>
+        </dgm:presLayoutVars>
+      </dgm:prSet>
+      <dgm:spPr/>
+    </dgm:pt>
+    <dgm:pt modelId="{04DCAECD-D1FB-4048-B277-980DC97EA0D4}" type="pres">
+      <dgm:prSet presAssocID="{4C5275FF-F01A-4637-B551-0F7F81601A1E}" presName="bottomLine" presStyleLbl="alignNode1" presStyleIdx="3" presStyleCnt="10">
+        <dgm:presLayoutVars/>
+      </dgm:prSet>
+      <dgm:spPr/>
+    </dgm:pt>
+    <dgm:pt modelId="{5C92F80A-857A-4F24-91BD-4EB8A906C470}" type="pres">
+      <dgm:prSet presAssocID="{4C5275FF-F01A-4637-B551-0F7F81601A1E}" presName="nodeText" presStyleLbl="bgAccFollowNode1" presStyleIdx="1" presStyleCnt="5">
+        <dgm:presLayoutVars>
+          <dgm:bulletEnabled val="1"/>
+        </dgm:presLayoutVars>
+      </dgm:prSet>
+      <dgm:spPr/>
+    </dgm:pt>
+    <dgm:pt modelId="{DE48310D-AF25-40CA-B91F-4F6875DBE43A}" type="pres">
+      <dgm:prSet presAssocID="{F1915B0A-66ED-4CD7-9F86-18B99FBC12F3}" presName="sibTrans" presStyleCnt="0"/>
+      <dgm:spPr/>
+    </dgm:pt>
+    <dgm:pt modelId="{134579C4-A1C3-45B5-95EA-F05CE2024E71}" type="pres">
+      <dgm:prSet presAssocID="{371AEB38-849C-4D02-B3BE-FDD0154D7708}" presName="compositeNode" presStyleCnt="0">
+        <dgm:presLayoutVars>
+          <dgm:bulletEnabled val="1"/>
+        </dgm:presLayoutVars>
+      </dgm:prSet>
+      <dgm:spPr/>
+    </dgm:pt>
+    <dgm:pt modelId="{E5789AC2-5591-40B7-BBC3-633020A88F26}" type="pres">
+      <dgm:prSet presAssocID="{371AEB38-849C-4D02-B3BE-FDD0154D7708}" presName="bgRect" presStyleLbl="bgAccFollowNode1" presStyleIdx="2" presStyleCnt="5"/>
+      <dgm:spPr/>
+    </dgm:pt>
+    <dgm:pt modelId="{090DDAA0-E3CD-408C-B7FC-854367BEE975}" type="pres">
+      <dgm:prSet presAssocID="{165BEACA-64C1-4C8C-BD4B-72F99A5D5678}" presName="sibTransNodeCircle" presStyleLbl="alignNode1" presStyleIdx="4" presStyleCnt="10">
+        <dgm:presLayoutVars>
+          <dgm:chMax val="0"/>
+          <dgm:bulletEnabled/>
+        </dgm:presLayoutVars>
+      </dgm:prSet>
+      <dgm:spPr/>
+    </dgm:pt>
+    <dgm:pt modelId="{21D9339D-D8AC-489A-A119-304E645896D7}" type="pres">
+      <dgm:prSet presAssocID="{371AEB38-849C-4D02-B3BE-FDD0154D7708}" presName="bottomLine" presStyleLbl="alignNode1" presStyleIdx="5" presStyleCnt="10">
+        <dgm:presLayoutVars/>
+      </dgm:prSet>
+      <dgm:spPr/>
+    </dgm:pt>
+    <dgm:pt modelId="{FE3D4B4F-323F-4414-93F8-E336741B9495}" type="pres">
+      <dgm:prSet presAssocID="{371AEB38-849C-4D02-B3BE-FDD0154D7708}" presName="nodeText" presStyleLbl="bgAccFollowNode1" presStyleIdx="2" presStyleCnt="5">
+        <dgm:presLayoutVars>
+          <dgm:bulletEnabled val="1"/>
+        </dgm:presLayoutVars>
+      </dgm:prSet>
+      <dgm:spPr/>
+    </dgm:pt>
+    <dgm:pt modelId="{A7AA384B-2B5B-45EF-9EDC-E9882E4FD363}" type="pres">
+      <dgm:prSet presAssocID="{165BEACA-64C1-4C8C-BD4B-72F99A5D5678}" presName="sibTrans" presStyleCnt="0"/>
+      <dgm:spPr/>
+    </dgm:pt>
+    <dgm:pt modelId="{F848161E-7009-414A-92CE-65749ADEAA0C}" type="pres">
+      <dgm:prSet presAssocID="{B58809B4-0EA4-4686-9EB7-BC7181631B64}" presName="compositeNode" presStyleCnt="0">
+        <dgm:presLayoutVars>
+          <dgm:bulletEnabled val="1"/>
+        </dgm:presLayoutVars>
+      </dgm:prSet>
+      <dgm:spPr/>
+    </dgm:pt>
+    <dgm:pt modelId="{F43D1D0A-305A-48D9-AC03-B8F647C9A97F}" type="pres">
+      <dgm:prSet presAssocID="{B58809B4-0EA4-4686-9EB7-BC7181631B64}" presName="bgRect" presStyleLbl="bgAccFollowNode1" presStyleIdx="3" presStyleCnt="5"/>
+      <dgm:spPr/>
+    </dgm:pt>
+    <dgm:pt modelId="{ED1FE11B-8B46-4010-A1E9-68E785EFD0D9}" type="pres">
+      <dgm:prSet presAssocID="{A8AAE4E1-B843-436D-ACEC-725A9EE2F3A5}" presName="sibTransNodeCircle" presStyleLbl="alignNode1" presStyleIdx="6" presStyleCnt="10">
+        <dgm:presLayoutVars>
+          <dgm:chMax val="0"/>
+          <dgm:bulletEnabled/>
+        </dgm:presLayoutVars>
+      </dgm:prSet>
+      <dgm:spPr/>
+    </dgm:pt>
+    <dgm:pt modelId="{AA0D11FE-89C2-46D0-9252-ECA8F7E6E363}" type="pres">
+      <dgm:prSet presAssocID="{B58809B4-0EA4-4686-9EB7-BC7181631B64}" presName="bottomLine" presStyleLbl="alignNode1" presStyleIdx="7" presStyleCnt="10">
+        <dgm:presLayoutVars/>
+      </dgm:prSet>
+      <dgm:spPr/>
+    </dgm:pt>
+    <dgm:pt modelId="{153909E2-9490-4B38-956B-731B2DF770D0}" type="pres">
+      <dgm:prSet presAssocID="{B58809B4-0EA4-4686-9EB7-BC7181631B64}" presName="nodeText" presStyleLbl="bgAccFollowNode1" presStyleIdx="3" presStyleCnt="5">
+        <dgm:presLayoutVars>
+          <dgm:bulletEnabled val="1"/>
+        </dgm:presLayoutVars>
+      </dgm:prSet>
+      <dgm:spPr/>
+    </dgm:pt>
+    <dgm:pt modelId="{2A609AAA-8606-443B-9479-A56698C39AC0}" type="pres">
+      <dgm:prSet presAssocID="{A8AAE4E1-B843-436D-ACEC-725A9EE2F3A5}" presName="sibTrans" presStyleCnt="0"/>
+      <dgm:spPr/>
+    </dgm:pt>
+    <dgm:pt modelId="{6B97FC57-FCE2-48F9-80E4-5A4A6A45BEE5}" type="pres">
+      <dgm:prSet presAssocID="{94523E17-8C6C-4637-96DA-A4C41905D553}" presName="compositeNode" presStyleCnt="0">
+        <dgm:presLayoutVars>
+          <dgm:bulletEnabled val="1"/>
+        </dgm:presLayoutVars>
+      </dgm:prSet>
+      <dgm:spPr/>
+    </dgm:pt>
+    <dgm:pt modelId="{D099EECD-AFDE-4787-B923-BA59BB2D2D6F}" type="pres">
+      <dgm:prSet presAssocID="{94523E17-8C6C-4637-96DA-A4C41905D553}" presName="bgRect" presStyleLbl="bgAccFollowNode1" presStyleIdx="4" presStyleCnt="5"/>
+      <dgm:spPr/>
+    </dgm:pt>
+    <dgm:pt modelId="{B5CFAD74-D76B-4D19-A783-DB1C7914423C}" type="pres">
+      <dgm:prSet presAssocID="{956C0DC6-EC9F-4D57-8A6C-E2E63EFB7101}" presName="sibTransNodeCircle" presStyleLbl="alignNode1" presStyleIdx="8" presStyleCnt="10">
+        <dgm:presLayoutVars>
+          <dgm:chMax val="0"/>
+          <dgm:bulletEnabled/>
+        </dgm:presLayoutVars>
+      </dgm:prSet>
+      <dgm:spPr/>
+    </dgm:pt>
+    <dgm:pt modelId="{23E6D816-03AB-4A1E-91E7-2C5E0A7520AB}" type="pres">
+      <dgm:prSet presAssocID="{94523E17-8C6C-4637-96DA-A4C41905D553}" presName="bottomLine" presStyleLbl="alignNode1" presStyleIdx="9" presStyleCnt="10">
+        <dgm:presLayoutVars/>
+      </dgm:prSet>
+      <dgm:spPr/>
+    </dgm:pt>
+    <dgm:pt modelId="{DD88B33C-1DE3-4E5B-AC40-CFB137B763BE}" type="pres">
+      <dgm:prSet presAssocID="{94523E17-8C6C-4637-96DA-A4C41905D553}" presName="nodeText" presStyleLbl="bgAccFollowNode1" presStyleIdx="4" presStyleCnt="5">
+        <dgm:presLayoutVars>
+          <dgm:bulletEnabled val="1"/>
+        </dgm:presLayoutVars>
+      </dgm:prSet>
+      <dgm:spPr/>
+    </dgm:pt>
+  </dgm:ptLst>
+  <dgm:cxnLst>
+    <dgm:cxn modelId="{A9BE7C07-9018-41B4-BA9B-9397DAFFBFFE}" type="presOf" srcId="{94523E17-8C6C-4637-96DA-A4C41905D553}" destId="{D099EECD-AFDE-4787-B923-BA59BB2D2D6F}" srcOrd="0" destOrd="0" presId="urn:microsoft.com/office/officeart/2016/7/layout/BasicLinearProcessNumbered"/>
+    <dgm:cxn modelId="{90D20410-80E1-4636-95EC-7E0073CEA7AA}" srcId="{2DAF903F-1811-4349-8C5A-B49EC845591D}" destId="{B58809B4-0EA4-4686-9EB7-BC7181631B64}" srcOrd="3" destOrd="0" parTransId="{EB2CBEF4-124F-425E-BAB5-976FFE09124C}" sibTransId="{A8AAE4E1-B843-436D-ACEC-725A9EE2F3A5}"/>
+    <dgm:cxn modelId="{7D29C317-D35E-45F3-9052-109034673B2A}" srcId="{2DAF903F-1811-4349-8C5A-B49EC845591D}" destId="{94523E17-8C6C-4637-96DA-A4C41905D553}" srcOrd="4" destOrd="0" parTransId="{6C251297-EC1B-4CF1-8717-15054F044056}" sibTransId="{956C0DC6-EC9F-4D57-8A6C-E2E63EFB7101}"/>
+    <dgm:cxn modelId="{27E9481F-8462-4F58-A18F-4A4A2AEA95B7}" type="presOf" srcId="{B58809B4-0EA4-4686-9EB7-BC7181631B64}" destId="{153909E2-9490-4B38-956B-731B2DF770D0}" srcOrd="1" destOrd="0" presId="urn:microsoft.com/office/officeart/2016/7/layout/BasicLinearProcessNumbered"/>
+    <dgm:cxn modelId="{6AE2E120-FA1B-445B-BF4B-B808B9439609}" srcId="{2DAF903F-1811-4349-8C5A-B49EC845591D}" destId="{19B7A6CF-4E34-471D-9828-5D2C2499C36E}" srcOrd="0" destOrd="0" parTransId="{F33ADAB5-60D9-495D-9A42-75CDD63F0E0D}" sibTransId="{DD4B015F-D0EE-4445-AE12-E62EED289D70}"/>
+    <dgm:cxn modelId="{9A37E02D-BC21-4AC5-B754-9B4C9BD2813E}" srcId="{2DAF903F-1811-4349-8C5A-B49EC845591D}" destId="{371AEB38-849C-4D02-B3BE-FDD0154D7708}" srcOrd="2" destOrd="0" parTransId="{562B3948-C707-4332-9128-FC110E530D6F}" sibTransId="{165BEACA-64C1-4C8C-BD4B-72F99A5D5678}"/>
+    <dgm:cxn modelId="{99E48E3E-E5A0-441C-9D96-8E057704EAD7}" type="presOf" srcId="{DD4B015F-D0EE-4445-AE12-E62EED289D70}" destId="{E7CD63B4-9E97-4A05-BA73-791A4E481248}" srcOrd="0" destOrd="0" presId="urn:microsoft.com/office/officeart/2016/7/layout/BasicLinearProcessNumbered"/>
+    <dgm:cxn modelId="{E77A2446-865E-43BF-AE50-593C6DCCFC25}" srcId="{2DAF903F-1811-4349-8C5A-B49EC845591D}" destId="{4C5275FF-F01A-4637-B551-0F7F81601A1E}" srcOrd="1" destOrd="0" parTransId="{9E5A5613-3EEF-438D-B7AF-07F19C21ACE1}" sibTransId="{F1915B0A-66ED-4CD7-9F86-18B99FBC12F3}"/>
+    <dgm:cxn modelId="{2B240D6A-B205-4AF2-B76A-836C4E348B68}" type="presOf" srcId="{F1915B0A-66ED-4CD7-9F86-18B99FBC12F3}" destId="{580005C2-B286-4B95-88AE-71530DB4C9F8}" srcOrd="0" destOrd="0" presId="urn:microsoft.com/office/officeart/2016/7/layout/BasicLinearProcessNumbered"/>
+    <dgm:cxn modelId="{998D5250-5015-4BD9-BDFF-787091136BB4}" type="presOf" srcId="{4C5275FF-F01A-4637-B551-0F7F81601A1E}" destId="{C9D8B2CA-0615-45EE-AAB9-AB5DE896E3D7}" srcOrd="0" destOrd="0" presId="urn:microsoft.com/office/officeart/2016/7/layout/BasicLinearProcessNumbered"/>
+    <dgm:cxn modelId="{4680E572-4FC3-41A3-B9A1-65D6248AE722}" type="presOf" srcId="{94523E17-8C6C-4637-96DA-A4C41905D553}" destId="{DD88B33C-1DE3-4E5B-AC40-CFB137B763BE}" srcOrd="1" destOrd="0" presId="urn:microsoft.com/office/officeart/2016/7/layout/BasicLinearProcessNumbered"/>
+    <dgm:cxn modelId="{04A61B76-3030-4D24-B413-274C8B5DF80C}" type="presOf" srcId="{956C0DC6-EC9F-4D57-8A6C-E2E63EFB7101}" destId="{B5CFAD74-D76B-4D19-A783-DB1C7914423C}" srcOrd="0" destOrd="0" presId="urn:microsoft.com/office/officeart/2016/7/layout/BasicLinearProcessNumbered"/>
+    <dgm:cxn modelId="{7057E779-574D-4CCE-9117-3CAEF9DD05F6}" type="presOf" srcId="{19B7A6CF-4E34-471D-9828-5D2C2499C36E}" destId="{93AD9167-6291-4104-BAF7-C0D744918ABF}" srcOrd="1" destOrd="0" presId="urn:microsoft.com/office/officeart/2016/7/layout/BasicLinearProcessNumbered"/>
+    <dgm:cxn modelId="{BE36DD8A-A122-4C61-B5D6-59B3FCBFB694}" type="presOf" srcId="{B58809B4-0EA4-4686-9EB7-BC7181631B64}" destId="{F43D1D0A-305A-48D9-AC03-B8F647C9A97F}" srcOrd="0" destOrd="0" presId="urn:microsoft.com/office/officeart/2016/7/layout/BasicLinearProcessNumbered"/>
+    <dgm:cxn modelId="{A6BFC3A8-A433-465C-9223-E97FDB6B9FF3}" type="presOf" srcId="{A8AAE4E1-B843-436D-ACEC-725A9EE2F3A5}" destId="{ED1FE11B-8B46-4010-A1E9-68E785EFD0D9}" srcOrd="0" destOrd="0" presId="urn:microsoft.com/office/officeart/2016/7/layout/BasicLinearProcessNumbered"/>
+    <dgm:cxn modelId="{0AFAACC5-D9B4-4A37-9BC3-344DB47C3D00}" type="presOf" srcId="{2DAF903F-1811-4349-8C5A-B49EC845591D}" destId="{629804C7-A75A-474B-95FA-24AA419641F0}" srcOrd="0" destOrd="0" presId="urn:microsoft.com/office/officeart/2016/7/layout/BasicLinearProcessNumbered"/>
+    <dgm:cxn modelId="{302555CD-3FB7-45C7-BB21-BE6844D81EFE}" type="presOf" srcId="{371AEB38-849C-4D02-B3BE-FDD0154D7708}" destId="{E5789AC2-5591-40B7-BBC3-633020A88F26}" srcOrd="0" destOrd="0" presId="urn:microsoft.com/office/officeart/2016/7/layout/BasicLinearProcessNumbered"/>
+    <dgm:cxn modelId="{97D8E3D5-D7C0-469E-B6AB-8638EB63ECAE}" type="presOf" srcId="{4C5275FF-F01A-4637-B551-0F7F81601A1E}" destId="{5C92F80A-857A-4F24-91BD-4EB8A906C470}" srcOrd="1" destOrd="0" presId="urn:microsoft.com/office/officeart/2016/7/layout/BasicLinearProcessNumbered"/>
+    <dgm:cxn modelId="{B19A62DA-F1B2-4813-82BB-60800B565306}" type="presOf" srcId="{165BEACA-64C1-4C8C-BD4B-72F99A5D5678}" destId="{090DDAA0-E3CD-408C-B7FC-854367BEE975}" srcOrd="0" destOrd="0" presId="urn:microsoft.com/office/officeart/2016/7/layout/BasicLinearProcessNumbered"/>
+    <dgm:cxn modelId="{47F8B2E5-6B68-47B5-97F1-DFC6E34C1561}" type="presOf" srcId="{19B7A6CF-4E34-471D-9828-5D2C2499C36E}" destId="{3612F99C-FDBE-44C4-A5CC-B377230BAD66}" srcOrd="0" destOrd="0" presId="urn:microsoft.com/office/officeart/2016/7/layout/BasicLinearProcessNumbered"/>
+    <dgm:cxn modelId="{D10881F9-191C-470F-AE07-2F98CFC9A414}" type="presOf" srcId="{371AEB38-849C-4D02-B3BE-FDD0154D7708}" destId="{FE3D4B4F-323F-4414-93F8-E336741B9495}" srcOrd="1" destOrd="0" presId="urn:microsoft.com/office/officeart/2016/7/layout/BasicLinearProcessNumbered"/>
+    <dgm:cxn modelId="{0747D5B7-F59A-4FFF-9166-360188222605}" type="presParOf" srcId="{629804C7-A75A-474B-95FA-24AA419641F0}" destId="{CD8EC2B1-007F-4674-993B-F51CEDC075F6}" srcOrd="0" destOrd="0" presId="urn:microsoft.com/office/officeart/2016/7/layout/BasicLinearProcessNumbered"/>
+    <dgm:cxn modelId="{D98B4C79-A7A0-4C82-9F15-8B5CEC8381DB}" type="presParOf" srcId="{CD8EC2B1-007F-4674-993B-F51CEDC075F6}" destId="{3612F99C-FDBE-44C4-A5CC-B377230BAD66}" srcOrd="0" destOrd="0" presId="urn:microsoft.com/office/officeart/2016/7/layout/BasicLinearProcessNumbered"/>
+    <dgm:cxn modelId="{2CABBC4B-70A4-46AB-89F5-F9418C3B24CD}" type="presParOf" srcId="{CD8EC2B1-007F-4674-993B-F51CEDC075F6}" destId="{E7CD63B4-9E97-4A05-BA73-791A4E481248}" srcOrd="1" destOrd="0" presId="urn:microsoft.com/office/officeart/2016/7/layout/BasicLinearProcessNumbered"/>
+    <dgm:cxn modelId="{E2FA8644-5F67-453B-8226-117634923181}" type="presParOf" srcId="{CD8EC2B1-007F-4674-993B-F51CEDC075F6}" destId="{4C429ABF-4B1F-4470-A57D-17E3F7E99E72}" srcOrd="2" destOrd="0" presId="urn:microsoft.com/office/officeart/2016/7/layout/BasicLinearProcessNumbered"/>
+    <dgm:cxn modelId="{C5CEE7F3-8396-46E6-8BB4-8BD8473C1C32}" type="presParOf" srcId="{CD8EC2B1-007F-4674-993B-F51CEDC075F6}" destId="{93AD9167-6291-4104-BAF7-C0D744918ABF}" srcOrd="3" destOrd="0" presId="urn:microsoft.com/office/officeart/2016/7/layout/BasicLinearProcessNumbered"/>
+    <dgm:cxn modelId="{5075F1EA-427E-4D75-8CD5-8983F1BE3D3A}" type="presParOf" srcId="{629804C7-A75A-474B-95FA-24AA419641F0}" destId="{BE0E0E49-FB50-4808-86B8-D2E804A51B7E}" srcOrd="1" destOrd="0" presId="urn:microsoft.com/office/officeart/2016/7/layout/BasicLinearProcessNumbered"/>
+    <dgm:cxn modelId="{2DC9F1E1-6DE6-464B-9A20-4E55882654DD}" type="presParOf" srcId="{629804C7-A75A-474B-95FA-24AA419641F0}" destId="{EFD1AF98-9AA0-4D8A-B90E-F91B9896EE8E}" srcOrd="2" destOrd="0" presId="urn:microsoft.com/office/officeart/2016/7/layout/BasicLinearProcessNumbered"/>
+    <dgm:cxn modelId="{B72C2838-E902-4C17-A08A-ECF978C1B278}" type="presParOf" srcId="{EFD1AF98-9AA0-4D8A-B90E-F91B9896EE8E}" destId="{C9D8B2CA-0615-45EE-AAB9-AB5DE896E3D7}" srcOrd="0" destOrd="0" presId="urn:microsoft.com/office/officeart/2016/7/layout/BasicLinearProcessNumbered"/>
+    <dgm:cxn modelId="{0F2C554B-3C36-4396-A7E6-A88B47816BFD}" type="presParOf" srcId="{EFD1AF98-9AA0-4D8A-B90E-F91B9896EE8E}" destId="{580005C2-B286-4B95-88AE-71530DB4C9F8}" srcOrd="1" destOrd="0" presId="urn:microsoft.com/office/officeart/2016/7/layout/BasicLinearProcessNumbered"/>
+    <dgm:cxn modelId="{DD763ABB-B9F2-4A41-9F54-E75A6A54FEBA}" type="presParOf" srcId="{EFD1AF98-9AA0-4D8A-B90E-F91B9896EE8E}" destId="{04DCAECD-D1FB-4048-B277-980DC97EA0D4}" srcOrd="2" destOrd="0" presId="urn:microsoft.com/office/officeart/2016/7/layout/BasicLinearProcessNumbered"/>
+    <dgm:cxn modelId="{1B9A2951-C02E-40A7-B014-F6031A6CA365}" type="presParOf" srcId="{EFD1AF98-9AA0-4D8A-B90E-F91B9896EE8E}" destId="{5C92F80A-857A-4F24-91BD-4EB8A906C470}" srcOrd="3" destOrd="0" presId="urn:microsoft.com/office/officeart/2016/7/layout/BasicLinearProcessNumbered"/>
+    <dgm:cxn modelId="{44084841-35C6-4716-8C77-76ACA59216B8}" type="presParOf" srcId="{629804C7-A75A-474B-95FA-24AA419641F0}" destId="{DE48310D-AF25-40CA-B91F-4F6875DBE43A}" srcOrd="3" destOrd="0" presId="urn:microsoft.com/office/officeart/2016/7/layout/BasicLinearProcessNumbered"/>
+    <dgm:cxn modelId="{B2D91BB7-0CF6-4721-B100-BA70E4A85209}" type="presParOf" srcId="{629804C7-A75A-474B-95FA-24AA419641F0}" destId="{134579C4-A1C3-45B5-95EA-F05CE2024E71}" srcOrd="4" destOrd="0" presId="urn:microsoft.com/office/officeart/2016/7/layout/BasicLinearProcessNumbered"/>
+    <dgm:cxn modelId="{C159F47C-7652-47B6-AF88-9CEC40DE48DD}" type="presParOf" srcId="{134579C4-A1C3-45B5-95EA-F05CE2024E71}" destId="{E5789AC2-5591-40B7-BBC3-633020A88F26}" srcOrd="0" destOrd="0" presId="urn:microsoft.com/office/officeart/2016/7/layout/BasicLinearProcessNumbered"/>
+    <dgm:cxn modelId="{2764C72E-BB55-4164-BF64-213A88602926}" type="presParOf" srcId="{134579C4-A1C3-45B5-95EA-F05CE2024E71}" destId="{090DDAA0-E3CD-408C-B7FC-854367BEE975}" srcOrd="1" destOrd="0" presId="urn:microsoft.com/office/officeart/2016/7/layout/BasicLinearProcessNumbered"/>
+    <dgm:cxn modelId="{43D659C9-AA43-4C5C-8D71-BD2B2B377DB7}" type="presParOf" srcId="{134579C4-A1C3-45B5-95EA-F05CE2024E71}" destId="{21D9339D-D8AC-489A-A119-304E645896D7}" srcOrd="2" destOrd="0" presId="urn:microsoft.com/office/officeart/2016/7/layout/BasicLinearProcessNumbered"/>
+    <dgm:cxn modelId="{79FF958B-63D2-464E-82B9-3CDBC761897F}" type="presParOf" srcId="{134579C4-A1C3-45B5-95EA-F05CE2024E71}" destId="{FE3D4B4F-323F-4414-93F8-E336741B9495}" srcOrd="3" destOrd="0" presId="urn:microsoft.com/office/officeart/2016/7/layout/BasicLinearProcessNumbered"/>
+    <dgm:cxn modelId="{D4BBEF6F-C016-4A66-A43A-0AF96AE226B4}" type="presParOf" srcId="{629804C7-A75A-474B-95FA-24AA419641F0}" destId="{A7AA384B-2B5B-45EF-9EDC-E9882E4FD363}" srcOrd="5" destOrd="0" presId="urn:microsoft.com/office/officeart/2016/7/layout/BasicLinearProcessNumbered"/>
+    <dgm:cxn modelId="{BD440862-2A62-4D0F-877A-EADA2375E475}" type="presParOf" srcId="{629804C7-A75A-474B-95FA-24AA419641F0}" destId="{F848161E-7009-414A-92CE-65749ADEAA0C}" srcOrd="6" destOrd="0" presId="urn:microsoft.com/office/officeart/2016/7/layout/BasicLinearProcessNumbered"/>
+    <dgm:cxn modelId="{244919C1-BE9B-4E73-84E2-66D6A218391A}" type="presParOf" srcId="{F848161E-7009-414A-92CE-65749ADEAA0C}" destId="{F43D1D0A-305A-48D9-AC03-B8F647C9A97F}" srcOrd="0" destOrd="0" presId="urn:microsoft.com/office/officeart/2016/7/layout/BasicLinearProcessNumbered"/>
+    <dgm:cxn modelId="{B8D6F993-6C90-4152-8A75-C1D31343F197}" type="presParOf" srcId="{F848161E-7009-414A-92CE-65749ADEAA0C}" destId="{ED1FE11B-8B46-4010-A1E9-68E785EFD0D9}" srcOrd="1" destOrd="0" presId="urn:microsoft.com/office/officeart/2016/7/layout/BasicLinearProcessNumbered"/>
+    <dgm:cxn modelId="{500152D8-29A1-4D09-A272-A45BFAF0DCEF}" type="presParOf" srcId="{F848161E-7009-414A-92CE-65749ADEAA0C}" destId="{AA0D11FE-89C2-46D0-9252-ECA8F7E6E363}" srcOrd="2" destOrd="0" presId="urn:microsoft.com/office/officeart/2016/7/layout/BasicLinearProcessNumbered"/>
+    <dgm:cxn modelId="{3FB6F6BF-5079-4C5A-B31C-05460D1FBD2B}" type="presParOf" srcId="{F848161E-7009-414A-92CE-65749ADEAA0C}" destId="{153909E2-9490-4B38-956B-731B2DF770D0}" srcOrd="3" destOrd="0" presId="urn:microsoft.com/office/officeart/2016/7/layout/BasicLinearProcessNumbered"/>
+    <dgm:cxn modelId="{746C4024-AB8E-4AAF-8C39-EA790E11E7C4}" type="presParOf" srcId="{629804C7-A75A-474B-95FA-24AA419641F0}" destId="{2A609AAA-8606-443B-9479-A56698C39AC0}" srcOrd="7" destOrd="0" presId="urn:microsoft.com/office/officeart/2016/7/layout/BasicLinearProcessNumbered"/>
+    <dgm:cxn modelId="{5B8A5F20-5B53-4D9B-9803-32D8321430FE}" type="presParOf" srcId="{629804C7-A75A-474B-95FA-24AA419641F0}" destId="{6B97FC57-FCE2-48F9-80E4-5A4A6A45BEE5}" srcOrd="8" destOrd="0" presId="urn:microsoft.com/office/officeart/2016/7/layout/BasicLinearProcessNumbered"/>
+    <dgm:cxn modelId="{4DF84182-237F-4DDD-B02B-8F8483210756}" type="presParOf" srcId="{6B97FC57-FCE2-48F9-80E4-5A4A6A45BEE5}" destId="{D099EECD-AFDE-4787-B923-BA59BB2D2D6F}" srcOrd="0" destOrd="0" presId="urn:microsoft.com/office/officeart/2016/7/layout/BasicLinearProcessNumbered"/>
+    <dgm:cxn modelId="{E4B35443-DE11-4E86-B0E4-370385B27794}" type="presParOf" srcId="{6B97FC57-FCE2-48F9-80E4-5A4A6A45BEE5}" destId="{B5CFAD74-D76B-4D19-A783-DB1C7914423C}" srcOrd="1" destOrd="0" presId="urn:microsoft.com/office/officeart/2016/7/layout/BasicLinearProcessNumbered"/>
+    <dgm:cxn modelId="{5D8E690C-29D0-474A-9470-02E9E0837ABC}" type="presParOf" srcId="{6B97FC57-FCE2-48F9-80E4-5A4A6A45BEE5}" destId="{23E6D816-03AB-4A1E-91E7-2C5E0A7520AB}" srcOrd="2" destOrd="0" presId="urn:microsoft.com/office/officeart/2016/7/layout/BasicLinearProcessNumbered"/>
+    <dgm:cxn modelId="{D9558C03-B3D3-4091-A53B-4C5DAC637E18}" type="presParOf" srcId="{6B97FC57-FCE2-48F9-80E4-5A4A6A45BEE5}" destId="{DD88B33C-1DE3-4E5B-AC40-CFB137B763BE}" srcOrd="3" destOrd="0" presId="urn:microsoft.com/office/officeart/2016/7/layout/BasicLinearProcessNumbered"/>
   </dgm:cxnLst>
   <dgm:bg/>
   <dgm:whole/>
@@ -10858,6 +12211,1068 @@
 </dsp:drawing>
 </file>
 
+<file path=ppt/diagrams/drawing6.xml><?xml version="1.0" encoding="utf-8"?>
+<dsp:drawing xmlns:dgm="http://schemas.openxmlformats.org/drawingml/2006/diagram" xmlns:dsp="http://schemas.microsoft.com/office/drawing/2008/diagram" xmlns:a="http://schemas.openxmlformats.org/drawingml/2006/main">
+  <dsp:spTree>
+    <dsp:nvGrpSpPr>
+      <dsp:cNvPr id="0" name=""/>
+      <dsp:cNvGrpSpPr/>
+    </dsp:nvGrpSpPr>
+    <dsp:grpSpPr/>
+    <dsp:sp modelId="{3612F99C-FDBE-44C4-A5CC-B377230BAD66}">
+      <dsp:nvSpPr>
+        <dsp:cNvPr id="0" name=""/>
+        <dsp:cNvSpPr/>
+      </dsp:nvSpPr>
+      <dsp:spPr>
+        <a:xfrm>
+          <a:off x="3513" y="162031"/>
+          <a:ext cx="1902396" cy="2663355"/>
+        </a:xfrm>
+        <a:prstGeom prst="rect">
+          <a:avLst/>
+        </a:prstGeom>
+        <a:solidFill>
+          <a:schemeClr val="accent1">
+            <a:alpha val="90000"/>
+            <a:tint val="40000"/>
+            <a:hueOff val="0"/>
+            <a:satOff val="0"/>
+            <a:lumOff val="0"/>
+            <a:alphaOff val="0"/>
+          </a:schemeClr>
+        </a:solidFill>
+        <a:ln w="12700" cap="flat" cmpd="sng" algn="ctr">
+          <a:solidFill>
+            <a:schemeClr val="lt1">
+              <a:hueOff val="0"/>
+              <a:satOff val="0"/>
+              <a:lumOff val="0"/>
+              <a:alphaOff val="0"/>
+            </a:schemeClr>
+          </a:solidFill>
+          <a:prstDash val="solid"/>
+          <a:miter lim="800000"/>
+        </a:ln>
+        <a:effectLst/>
+      </dsp:spPr>
+      <dsp:style>
+        <a:lnRef idx="2">
+          <a:scrgbClr r="0" g="0" b="0"/>
+        </a:lnRef>
+        <a:fillRef idx="1">
+          <a:scrgbClr r="0" g="0" b="0"/>
+        </a:fillRef>
+        <a:effectRef idx="0">
+          <a:scrgbClr r="0" g="0" b="0"/>
+        </a:effectRef>
+        <a:fontRef idx="minor"/>
+      </dsp:style>
+      <dsp:txBody>
+        <a:bodyPr spcFirstLastPara="0" vert="horz" wrap="square" lIns="148318" tIns="330200" rIns="148318" bIns="330200" numCol="1" spcCol="1270" anchor="t" anchorCtr="0">
+          <a:noAutofit/>
+        </a:bodyPr>
+        <a:lstStyle/>
+        <a:p>
+          <a:pPr marL="0" lvl="0" indent="0" algn="l" defTabSz="577850">
+            <a:lnSpc>
+              <a:spcPct val="90000"/>
+            </a:lnSpc>
+            <a:spcBef>
+              <a:spcPct val="0"/>
+            </a:spcBef>
+            <a:spcAft>
+              <a:spcPct val="35000"/>
+            </a:spcAft>
+            <a:buNone/>
+          </a:pPr>
+          <a:r>
+            <a:rPr lang="en-US" sz="1300" kern="1200" dirty="0"/>
+            <a:t>The Transport Mechanism should be improvised </a:t>
+          </a:r>
+        </a:p>
+      </dsp:txBody>
+      <dsp:txXfrm>
+        <a:off x="3513" y="1174106"/>
+        <a:ext cx="1902396" cy="1598013"/>
+      </dsp:txXfrm>
+    </dsp:sp>
+    <dsp:sp modelId="{E7CD63B4-9E97-4A05-BA73-791A4E481248}">
+      <dsp:nvSpPr>
+        <dsp:cNvPr id="0" name=""/>
+        <dsp:cNvSpPr/>
+      </dsp:nvSpPr>
+      <dsp:spPr>
+        <a:xfrm>
+          <a:off x="555208" y="428366"/>
+          <a:ext cx="799006" cy="799006"/>
+        </a:xfrm>
+        <a:prstGeom prst="ellipse">
+          <a:avLst/>
+        </a:prstGeom>
+        <a:solidFill>
+          <a:schemeClr val="accent1">
+            <a:shade val="80000"/>
+            <a:hueOff val="0"/>
+            <a:satOff val="0"/>
+            <a:lumOff val="0"/>
+            <a:alphaOff val="0"/>
+          </a:schemeClr>
+        </a:solidFill>
+        <a:ln w="12700" cap="flat" cmpd="sng" algn="ctr">
+          <a:solidFill>
+            <a:schemeClr val="accent1">
+              <a:shade val="80000"/>
+              <a:hueOff val="0"/>
+              <a:satOff val="0"/>
+              <a:lumOff val="0"/>
+              <a:alphaOff val="0"/>
+            </a:schemeClr>
+          </a:solidFill>
+          <a:prstDash val="solid"/>
+          <a:miter lim="800000"/>
+        </a:ln>
+        <a:effectLst/>
+      </dsp:spPr>
+      <dsp:style>
+        <a:lnRef idx="2">
+          <a:scrgbClr r="0" g="0" b="0"/>
+        </a:lnRef>
+        <a:fillRef idx="1">
+          <a:scrgbClr r="0" g="0" b="0"/>
+        </a:fillRef>
+        <a:effectRef idx="0">
+          <a:scrgbClr r="0" g="0" b="0"/>
+        </a:effectRef>
+        <a:fontRef idx="minor">
+          <a:schemeClr val="lt1"/>
+        </a:fontRef>
+      </dsp:style>
+      <dsp:txBody>
+        <a:bodyPr spcFirstLastPara="0" vert="horz" wrap="square" lIns="62294" tIns="12700" rIns="62294" bIns="12700" numCol="1" spcCol="1270" anchor="ctr" anchorCtr="0">
+          <a:noAutofit/>
+        </a:bodyPr>
+        <a:lstStyle/>
+        <a:p>
+          <a:pPr marL="0" lvl="0" indent="0" algn="ctr" defTabSz="1689100">
+            <a:lnSpc>
+              <a:spcPct val="90000"/>
+            </a:lnSpc>
+            <a:spcBef>
+              <a:spcPct val="0"/>
+            </a:spcBef>
+            <a:spcAft>
+              <a:spcPct val="35000"/>
+            </a:spcAft>
+            <a:buNone/>
+          </a:pPr>
+          <a:r>
+            <a:rPr lang="en-US" sz="3800" kern="1200"/>
+            <a:t>1</a:t>
+          </a:r>
+        </a:p>
+      </dsp:txBody>
+      <dsp:txXfrm>
+        <a:off x="672220" y="545378"/>
+        <a:ext cx="564982" cy="564982"/>
+      </dsp:txXfrm>
+    </dsp:sp>
+    <dsp:sp modelId="{4C429ABF-4B1F-4470-A57D-17E3F7E99E72}">
+      <dsp:nvSpPr>
+        <dsp:cNvPr id="0" name=""/>
+        <dsp:cNvSpPr/>
+      </dsp:nvSpPr>
+      <dsp:spPr>
+        <a:xfrm>
+          <a:off x="3513" y="2825314"/>
+          <a:ext cx="1902396" cy="72"/>
+        </a:xfrm>
+        <a:prstGeom prst="rect">
+          <a:avLst/>
+        </a:prstGeom>
+        <a:solidFill>
+          <a:schemeClr val="accent1">
+            <a:shade val="80000"/>
+            <a:hueOff val="38809"/>
+            <a:satOff val="-695"/>
+            <a:lumOff val="2954"/>
+            <a:alphaOff val="0"/>
+          </a:schemeClr>
+        </a:solidFill>
+        <a:ln w="12700" cap="flat" cmpd="sng" algn="ctr">
+          <a:solidFill>
+            <a:schemeClr val="accent1">
+              <a:shade val="80000"/>
+              <a:hueOff val="38809"/>
+              <a:satOff val="-695"/>
+              <a:lumOff val="2954"/>
+              <a:alphaOff val="0"/>
+            </a:schemeClr>
+          </a:solidFill>
+          <a:prstDash val="solid"/>
+          <a:miter lim="800000"/>
+        </a:ln>
+        <a:effectLst/>
+      </dsp:spPr>
+      <dsp:style>
+        <a:lnRef idx="2">
+          <a:scrgbClr r="0" g="0" b="0"/>
+        </a:lnRef>
+        <a:fillRef idx="1">
+          <a:scrgbClr r="0" g="0" b="0"/>
+        </a:fillRef>
+        <a:effectRef idx="0">
+          <a:scrgbClr r="0" g="0" b="0"/>
+        </a:effectRef>
+        <a:fontRef idx="minor">
+          <a:schemeClr val="lt1"/>
+        </a:fontRef>
+      </dsp:style>
+    </dsp:sp>
+    <dsp:sp modelId="{C9D8B2CA-0615-45EE-AAB9-AB5DE896E3D7}">
+      <dsp:nvSpPr>
+        <dsp:cNvPr id="0" name=""/>
+        <dsp:cNvSpPr/>
+      </dsp:nvSpPr>
+      <dsp:spPr>
+        <a:xfrm>
+          <a:off x="2096150" y="162031"/>
+          <a:ext cx="1902396" cy="2663355"/>
+        </a:xfrm>
+        <a:prstGeom prst="rect">
+          <a:avLst/>
+        </a:prstGeom>
+        <a:solidFill>
+          <a:schemeClr val="accent1">
+            <a:alpha val="90000"/>
+            <a:tint val="40000"/>
+            <a:hueOff val="0"/>
+            <a:satOff val="0"/>
+            <a:lumOff val="0"/>
+            <a:alphaOff val="0"/>
+          </a:schemeClr>
+        </a:solidFill>
+        <a:ln w="12700" cap="flat" cmpd="sng" algn="ctr">
+          <a:solidFill>
+            <a:schemeClr val="lt1">
+              <a:hueOff val="0"/>
+              <a:satOff val="0"/>
+              <a:lumOff val="0"/>
+              <a:alphaOff val="0"/>
+            </a:schemeClr>
+          </a:solidFill>
+          <a:prstDash val="solid"/>
+          <a:miter lim="800000"/>
+        </a:ln>
+        <a:effectLst/>
+      </dsp:spPr>
+      <dsp:style>
+        <a:lnRef idx="2">
+          <a:scrgbClr r="0" g="0" b="0"/>
+        </a:lnRef>
+        <a:fillRef idx="1">
+          <a:scrgbClr r="0" g="0" b="0"/>
+        </a:fillRef>
+        <a:effectRef idx="0">
+          <a:scrgbClr r="0" g="0" b="0"/>
+        </a:effectRef>
+        <a:fontRef idx="minor"/>
+      </dsp:style>
+      <dsp:txBody>
+        <a:bodyPr spcFirstLastPara="0" vert="horz" wrap="square" lIns="148318" tIns="330200" rIns="148318" bIns="330200" numCol="1" spcCol="1270" anchor="t" anchorCtr="0">
+          <a:noAutofit/>
+        </a:bodyPr>
+        <a:lstStyle/>
+        <a:p>
+          <a:pPr marL="0" lvl="0" indent="0" algn="l" defTabSz="577850">
+            <a:lnSpc>
+              <a:spcPct val="90000"/>
+            </a:lnSpc>
+            <a:spcBef>
+              <a:spcPct val="0"/>
+            </a:spcBef>
+            <a:spcAft>
+              <a:spcPct val="35000"/>
+            </a:spcAft>
+            <a:buNone/>
+          </a:pPr>
+          <a:r>
+            <a:rPr lang="en-US" sz="1300" kern="1200"/>
+            <a:t>Reduce the Number of Passive Chat session on Server to reduce the threads in Server</a:t>
+          </a:r>
+        </a:p>
+      </dsp:txBody>
+      <dsp:txXfrm>
+        <a:off x="2096150" y="1174106"/>
+        <a:ext cx="1902396" cy="1598013"/>
+      </dsp:txXfrm>
+    </dsp:sp>
+    <dsp:sp modelId="{580005C2-B286-4B95-88AE-71530DB4C9F8}">
+      <dsp:nvSpPr>
+        <dsp:cNvPr id="0" name=""/>
+        <dsp:cNvSpPr/>
+      </dsp:nvSpPr>
+      <dsp:spPr>
+        <a:xfrm>
+          <a:off x="2647845" y="428366"/>
+          <a:ext cx="799006" cy="799006"/>
+        </a:xfrm>
+        <a:prstGeom prst="ellipse">
+          <a:avLst/>
+        </a:prstGeom>
+        <a:solidFill>
+          <a:schemeClr val="accent1">
+            <a:shade val="80000"/>
+            <a:hueOff val="77618"/>
+            <a:satOff val="-1390"/>
+            <a:lumOff val="5908"/>
+            <a:alphaOff val="0"/>
+          </a:schemeClr>
+        </a:solidFill>
+        <a:ln w="12700" cap="flat" cmpd="sng" algn="ctr">
+          <a:solidFill>
+            <a:schemeClr val="accent1">
+              <a:shade val="80000"/>
+              <a:hueOff val="77618"/>
+              <a:satOff val="-1390"/>
+              <a:lumOff val="5908"/>
+              <a:alphaOff val="0"/>
+            </a:schemeClr>
+          </a:solidFill>
+          <a:prstDash val="solid"/>
+          <a:miter lim="800000"/>
+        </a:ln>
+        <a:effectLst/>
+      </dsp:spPr>
+      <dsp:style>
+        <a:lnRef idx="2">
+          <a:scrgbClr r="0" g="0" b="0"/>
+        </a:lnRef>
+        <a:fillRef idx="1">
+          <a:scrgbClr r="0" g="0" b="0"/>
+        </a:fillRef>
+        <a:effectRef idx="0">
+          <a:scrgbClr r="0" g="0" b="0"/>
+        </a:effectRef>
+        <a:fontRef idx="minor">
+          <a:schemeClr val="lt1"/>
+        </a:fontRef>
+      </dsp:style>
+      <dsp:txBody>
+        <a:bodyPr spcFirstLastPara="0" vert="horz" wrap="square" lIns="62294" tIns="12700" rIns="62294" bIns="12700" numCol="1" spcCol="1270" anchor="ctr" anchorCtr="0">
+          <a:noAutofit/>
+        </a:bodyPr>
+        <a:lstStyle/>
+        <a:p>
+          <a:pPr marL="0" lvl="0" indent="0" algn="ctr" defTabSz="1689100">
+            <a:lnSpc>
+              <a:spcPct val="90000"/>
+            </a:lnSpc>
+            <a:spcBef>
+              <a:spcPct val="0"/>
+            </a:spcBef>
+            <a:spcAft>
+              <a:spcPct val="35000"/>
+            </a:spcAft>
+            <a:buNone/>
+          </a:pPr>
+          <a:r>
+            <a:rPr lang="en-US" sz="3800" kern="1200"/>
+            <a:t>2</a:t>
+          </a:r>
+        </a:p>
+      </dsp:txBody>
+      <dsp:txXfrm>
+        <a:off x="2764857" y="545378"/>
+        <a:ext cx="564982" cy="564982"/>
+      </dsp:txXfrm>
+    </dsp:sp>
+    <dsp:sp modelId="{04DCAECD-D1FB-4048-B277-980DC97EA0D4}">
+      <dsp:nvSpPr>
+        <dsp:cNvPr id="0" name=""/>
+        <dsp:cNvSpPr/>
+      </dsp:nvSpPr>
+      <dsp:spPr>
+        <a:xfrm>
+          <a:off x="2096150" y="2825314"/>
+          <a:ext cx="1902396" cy="72"/>
+        </a:xfrm>
+        <a:prstGeom prst="rect">
+          <a:avLst/>
+        </a:prstGeom>
+        <a:solidFill>
+          <a:schemeClr val="accent1">
+            <a:shade val="80000"/>
+            <a:hueOff val="116428"/>
+            <a:satOff val="-2085"/>
+            <a:lumOff val="8862"/>
+            <a:alphaOff val="0"/>
+          </a:schemeClr>
+        </a:solidFill>
+        <a:ln w="12700" cap="flat" cmpd="sng" algn="ctr">
+          <a:solidFill>
+            <a:schemeClr val="accent1">
+              <a:shade val="80000"/>
+              <a:hueOff val="116428"/>
+              <a:satOff val="-2085"/>
+              <a:lumOff val="8862"/>
+              <a:alphaOff val="0"/>
+            </a:schemeClr>
+          </a:solidFill>
+          <a:prstDash val="solid"/>
+          <a:miter lim="800000"/>
+        </a:ln>
+        <a:effectLst/>
+      </dsp:spPr>
+      <dsp:style>
+        <a:lnRef idx="2">
+          <a:scrgbClr r="0" g="0" b="0"/>
+        </a:lnRef>
+        <a:fillRef idx="1">
+          <a:scrgbClr r="0" g="0" b="0"/>
+        </a:fillRef>
+        <a:effectRef idx="0">
+          <a:scrgbClr r="0" g="0" b="0"/>
+        </a:effectRef>
+        <a:fontRef idx="minor">
+          <a:schemeClr val="lt1"/>
+        </a:fontRef>
+      </dsp:style>
+    </dsp:sp>
+    <dsp:sp modelId="{E5789AC2-5591-40B7-BBC3-633020A88F26}">
+      <dsp:nvSpPr>
+        <dsp:cNvPr id="0" name=""/>
+        <dsp:cNvSpPr/>
+      </dsp:nvSpPr>
+      <dsp:spPr>
+        <a:xfrm>
+          <a:off x="4188787" y="162031"/>
+          <a:ext cx="1902396" cy="2663355"/>
+        </a:xfrm>
+        <a:prstGeom prst="rect">
+          <a:avLst/>
+        </a:prstGeom>
+        <a:solidFill>
+          <a:schemeClr val="accent1">
+            <a:alpha val="90000"/>
+            <a:tint val="40000"/>
+            <a:hueOff val="0"/>
+            <a:satOff val="0"/>
+            <a:lumOff val="0"/>
+            <a:alphaOff val="0"/>
+          </a:schemeClr>
+        </a:solidFill>
+        <a:ln w="12700" cap="flat" cmpd="sng" algn="ctr">
+          <a:solidFill>
+            <a:schemeClr val="lt1">
+              <a:hueOff val="0"/>
+              <a:satOff val="0"/>
+              <a:lumOff val="0"/>
+              <a:alphaOff val="0"/>
+            </a:schemeClr>
+          </a:solidFill>
+          <a:prstDash val="solid"/>
+          <a:miter lim="800000"/>
+        </a:ln>
+        <a:effectLst/>
+      </dsp:spPr>
+      <dsp:style>
+        <a:lnRef idx="2">
+          <a:scrgbClr r="0" g="0" b="0"/>
+        </a:lnRef>
+        <a:fillRef idx="1">
+          <a:scrgbClr r="0" g="0" b="0"/>
+        </a:fillRef>
+        <a:effectRef idx="0">
+          <a:scrgbClr r="0" g="0" b="0"/>
+        </a:effectRef>
+        <a:fontRef idx="minor"/>
+      </dsp:style>
+      <dsp:txBody>
+        <a:bodyPr spcFirstLastPara="0" vert="horz" wrap="square" lIns="148318" tIns="330200" rIns="148318" bIns="330200" numCol="1" spcCol="1270" anchor="t" anchorCtr="0">
+          <a:noAutofit/>
+        </a:bodyPr>
+        <a:lstStyle/>
+        <a:p>
+          <a:pPr marL="0" lvl="0" indent="0" algn="l" defTabSz="577850">
+            <a:lnSpc>
+              <a:spcPct val="90000"/>
+            </a:lnSpc>
+            <a:spcBef>
+              <a:spcPct val="0"/>
+            </a:spcBef>
+            <a:spcAft>
+              <a:spcPct val="35000"/>
+            </a:spcAft>
+            <a:buNone/>
+          </a:pPr>
+          <a:r>
+            <a:rPr lang="en-US" sz="1300" kern="1200"/>
+            <a:t>Client and Server can communicate via TCP Sockets and Close the socket whenever there is no need .</a:t>
+          </a:r>
+        </a:p>
+      </dsp:txBody>
+      <dsp:txXfrm>
+        <a:off x="4188787" y="1174106"/>
+        <a:ext cx="1902396" cy="1598013"/>
+      </dsp:txXfrm>
+    </dsp:sp>
+    <dsp:sp modelId="{090DDAA0-E3CD-408C-B7FC-854367BEE975}">
+      <dsp:nvSpPr>
+        <dsp:cNvPr id="0" name=""/>
+        <dsp:cNvSpPr/>
+      </dsp:nvSpPr>
+      <dsp:spPr>
+        <a:xfrm>
+          <a:off x="4740482" y="428366"/>
+          <a:ext cx="799006" cy="799006"/>
+        </a:xfrm>
+        <a:prstGeom prst="ellipse">
+          <a:avLst/>
+        </a:prstGeom>
+        <a:solidFill>
+          <a:schemeClr val="accent1">
+            <a:shade val="80000"/>
+            <a:hueOff val="155237"/>
+            <a:satOff val="-2780"/>
+            <a:lumOff val="11816"/>
+            <a:alphaOff val="0"/>
+          </a:schemeClr>
+        </a:solidFill>
+        <a:ln w="12700" cap="flat" cmpd="sng" algn="ctr">
+          <a:solidFill>
+            <a:schemeClr val="accent1">
+              <a:shade val="80000"/>
+              <a:hueOff val="155237"/>
+              <a:satOff val="-2780"/>
+              <a:lumOff val="11816"/>
+              <a:alphaOff val="0"/>
+            </a:schemeClr>
+          </a:solidFill>
+          <a:prstDash val="solid"/>
+          <a:miter lim="800000"/>
+        </a:ln>
+        <a:effectLst/>
+      </dsp:spPr>
+      <dsp:style>
+        <a:lnRef idx="2">
+          <a:scrgbClr r="0" g="0" b="0"/>
+        </a:lnRef>
+        <a:fillRef idx="1">
+          <a:scrgbClr r="0" g="0" b="0"/>
+        </a:fillRef>
+        <a:effectRef idx="0">
+          <a:scrgbClr r="0" g="0" b="0"/>
+        </a:effectRef>
+        <a:fontRef idx="minor">
+          <a:schemeClr val="lt1"/>
+        </a:fontRef>
+      </dsp:style>
+      <dsp:txBody>
+        <a:bodyPr spcFirstLastPara="0" vert="horz" wrap="square" lIns="62294" tIns="12700" rIns="62294" bIns="12700" numCol="1" spcCol="1270" anchor="ctr" anchorCtr="0">
+          <a:noAutofit/>
+        </a:bodyPr>
+        <a:lstStyle/>
+        <a:p>
+          <a:pPr marL="0" lvl="0" indent="0" algn="ctr" defTabSz="1689100">
+            <a:lnSpc>
+              <a:spcPct val="90000"/>
+            </a:lnSpc>
+            <a:spcBef>
+              <a:spcPct val="0"/>
+            </a:spcBef>
+            <a:spcAft>
+              <a:spcPct val="35000"/>
+            </a:spcAft>
+            <a:buNone/>
+          </a:pPr>
+          <a:r>
+            <a:rPr lang="en-US" sz="3800" kern="1200"/>
+            <a:t>3</a:t>
+          </a:r>
+        </a:p>
+      </dsp:txBody>
+      <dsp:txXfrm>
+        <a:off x="4857494" y="545378"/>
+        <a:ext cx="564982" cy="564982"/>
+      </dsp:txXfrm>
+    </dsp:sp>
+    <dsp:sp modelId="{21D9339D-D8AC-489A-A119-304E645896D7}">
+      <dsp:nvSpPr>
+        <dsp:cNvPr id="0" name=""/>
+        <dsp:cNvSpPr/>
+      </dsp:nvSpPr>
+      <dsp:spPr>
+        <a:xfrm>
+          <a:off x="4188787" y="2825314"/>
+          <a:ext cx="1902396" cy="72"/>
+        </a:xfrm>
+        <a:prstGeom prst="rect">
+          <a:avLst/>
+        </a:prstGeom>
+        <a:solidFill>
+          <a:schemeClr val="accent1">
+            <a:shade val="80000"/>
+            <a:hueOff val="194046"/>
+            <a:satOff val="-3476"/>
+            <a:lumOff val="14769"/>
+            <a:alphaOff val="0"/>
+          </a:schemeClr>
+        </a:solidFill>
+        <a:ln w="12700" cap="flat" cmpd="sng" algn="ctr">
+          <a:solidFill>
+            <a:schemeClr val="accent1">
+              <a:shade val="80000"/>
+              <a:hueOff val="194046"/>
+              <a:satOff val="-3476"/>
+              <a:lumOff val="14769"/>
+              <a:alphaOff val="0"/>
+            </a:schemeClr>
+          </a:solidFill>
+          <a:prstDash val="solid"/>
+          <a:miter lim="800000"/>
+        </a:ln>
+        <a:effectLst/>
+      </dsp:spPr>
+      <dsp:style>
+        <a:lnRef idx="2">
+          <a:scrgbClr r="0" g="0" b="0"/>
+        </a:lnRef>
+        <a:fillRef idx="1">
+          <a:scrgbClr r="0" g="0" b="0"/>
+        </a:fillRef>
+        <a:effectRef idx="0">
+          <a:scrgbClr r="0" g="0" b="0"/>
+        </a:effectRef>
+        <a:fontRef idx="minor">
+          <a:schemeClr val="lt1"/>
+        </a:fontRef>
+      </dsp:style>
+    </dsp:sp>
+    <dsp:sp modelId="{F43D1D0A-305A-48D9-AC03-B8F647C9A97F}">
+      <dsp:nvSpPr>
+        <dsp:cNvPr id="0" name=""/>
+        <dsp:cNvSpPr/>
+      </dsp:nvSpPr>
+      <dsp:spPr>
+        <a:xfrm>
+          <a:off x="6281423" y="162031"/>
+          <a:ext cx="1902396" cy="2663355"/>
+        </a:xfrm>
+        <a:prstGeom prst="rect">
+          <a:avLst/>
+        </a:prstGeom>
+        <a:solidFill>
+          <a:schemeClr val="accent1">
+            <a:alpha val="90000"/>
+            <a:tint val="40000"/>
+            <a:hueOff val="0"/>
+            <a:satOff val="0"/>
+            <a:lumOff val="0"/>
+            <a:alphaOff val="0"/>
+          </a:schemeClr>
+        </a:solidFill>
+        <a:ln w="12700" cap="flat" cmpd="sng" algn="ctr">
+          <a:solidFill>
+            <a:schemeClr val="lt1">
+              <a:hueOff val="0"/>
+              <a:satOff val="0"/>
+              <a:lumOff val="0"/>
+              <a:alphaOff val="0"/>
+            </a:schemeClr>
+          </a:solidFill>
+          <a:prstDash val="solid"/>
+          <a:miter lim="800000"/>
+        </a:ln>
+        <a:effectLst/>
+      </dsp:spPr>
+      <dsp:style>
+        <a:lnRef idx="2">
+          <a:scrgbClr r="0" g="0" b="0"/>
+        </a:lnRef>
+        <a:fillRef idx="1">
+          <a:scrgbClr r="0" g="0" b="0"/>
+        </a:fillRef>
+        <a:effectRef idx="0">
+          <a:scrgbClr r="0" g="0" b="0"/>
+        </a:effectRef>
+        <a:fontRef idx="minor"/>
+      </dsp:style>
+      <dsp:txBody>
+        <a:bodyPr spcFirstLastPara="0" vert="horz" wrap="square" lIns="148318" tIns="330200" rIns="148318" bIns="330200" numCol="1" spcCol="1270" anchor="t" anchorCtr="0">
+          <a:noAutofit/>
+        </a:bodyPr>
+        <a:lstStyle/>
+        <a:p>
+          <a:pPr marL="0" lvl="0" indent="0" algn="l" defTabSz="577850">
+            <a:lnSpc>
+              <a:spcPct val="90000"/>
+            </a:lnSpc>
+            <a:spcBef>
+              <a:spcPct val="0"/>
+            </a:spcBef>
+            <a:spcAft>
+              <a:spcPct val="35000"/>
+            </a:spcAft>
+            <a:buNone/>
+          </a:pPr>
+          <a:r>
+            <a:rPr lang="en-US" sz="1300" kern="1200"/>
+            <a:t>Clients will use Datagram Protocol to send the Online Heart Beat Status to server. </a:t>
+          </a:r>
+        </a:p>
+      </dsp:txBody>
+      <dsp:txXfrm>
+        <a:off x="6281423" y="1174106"/>
+        <a:ext cx="1902396" cy="1598013"/>
+      </dsp:txXfrm>
+    </dsp:sp>
+    <dsp:sp modelId="{ED1FE11B-8B46-4010-A1E9-68E785EFD0D9}">
+      <dsp:nvSpPr>
+        <dsp:cNvPr id="0" name=""/>
+        <dsp:cNvSpPr/>
+      </dsp:nvSpPr>
+      <dsp:spPr>
+        <a:xfrm>
+          <a:off x="6833118" y="428366"/>
+          <a:ext cx="799006" cy="799006"/>
+        </a:xfrm>
+        <a:prstGeom prst="ellipse">
+          <a:avLst/>
+        </a:prstGeom>
+        <a:solidFill>
+          <a:schemeClr val="accent1">
+            <a:shade val="80000"/>
+            <a:hueOff val="232855"/>
+            <a:satOff val="-4171"/>
+            <a:lumOff val="17723"/>
+            <a:alphaOff val="0"/>
+          </a:schemeClr>
+        </a:solidFill>
+        <a:ln w="12700" cap="flat" cmpd="sng" algn="ctr">
+          <a:solidFill>
+            <a:schemeClr val="accent1">
+              <a:shade val="80000"/>
+              <a:hueOff val="232855"/>
+              <a:satOff val="-4171"/>
+              <a:lumOff val="17723"/>
+              <a:alphaOff val="0"/>
+            </a:schemeClr>
+          </a:solidFill>
+          <a:prstDash val="solid"/>
+          <a:miter lim="800000"/>
+        </a:ln>
+        <a:effectLst/>
+      </dsp:spPr>
+      <dsp:style>
+        <a:lnRef idx="2">
+          <a:scrgbClr r="0" g="0" b="0"/>
+        </a:lnRef>
+        <a:fillRef idx="1">
+          <a:scrgbClr r="0" g="0" b="0"/>
+        </a:fillRef>
+        <a:effectRef idx="0">
+          <a:scrgbClr r="0" g="0" b="0"/>
+        </a:effectRef>
+        <a:fontRef idx="minor">
+          <a:schemeClr val="lt1"/>
+        </a:fontRef>
+      </dsp:style>
+      <dsp:txBody>
+        <a:bodyPr spcFirstLastPara="0" vert="horz" wrap="square" lIns="62294" tIns="12700" rIns="62294" bIns="12700" numCol="1" spcCol="1270" anchor="ctr" anchorCtr="0">
+          <a:noAutofit/>
+        </a:bodyPr>
+        <a:lstStyle/>
+        <a:p>
+          <a:pPr marL="0" lvl="0" indent="0" algn="ctr" defTabSz="1689100">
+            <a:lnSpc>
+              <a:spcPct val="90000"/>
+            </a:lnSpc>
+            <a:spcBef>
+              <a:spcPct val="0"/>
+            </a:spcBef>
+            <a:spcAft>
+              <a:spcPct val="35000"/>
+            </a:spcAft>
+            <a:buNone/>
+          </a:pPr>
+          <a:r>
+            <a:rPr lang="en-US" sz="3800" kern="1200"/>
+            <a:t>4</a:t>
+          </a:r>
+        </a:p>
+      </dsp:txBody>
+      <dsp:txXfrm>
+        <a:off x="6950130" y="545378"/>
+        <a:ext cx="564982" cy="564982"/>
+      </dsp:txXfrm>
+    </dsp:sp>
+    <dsp:sp modelId="{AA0D11FE-89C2-46D0-9252-ECA8F7E6E363}">
+      <dsp:nvSpPr>
+        <dsp:cNvPr id="0" name=""/>
+        <dsp:cNvSpPr/>
+      </dsp:nvSpPr>
+      <dsp:spPr>
+        <a:xfrm>
+          <a:off x="6281423" y="2825314"/>
+          <a:ext cx="1902396" cy="72"/>
+        </a:xfrm>
+        <a:prstGeom prst="rect">
+          <a:avLst/>
+        </a:prstGeom>
+        <a:solidFill>
+          <a:schemeClr val="accent1">
+            <a:shade val="80000"/>
+            <a:hueOff val="271664"/>
+            <a:satOff val="-4866"/>
+            <a:lumOff val="20677"/>
+            <a:alphaOff val="0"/>
+          </a:schemeClr>
+        </a:solidFill>
+        <a:ln w="12700" cap="flat" cmpd="sng" algn="ctr">
+          <a:solidFill>
+            <a:schemeClr val="accent1">
+              <a:shade val="80000"/>
+              <a:hueOff val="271664"/>
+              <a:satOff val="-4866"/>
+              <a:lumOff val="20677"/>
+              <a:alphaOff val="0"/>
+            </a:schemeClr>
+          </a:solidFill>
+          <a:prstDash val="solid"/>
+          <a:miter lim="800000"/>
+        </a:ln>
+        <a:effectLst/>
+      </dsp:spPr>
+      <dsp:style>
+        <a:lnRef idx="2">
+          <a:scrgbClr r="0" g="0" b="0"/>
+        </a:lnRef>
+        <a:fillRef idx="1">
+          <a:scrgbClr r="0" g="0" b="0"/>
+        </a:fillRef>
+        <a:effectRef idx="0">
+          <a:scrgbClr r="0" g="0" b="0"/>
+        </a:effectRef>
+        <a:fontRef idx="minor">
+          <a:schemeClr val="lt1"/>
+        </a:fontRef>
+      </dsp:style>
+    </dsp:sp>
+    <dsp:sp modelId="{D099EECD-AFDE-4787-B923-BA59BB2D2D6F}">
+      <dsp:nvSpPr>
+        <dsp:cNvPr id="0" name=""/>
+        <dsp:cNvSpPr/>
+      </dsp:nvSpPr>
+      <dsp:spPr>
+        <a:xfrm>
+          <a:off x="8374060" y="162031"/>
+          <a:ext cx="1902396" cy="2663355"/>
+        </a:xfrm>
+        <a:prstGeom prst="rect">
+          <a:avLst/>
+        </a:prstGeom>
+        <a:solidFill>
+          <a:schemeClr val="accent1">
+            <a:alpha val="90000"/>
+            <a:tint val="40000"/>
+            <a:hueOff val="0"/>
+            <a:satOff val="0"/>
+            <a:lumOff val="0"/>
+            <a:alphaOff val="0"/>
+          </a:schemeClr>
+        </a:solidFill>
+        <a:ln w="12700" cap="flat" cmpd="sng" algn="ctr">
+          <a:solidFill>
+            <a:schemeClr val="lt1">
+              <a:hueOff val="0"/>
+              <a:satOff val="0"/>
+              <a:lumOff val="0"/>
+              <a:alphaOff val="0"/>
+            </a:schemeClr>
+          </a:solidFill>
+          <a:prstDash val="solid"/>
+          <a:miter lim="800000"/>
+        </a:ln>
+        <a:effectLst/>
+      </dsp:spPr>
+      <dsp:style>
+        <a:lnRef idx="2">
+          <a:scrgbClr r="0" g="0" b="0"/>
+        </a:lnRef>
+        <a:fillRef idx="1">
+          <a:scrgbClr r="0" g="0" b="0"/>
+        </a:fillRef>
+        <a:effectRef idx="0">
+          <a:scrgbClr r="0" g="0" b="0"/>
+        </a:effectRef>
+        <a:fontRef idx="minor"/>
+      </dsp:style>
+      <dsp:txBody>
+        <a:bodyPr spcFirstLastPara="0" vert="horz" wrap="square" lIns="148318" tIns="330200" rIns="148318" bIns="330200" numCol="1" spcCol="1270" anchor="t" anchorCtr="0">
+          <a:noAutofit/>
+        </a:bodyPr>
+        <a:lstStyle/>
+        <a:p>
+          <a:pPr marL="0" lvl="0" indent="0" algn="l" defTabSz="577850">
+            <a:lnSpc>
+              <a:spcPct val="90000"/>
+            </a:lnSpc>
+            <a:spcBef>
+              <a:spcPct val="0"/>
+            </a:spcBef>
+            <a:spcAft>
+              <a:spcPct val="35000"/>
+            </a:spcAft>
+            <a:buNone/>
+          </a:pPr>
+          <a:r>
+            <a:rPr lang="en-US" sz="1300" kern="1200" dirty="0"/>
+            <a:t>MQTT would be an ideal Protocol if the chat service supports multiple Rooms</a:t>
+          </a:r>
+        </a:p>
+      </dsp:txBody>
+      <dsp:txXfrm>
+        <a:off x="8374060" y="1174106"/>
+        <a:ext cx="1902396" cy="1598013"/>
+      </dsp:txXfrm>
+    </dsp:sp>
+    <dsp:sp modelId="{B5CFAD74-D76B-4D19-A783-DB1C7914423C}">
+      <dsp:nvSpPr>
+        <dsp:cNvPr id="0" name=""/>
+        <dsp:cNvSpPr/>
+      </dsp:nvSpPr>
+      <dsp:spPr>
+        <a:xfrm>
+          <a:off x="8925755" y="428366"/>
+          <a:ext cx="799006" cy="799006"/>
+        </a:xfrm>
+        <a:prstGeom prst="ellipse">
+          <a:avLst/>
+        </a:prstGeom>
+        <a:solidFill>
+          <a:schemeClr val="accent1">
+            <a:shade val="80000"/>
+            <a:hueOff val="310474"/>
+            <a:satOff val="-5561"/>
+            <a:lumOff val="23631"/>
+            <a:alphaOff val="0"/>
+          </a:schemeClr>
+        </a:solidFill>
+        <a:ln w="12700" cap="flat" cmpd="sng" algn="ctr">
+          <a:solidFill>
+            <a:schemeClr val="accent1">
+              <a:shade val="80000"/>
+              <a:hueOff val="310474"/>
+              <a:satOff val="-5561"/>
+              <a:lumOff val="23631"/>
+              <a:alphaOff val="0"/>
+            </a:schemeClr>
+          </a:solidFill>
+          <a:prstDash val="solid"/>
+          <a:miter lim="800000"/>
+        </a:ln>
+        <a:effectLst/>
+      </dsp:spPr>
+      <dsp:style>
+        <a:lnRef idx="2">
+          <a:scrgbClr r="0" g="0" b="0"/>
+        </a:lnRef>
+        <a:fillRef idx="1">
+          <a:scrgbClr r="0" g="0" b="0"/>
+        </a:fillRef>
+        <a:effectRef idx="0">
+          <a:scrgbClr r="0" g="0" b="0"/>
+        </a:effectRef>
+        <a:fontRef idx="minor">
+          <a:schemeClr val="lt1"/>
+        </a:fontRef>
+      </dsp:style>
+      <dsp:txBody>
+        <a:bodyPr spcFirstLastPara="0" vert="horz" wrap="square" lIns="62294" tIns="12700" rIns="62294" bIns="12700" numCol="1" spcCol="1270" anchor="ctr" anchorCtr="0">
+          <a:noAutofit/>
+        </a:bodyPr>
+        <a:lstStyle/>
+        <a:p>
+          <a:pPr marL="0" lvl="0" indent="0" algn="ctr" defTabSz="1689100">
+            <a:lnSpc>
+              <a:spcPct val="90000"/>
+            </a:lnSpc>
+            <a:spcBef>
+              <a:spcPct val="0"/>
+            </a:spcBef>
+            <a:spcAft>
+              <a:spcPct val="35000"/>
+            </a:spcAft>
+            <a:buNone/>
+          </a:pPr>
+          <a:r>
+            <a:rPr lang="en-US" sz="3800" kern="1200"/>
+            <a:t>5</a:t>
+          </a:r>
+        </a:p>
+      </dsp:txBody>
+      <dsp:txXfrm>
+        <a:off x="9042767" y="545378"/>
+        <a:ext cx="564982" cy="564982"/>
+      </dsp:txXfrm>
+    </dsp:sp>
+    <dsp:sp modelId="{23E6D816-03AB-4A1E-91E7-2C5E0A7520AB}">
+      <dsp:nvSpPr>
+        <dsp:cNvPr id="0" name=""/>
+        <dsp:cNvSpPr/>
+      </dsp:nvSpPr>
+      <dsp:spPr>
+        <a:xfrm>
+          <a:off x="8374060" y="2825314"/>
+          <a:ext cx="1902396" cy="72"/>
+        </a:xfrm>
+        <a:prstGeom prst="rect">
+          <a:avLst/>
+        </a:prstGeom>
+        <a:solidFill>
+          <a:schemeClr val="accent1">
+            <a:shade val="80000"/>
+            <a:hueOff val="349283"/>
+            <a:satOff val="-6256"/>
+            <a:lumOff val="26585"/>
+            <a:alphaOff val="0"/>
+          </a:schemeClr>
+        </a:solidFill>
+        <a:ln w="12700" cap="flat" cmpd="sng" algn="ctr">
+          <a:solidFill>
+            <a:schemeClr val="accent1">
+              <a:shade val="80000"/>
+              <a:hueOff val="349283"/>
+              <a:satOff val="-6256"/>
+              <a:lumOff val="26585"/>
+              <a:alphaOff val="0"/>
+            </a:schemeClr>
+          </a:solidFill>
+          <a:prstDash val="solid"/>
+          <a:miter lim="800000"/>
+        </a:ln>
+        <a:effectLst/>
+      </dsp:spPr>
+      <dsp:style>
+        <a:lnRef idx="2">
+          <a:scrgbClr r="0" g="0" b="0"/>
+        </a:lnRef>
+        <a:fillRef idx="1">
+          <a:scrgbClr r="0" g="0" b="0"/>
+        </a:fillRef>
+        <a:effectRef idx="0">
+          <a:scrgbClr r="0" g="0" b="0"/>
+        </a:effectRef>
+        <a:fontRef idx="minor">
+          <a:schemeClr val="lt1"/>
+        </a:fontRef>
+      </dsp:style>
+    </dsp:sp>
+  </dsp:spTree>
+</dsp:drawing>
+</file>
+
 <file path=ppt/diagrams/layout1.xml><?xml version="1.0" encoding="utf-8"?>
 <dgm:layoutDef xmlns:dgm="http://schemas.openxmlformats.org/drawingml/2006/diagram" xmlns:a="http://schemas.openxmlformats.org/drawingml/2006/main" uniqueId="urn:microsoft.com/office/officeart/2016/7/layout/VerticalDownArrowProcess">
   <dgm:title val="Vertical Down Arrow Process"/>
@@ -12111,6 +14526,283 @@
 </dgm:layoutDef>
 </file>
 
+<file path=ppt/diagrams/layout6.xml><?xml version="1.0" encoding="utf-8"?>
+<dgm:layoutDef xmlns:dgm="http://schemas.openxmlformats.org/drawingml/2006/diagram" xmlns:a="http://schemas.openxmlformats.org/drawingml/2006/main" uniqueId="urn:microsoft.com/office/officeart/2016/7/layout/BasicLinearProcessNumbered">
+  <dgm:title val="Basic Linear Process Numbered"/>
+  <dgm:desc val="Used to show a progression; a timeline; sequential steps in a task, process, or workflow; or to emphasize movement or direction. Automatic numbers have been introduced to show the steps of the process which appears in a circle. Level 1 and Level 2 text appear in a rectangle."/>
+  <dgm:catLst>
+    <dgm:cat type="process" pri="500"/>
+  </dgm:catLst>
+  <dgm:sampData>
+    <dgm:dataModel>
+      <dgm:ptLst>
+        <dgm:pt modelId="0" type="doc"/>
+        <dgm:pt modelId="1">
+          <dgm:prSet phldr="1"/>
+        </dgm:pt>
+        <dgm:pt modelId="11">
+          <dgm:prSet phldr="1"/>
+        </dgm:pt>
+        <dgm:pt modelId="2">
+          <dgm:prSet phldr="1"/>
+        </dgm:pt>
+        <dgm:pt modelId="21">
+          <dgm:prSet phldr="1"/>
+        </dgm:pt>
+        <dgm:pt modelId="3">
+          <dgm:prSet phldr="1"/>
+        </dgm:pt>
+        <dgm:pt modelId="31">
+          <dgm:prSet phldr="1"/>
+        </dgm:pt>
+        <dgm:pt modelId="101" type="sibTrans" cxnId="4">
+          <dgm:prSet phldrT="1"/>
+          <dgm:t>
+            <a:bodyPr/>
+            <a:lstStyle/>
+            <a:p>
+              <a:r>
+                <a:t>1</a:t>
+              </a:r>
+            </a:p>
+          </dgm:t>
+        </dgm:pt>
+        <dgm:pt modelId="201" type="sibTrans" cxnId="5">
+          <dgm:prSet phldrT="2"/>
+          <dgm:t>
+            <a:bodyPr/>
+            <a:lstStyle/>
+            <a:p>
+              <a:r>
+                <a:t>2</a:t>
+              </a:r>
+            </a:p>
+          </dgm:t>
+        </dgm:pt>
+        <dgm:pt modelId="301" type="sibTrans" cxnId="6">
+          <dgm:prSet phldrT="3"/>
+          <dgm:t>
+            <a:bodyPr/>
+            <a:lstStyle/>
+            <a:p>
+              <a:r>
+                <a:t>3</a:t>
+              </a:r>
+            </a:p>
+          </dgm:t>
+        </dgm:pt>
+      </dgm:ptLst>
+      <dgm:cxnLst>
+        <dgm:cxn modelId="4" srcId="0" destId="1" srcOrd="0" destOrd="0" sibTransId="101"/>
+        <dgm:cxn modelId="5" srcId="0" destId="2" srcOrd="1" destOrd="0" sibTransId="201"/>
+        <dgm:cxn modelId="6" srcId="0" destId="3" srcOrd="2" destOrd="0" sibTransId="301"/>
+        <dgm:cxn modelId="13" srcId="1" destId="11" srcOrd="0" destOrd="0"/>
+        <dgm:cxn modelId="23" srcId="2" destId="21" srcOrd="0" destOrd="0"/>
+        <dgm:cxn modelId="33" srcId="3" destId="31" srcOrd="0" destOrd="0"/>
+      </dgm:cxnLst>
+      <dgm:bg/>
+      <dgm:whole/>
+    </dgm:dataModel>
+  </dgm:sampData>
+  <dgm:styleData>
+    <dgm:dataModel>
+      <dgm:ptLst>
+        <dgm:pt modelId="0" type="doc"/>
+        <dgm:pt modelId="1"/>
+        <dgm:pt modelId="11"/>
+        <dgm:pt modelId="2"/>
+        <dgm:pt modelId="21"/>
+      </dgm:ptLst>
+      <dgm:cxnLst>
+        <dgm:cxn modelId="4" srcId="0" destId="1" srcOrd="0" destOrd="0"/>
+        <dgm:cxn modelId="5" srcId="0" destId="2" srcOrd="1" destOrd="0"/>
+        <dgm:cxn modelId="13" srcId="1" destId="11" srcOrd="0" destOrd="0"/>
+        <dgm:cxn modelId="23" srcId="2" destId="21" srcOrd="0" destOrd="0"/>
+      </dgm:cxnLst>
+      <dgm:bg/>
+      <dgm:whole/>
+    </dgm:dataModel>
+  </dgm:styleData>
+  <dgm:clrData>
+    <dgm:dataModel>
+      <dgm:ptLst>
+        <dgm:pt modelId="0" type="doc"/>
+        <dgm:pt modelId="1"/>
+        <dgm:pt modelId="11"/>
+        <dgm:pt modelId="2"/>
+        <dgm:pt modelId="21"/>
+        <dgm:pt modelId="3"/>
+        <dgm:pt modelId="31"/>
+        <dgm:pt modelId="4"/>
+        <dgm:pt modelId="41"/>
+      </dgm:ptLst>
+      <dgm:cxnLst>
+        <dgm:cxn modelId="5" srcId="0" destId="1" srcOrd="0" destOrd="0"/>
+        <dgm:cxn modelId="6" srcId="0" destId="2" srcOrd="1" destOrd="0"/>
+        <dgm:cxn modelId="7" srcId="0" destId="3" srcOrd="2" destOrd="0"/>
+        <dgm:cxn modelId="8" srcId="0" destId="4" srcOrd="3" destOrd="0"/>
+        <dgm:cxn modelId="13" srcId="1" destId="11" srcOrd="0" destOrd="0"/>
+        <dgm:cxn modelId="23" srcId="2" destId="21" srcOrd="0" destOrd="0"/>
+        <dgm:cxn modelId="33" srcId="3" destId="31" srcOrd="0" destOrd="0"/>
+        <dgm:cxn modelId="43" srcId="4" destId="41" srcOrd="0" destOrd="0"/>
+      </dgm:cxnLst>
+      <dgm:bg/>
+      <dgm:whole/>
+    </dgm:dataModel>
+  </dgm:clrData>
+  <dgm:layoutNode name="Name0">
+    <dgm:varLst>
+      <dgm:animLvl val="lvl"/>
+      <dgm:resizeHandles val="exact"/>
+    </dgm:varLst>
+    <dgm:alg type="lin">
+      <dgm:param type="linDir" val="fromL"/>
+      <dgm:param type="nodeVertAlign" val="t"/>
+    </dgm:alg>
+    <dgm:shape xmlns:r="http://schemas.openxmlformats.org/officeDocument/2006/relationships" r:blip="">
+      <dgm:adjLst/>
+    </dgm:shape>
+    <dgm:presOf/>
+    <dgm:constrLst>
+      <dgm:constr type="h" for="ch" forName="compositeNode" refType="h"/>
+      <dgm:constr type="w" for="ch" forName="compositeNode" refType="w"/>
+      <dgm:constr type="w" for="des" forName="simulatedConn" refType="w" refFor="ch" refForName="compositeNode" fact="0.15"/>
+      <dgm:constr type="h" for="des" forName="simulatedConn" refType="w" refFor="des" refForName="simulatedConn"/>
+      <dgm:constr type="h" for="des" forName="vSp1" refType="w" refFor="ch" refForName="compositeNode" fact="0.8"/>
+      <dgm:constr type="h" for="des" forName="vSp2" refType="w" refFor="ch" refForName="compositeNode" fact="0.07"/>
+      <dgm:constr type="w" for="ch" forName="vProcSp" refType="w" refFor="des" refForName="simulatedConn" op="equ"/>
+      <dgm:constr type="h" for="ch" forName="vProcSp" refType="h" refFor="ch" refForName="compositeNode" op="equ"/>
+      <dgm:constr type="w" for="ch" forName="sibTrans" refType="w" refFor="ch" refForName="compositeNode" fact="0.1"/>
+      <dgm:constr type="primFontSz" for="des" forName="sibTransNodeCircle" op="equ"/>
+      <dgm:constr type="primFontSz" for="des" forName="nodeText" op="equ"/>
+      <dgm:constr type="h" for="des" forName="sibTransNodeCircle" op="equ"/>
+      <dgm:constr type="w" for="des" forName="sibTransNodeCircle" op="equ"/>
+    </dgm:constrLst>
+    <dgm:ruleLst>
+      <dgm:rule type="h" val="NaN" fact="1.2" max="NaN"/>
+    </dgm:ruleLst>
+    <dgm:forEach name="Name4" axis="ch" ptType="node">
+      <dgm:layoutNode name="compositeNode">
+        <dgm:varLst>
+          <dgm:bulletEnabled val="1"/>
+        </dgm:varLst>
+        <dgm:alg type="composite"/>
+        <dgm:constrLst>
+          <dgm:constr type="h" refType="w" op="lte" fact="1.4"/>
+          <dgm:constr type="w" for="ch" forName="bgRect" refType="w"/>
+          <dgm:constr type="h" for="ch" forName="bgRect" refType="h"/>
+          <dgm:constr type="t" for="ch" forName="bgRect"/>
+          <dgm:constr type="l" for="ch" forName="bgRect"/>
+          <dgm:constr type="h" for="ch" forName="sibTransNodeCircle" refType="h" refFor="ch" refForName="bgRect" fact="0.3"/>
+          <dgm:constr type="w" for="ch" forName="sibTransNodeCircle" refType="h" refFor="ch" refForName="sibTransNodeCircle"/>
+          <dgm:constr type="ctrX" for="ch" forName="sibTransNodeCircle" refType="w" fact="0.5"/>
+          <dgm:constr type="ctrY" for="ch" forName="sibTransNodeCircle" refType="h" fact="0.25"/>
+          <dgm:constr type="r" for="ch" forName="nodeText" refType="r" refFor="ch" refForName="bgRect"/>
+          <dgm:constr type="h" for="ch" forName="nodeText" refType="h" refFor="ch" refForName="bgRect" fact="0.6"/>
+          <dgm:constr type="t" for="ch" forName="nodeText" refType="h" refFor="ch" refForName="bgRect" fact="0.38"/>
+          <dgm:constr type="b" for="ch" forName="bottomLine" refType="b" refFor="ch" refForName="bgRect"/>
+          <dgm:constr type="w" for="ch" forName="bottomLine" refType="w" refFor="ch" refForName="bgRect"/>
+          <dgm:constr type="h" for="ch" forName="bottomLine" val="0.002"/>
+        </dgm:constrLst>
+        <dgm:ruleLst/>
+        <dgm:layoutNode name="bgRect" styleLbl="bgAccFollowNode1">
+          <dgm:alg type="sp"/>
+          <dgm:shape xmlns:r="http://schemas.openxmlformats.org/officeDocument/2006/relationships" type="rect" r:blip="">
+            <dgm:adjLst/>
+          </dgm:shape>
+          <dgm:presOf axis="self"/>
+          <dgm:constrLst/>
+          <dgm:ruleLst/>
+        </dgm:layoutNode>
+        <dgm:forEach name="Name19" axis="followSib" ptType="sibTrans" hideLastTrans="0" cnt="1">
+          <dgm:layoutNode name="sibTransNodeCircle" styleLbl="alignNode1">
+            <dgm:varLst>
+              <dgm:chMax val="0"/>
+              <dgm:bulletEnabled/>
+            </dgm:varLst>
+            <dgm:presOf axis="self" ptType="sibTrans"/>
+            <dgm:alg type="tx">
+              <dgm:param type="txAnchorVert" val="mid"/>
+              <dgm:param type="txAnchorHorzCh" val="ctr"/>
+            </dgm:alg>
+            <dgm:shape xmlns:r="http://schemas.openxmlformats.org/officeDocument/2006/relationships" type="ellipse" r:blip="">
+              <dgm:adjLst/>
+            </dgm:shape>
+            <dgm:constrLst>
+              <dgm:constr type="w" refType="h" op="lte"/>
+              <dgm:constr type="primFontSz" val="48"/>
+              <dgm:constr type="tMarg" val="1"/>
+              <dgm:constr type="lMarg" refType="w" fact="0.221"/>
+              <dgm:constr type="rMarg" refType="w" fact="0.221"/>
+              <dgm:constr type="bMarg" val="1"/>
+            </dgm:constrLst>
+            <dgm:ruleLst>
+              <dgm:rule type="primFontSz" val="14" fact="NaN" max="NaN"/>
+            </dgm:ruleLst>
+          </dgm:layoutNode>
+        </dgm:forEach>
+        <dgm:layoutNode name="bottomLine" styleLbl="alignNode1">
+          <dgm:varLst/>
+          <dgm:presOf/>
+          <dgm:alg type="sp"/>
+          <dgm:shape xmlns:r="http://schemas.openxmlformats.org/officeDocument/2006/relationships" type="rect" r:blip="">
+            <dgm:adjLst/>
+          </dgm:shape>
+          <dgm:constrLst/>
+          <dgm:ruleLst/>
+        </dgm:layoutNode>
+        <dgm:layoutNode name="nodeText" styleLbl="bgAccFollowNode1" moveWith="bgRect">
+          <dgm:varLst>
+            <dgm:bulletEnabled val="1"/>
+          </dgm:varLst>
+          <dgm:alg type="tx">
+            <dgm:param type="parTxLTRAlign" val="l"/>
+            <dgm:param type="parTxRTLAlign" val="r"/>
+            <dgm:param type="txAnchorVert" val="t"/>
+          </dgm:alg>
+          <dgm:shape xmlns:r="http://schemas.openxmlformats.org/officeDocument/2006/relationships" type="rect" r:blip="" zOrderOff="-1" hideGeom="1">
+            <dgm:adjLst/>
+          </dgm:shape>
+          <dgm:presOf axis="desOrSelf" ptType="node"/>
+          <dgm:constrLst>
+            <dgm:constr type="primFontSz" val="26"/>
+            <dgm:constr type="tMarg" val="26"/>
+            <dgm:constr type="lMarg" refType="w" fact="0.221"/>
+            <dgm:constr type="rMarg" refType="w" fact="0.221"/>
+            <dgm:constr type="bMarg" val="26"/>
+          </dgm:constrLst>
+          <dgm:ruleLst>
+            <dgm:rule type="primFontSz" val="11" fact="NaN" max="NaN"/>
+          </dgm:ruleLst>
+        </dgm:layoutNode>
+      </dgm:layoutNode>
+      <dgm:forEach name="Name14" axis="followSib" ptType="sibTrans" cnt="1">
+        <dgm:layoutNode name="sibTrans">
+          <dgm:alg type="sp"/>
+          <dgm:shape xmlns:r="http://schemas.openxmlformats.org/officeDocument/2006/relationships" r:blip="">
+            <dgm:adjLst/>
+          </dgm:shape>
+          <dgm:presOf/>
+          <dgm:constrLst/>
+          <dgm:ruleLst/>
+        </dgm:layoutNode>
+      </dgm:forEach>
+    </dgm:forEach>
+  </dgm:layoutNode>
+  <dgm:extLst>
+    <a:ext uri="{4F341089-5ED1-44EC-B178-C955D00A3D55}">
+      <dgm1611:autoBuNodeInfoLst xmlns:dgm1611="http://schemas.microsoft.com/office/drawing/2016/11/diagram">
+        <dgm1611:autoBuNodeInfo lvl="1" ptType="sibTrans">
+          <dgm1611:buPr prefix="" leadZeros="0">
+            <a:buAutoNum type="arabicParenBoth"/>
+          </dgm1611:buPr>
+        </dgm1611:autoBuNodeInfo>
+      </dgm1611:autoBuNodeInfoLst>
+    </a:ext>
+  </dgm:extLst>
+</dgm:layoutDef>
+</file>
+
 <file path=ppt/diagrams/quickStyle1.xml><?xml version="1.0" encoding="utf-8"?>
 <dgm:styleDef xmlns:dgm="http://schemas.openxmlformats.org/drawingml/2006/diagram" xmlns:a="http://schemas.openxmlformats.org/drawingml/2006/main" uniqueId="urn:microsoft.com/office/officeart/2005/8/quickstyle/simple4">
   <dgm:title val=""/>
@@ -17253,6 +19945,1040 @@
         <a:scrgbClr r="0" g="0" b="0"/>
       </a:fillRef>
       <a:effectRef idx="1">
+        <a:scrgbClr r="0" g="0" b="0"/>
+      </a:effectRef>
+      <a:fontRef idx="minor"/>
+    </dgm:style>
+  </dgm:styleLbl>
+  <dgm:styleLbl name="revTx">
+    <dgm:scene3d>
+      <a:camera prst="orthographicFront"/>
+      <a:lightRig rig="threePt" dir="t"/>
+    </dgm:scene3d>
+    <dgm:sp3d/>
+    <dgm:txPr/>
+    <dgm:style>
+      <a:lnRef idx="0">
+        <a:scrgbClr r="0" g="0" b="0"/>
+      </a:lnRef>
+      <a:fillRef idx="0">
+        <a:scrgbClr r="0" g="0" b="0"/>
+      </a:fillRef>
+      <a:effectRef idx="0">
+        <a:scrgbClr r="0" g="0" b="0"/>
+      </a:effectRef>
+      <a:fontRef idx="minor"/>
+    </dgm:style>
+  </dgm:styleLbl>
+</dgm:styleDef>
+</file>
+
+<file path=ppt/diagrams/quickStyle6.xml><?xml version="1.0" encoding="utf-8"?>
+<dgm:styleDef xmlns:dgm="http://schemas.openxmlformats.org/drawingml/2006/diagram" xmlns:a="http://schemas.openxmlformats.org/drawingml/2006/main" uniqueId="urn:microsoft.com/office/officeart/2005/8/quickstyle/simple1">
+  <dgm:title val=""/>
+  <dgm:desc val=""/>
+  <dgm:catLst>
+    <dgm:cat type="simple" pri="10100"/>
+  </dgm:catLst>
+  <dgm:scene3d>
+    <a:camera prst="orthographicFront"/>
+    <a:lightRig rig="threePt" dir="t"/>
+  </dgm:scene3d>
+  <dgm:styleLbl name="node0">
+    <dgm:scene3d>
+      <a:camera prst="orthographicFront"/>
+      <a:lightRig rig="threePt" dir="t"/>
+    </dgm:scene3d>
+    <dgm:sp3d/>
+    <dgm:txPr/>
+    <dgm:style>
+      <a:lnRef idx="2">
+        <a:scrgbClr r="0" g="0" b="0"/>
+      </a:lnRef>
+      <a:fillRef idx="1">
+        <a:scrgbClr r="0" g="0" b="0"/>
+      </a:fillRef>
+      <a:effectRef idx="0">
+        <a:scrgbClr r="0" g="0" b="0"/>
+      </a:effectRef>
+      <a:fontRef idx="minor">
+        <a:schemeClr val="lt1"/>
+      </a:fontRef>
+    </dgm:style>
+  </dgm:styleLbl>
+  <dgm:styleLbl name="lnNode1">
+    <dgm:scene3d>
+      <a:camera prst="orthographicFront"/>
+      <a:lightRig rig="threePt" dir="t"/>
+    </dgm:scene3d>
+    <dgm:sp3d/>
+    <dgm:txPr/>
+    <dgm:style>
+      <a:lnRef idx="2">
+        <a:scrgbClr r="0" g="0" b="0"/>
+      </a:lnRef>
+      <a:fillRef idx="1">
+        <a:scrgbClr r="0" g="0" b="0"/>
+      </a:fillRef>
+      <a:effectRef idx="0">
+        <a:scrgbClr r="0" g="0" b="0"/>
+      </a:effectRef>
+      <a:fontRef idx="minor">
+        <a:schemeClr val="lt1"/>
+      </a:fontRef>
+    </dgm:style>
+  </dgm:styleLbl>
+  <dgm:styleLbl name="vennNode1">
+    <dgm:scene3d>
+      <a:camera prst="orthographicFront"/>
+      <a:lightRig rig="threePt" dir="t"/>
+    </dgm:scene3d>
+    <dgm:sp3d/>
+    <dgm:txPr/>
+    <dgm:style>
+      <a:lnRef idx="2">
+        <a:scrgbClr r="0" g="0" b="0"/>
+      </a:lnRef>
+      <a:fillRef idx="1">
+        <a:scrgbClr r="0" g="0" b="0"/>
+      </a:fillRef>
+      <a:effectRef idx="0">
+        <a:scrgbClr r="0" g="0" b="0"/>
+      </a:effectRef>
+      <a:fontRef idx="minor">
+        <a:schemeClr val="tx1"/>
+      </a:fontRef>
+    </dgm:style>
+  </dgm:styleLbl>
+  <dgm:styleLbl name="alignNode1">
+    <dgm:scene3d>
+      <a:camera prst="orthographicFront"/>
+      <a:lightRig rig="threePt" dir="t"/>
+    </dgm:scene3d>
+    <dgm:sp3d/>
+    <dgm:txPr/>
+    <dgm:style>
+      <a:lnRef idx="2">
+        <a:scrgbClr r="0" g="0" b="0"/>
+      </a:lnRef>
+      <a:fillRef idx="1">
+        <a:scrgbClr r="0" g="0" b="0"/>
+      </a:fillRef>
+      <a:effectRef idx="0">
+        <a:scrgbClr r="0" g="0" b="0"/>
+      </a:effectRef>
+      <a:fontRef idx="minor">
+        <a:schemeClr val="lt1"/>
+      </a:fontRef>
+    </dgm:style>
+  </dgm:styleLbl>
+  <dgm:styleLbl name="node1">
+    <dgm:scene3d>
+      <a:camera prst="orthographicFront"/>
+      <a:lightRig rig="threePt" dir="t"/>
+    </dgm:scene3d>
+    <dgm:sp3d/>
+    <dgm:txPr/>
+    <dgm:style>
+      <a:lnRef idx="2">
+        <a:scrgbClr r="0" g="0" b="0"/>
+      </a:lnRef>
+      <a:fillRef idx="1">
+        <a:scrgbClr r="0" g="0" b="0"/>
+      </a:fillRef>
+      <a:effectRef idx="0">
+        <a:scrgbClr r="0" g="0" b="0"/>
+      </a:effectRef>
+      <a:fontRef idx="minor">
+        <a:schemeClr val="lt1"/>
+      </a:fontRef>
+    </dgm:style>
+  </dgm:styleLbl>
+  <dgm:styleLbl name="node2">
+    <dgm:scene3d>
+      <a:camera prst="orthographicFront"/>
+      <a:lightRig rig="threePt" dir="t"/>
+    </dgm:scene3d>
+    <dgm:sp3d/>
+    <dgm:txPr/>
+    <dgm:style>
+      <a:lnRef idx="2">
+        <a:scrgbClr r="0" g="0" b="0"/>
+      </a:lnRef>
+      <a:fillRef idx="1">
+        <a:scrgbClr r="0" g="0" b="0"/>
+      </a:fillRef>
+      <a:effectRef idx="0">
+        <a:scrgbClr r="0" g="0" b="0"/>
+      </a:effectRef>
+      <a:fontRef idx="minor">
+        <a:schemeClr val="lt1"/>
+      </a:fontRef>
+    </dgm:style>
+  </dgm:styleLbl>
+  <dgm:styleLbl name="node3">
+    <dgm:scene3d>
+      <a:camera prst="orthographicFront"/>
+      <a:lightRig rig="threePt" dir="t"/>
+    </dgm:scene3d>
+    <dgm:sp3d/>
+    <dgm:txPr/>
+    <dgm:style>
+      <a:lnRef idx="2">
+        <a:scrgbClr r="0" g="0" b="0"/>
+      </a:lnRef>
+      <a:fillRef idx="1">
+        <a:scrgbClr r="0" g="0" b="0"/>
+      </a:fillRef>
+      <a:effectRef idx="0">
+        <a:scrgbClr r="0" g="0" b="0"/>
+      </a:effectRef>
+      <a:fontRef idx="minor">
+        <a:schemeClr val="lt1"/>
+      </a:fontRef>
+    </dgm:style>
+  </dgm:styleLbl>
+  <dgm:styleLbl name="node4">
+    <dgm:scene3d>
+      <a:camera prst="orthographicFront"/>
+      <a:lightRig rig="threePt" dir="t"/>
+    </dgm:scene3d>
+    <dgm:sp3d/>
+    <dgm:txPr/>
+    <dgm:style>
+      <a:lnRef idx="2">
+        <a:scrgbClr r="0" g="0" b="0"/>
+      </a:lnRef>
+      <a:fillRef idx="1">
+        <a:scrgbClr r="0" g="0" b="0"/>
+      </a:fillRef>
+      <a:effectRef idx="0">
+        <a:scrgbClr r="0" g="0" b="0"/>
+      </a:effectRef>
+      <a:fontRef idx="minor">
+        <a:schemeClr val="lt1"/>
+      </a:fontRef>
+    </dgm:style>
+  </dgm:styleLbl>
+  <dgm:styleLbl name="fgImgPlace1">
+    <dgm:scene3d>
+      <a:camera prst="orthographicFront"/>
+      <a:lightRig rig="threePt" dir="t"/>
+    </dgm:scene3d>
+    <dgm:sp3d/>
+    <dgm:txPr/>
+    <dgm:style>
+      <a:lnRef idx="2">
+        <a:scrgbClr r="0" g="0" b="0"/>
+      </a:lnRef>
+      <a:fillRef idx="1">
+        <a:scrgbClr r="0" g="0" b="0"/>
+      </a:fillRef>
+      <a:effectRef idx="0">
+        <a:scrgbClr r="0" g="0" b="0"/>
+      </a:effectRef>
+      <a:fontRef idx="minor"/>
+    </dgm:style>
+  </dgm:styleLbl>
+  <dgm:styleLbl name="alignImgPlace1">
+    <dgm:scene3d>
+      <a:camera prst="orthographicFront"/>
+      <a:lightRig rig="threePt" dir="t"/>
+    </dgm:scene3d>
+    <dgm:sp3d/>
+    <dgm:txPr/>
+    <dgm:style>
+      <a:lnRef idx="2">
+        <a:scrgbClr r="0" g="0" b="0"/>
+      </a:lnRef>
+      <a:fillRef idx="1">
+        <a:scrgbClr r="0" g="0" b="0"/>
+      </a:fillRef>
+      <a:effectRef idx="0">
+        <a:scrgbClr r="0" g="0" b="0"/>
+      </a:effectRef>
+      <a:fontRef idx="minor"/>
+    </dgm:style>
+  </dgm:styleLbl>
+  <dgm:styleLbl name="bgImgPlace1">
+    <dgm:scene3d>
+      <a:camera prst="orthographicFront"/>
+      <a:lightRig rig="threePt" dir="t"/>
+    </dgm:scene3d>
+    <dgm:sp3d/>
+    <dgm:txPr/>
+    <dgm:style>
+      <a:lnRef idx="2">
+        <a:scrgbClr r="0" g="0" b="0"/>
+      </a:lnRef>
+      <a:fillRef idx="1">
+        <a:scrgbClr r="0" g="0" b="0"/>
+      </a:fillRef>
+      <a:effectRef idx="0">
+        <a:scrgbClr r="0" g="0" b="0"/>
+      </a:effectRef>
+      <a:fontRef idx="minor"/>
+    </dgm:style>
+  </dgm:styleLbl>
+  <dgm:styleLbl name="sibTrans2D1">
+    <dgm:scene3d>
+      <a:camera prst="orthographicFront"/>
+      <a:lightRig rig="threePt" dir="t"/>
+    </dgm:scene3d>
+    <dgm:sp3d/>
+    <dgm:txPr/>
+    <dgm:style>
+      <a:lnRef idx="0">
+        <a:scrgbClr r="0" g="0" b="0"/>
+      </a:lnRef>
+      <a:fillRef idx="1">
+        <a:scrgbClr r="0" g="0" b="0"/>
+      </a:fillRef>
+      <a:effectRef idx="0">
+        <a:scrgbClr r="0" g="0" b="0"/>
+      </a:effectRef>
+      <a:fontRef idx="minor">
+        <a:schemeClr val="lt1"/>
+      </a:fontRef>
+    </dgm:style>
+  </dgm:styleLbl>
+  <dgm:styleLbl name="fgSibTrans2D1">
+    <dgm:scene3d>
+      <a:camera prst="orthographicFront"/>
+      <a:lightRig rig="threePt" dir="t"/>
+    </dgm:scene3d>
+    <dgm:sp3d/>
+    <dgm:txPr/>
+    <dgm:style>
+      <a:lnRef idx="0">
+        <a:scrgbClr r="0" g="0" b="0"/>
+      </a:lnRef>
+      <a:fillRef idx="1">
+        <a:scrgbClr r="0" g="0" b="0"/>
+      </a:fillRef>
+      <a:effectRef idx="0">
+        <a:scrgbClr r="0" g="0" b="0"/>
+      </a:effectRef>
+      <a:fontRef idx="minor">
+        <a:schemeClr val="lt1"/>
+      </a:fontRef>
+    </dgm:style>
+  </dgm:styleLbl>
+  <dgm:styleLbl name="bgSibTrans2D1">
+    <dgm:scene3d>
+      <a:camera prst="orthographicFront"/>
+      <a:lightRig rig="threePt" dir="t"/>
+    </dgm:scene3d>
+    <dgm:sp3d/>
+    <dgm:txPr/>
+    <dgm:style>
+      <a:lnRef idx="0">
+        <a:scrgbClr r="0" g="0" b="0"/>
+      </a:lnRef>
+      <a:fillRef idx="1">
+        <a:scrgbClr r="0" g="0" b="0"/>
+      </a:fillRef>
+      <a:effectRef idx="0">
+        <a:scrgbClr r="0" g="0" b="0"/>
+      </a:effectRef>
+      <a:fontRef idx="minor">
+        <a:schemeClr val="lt1"/>
+      </a:fontRef>
+    </dgm:style>
+  </dgm:styleLbl>
+  <dgm:styleLbl name="sibTrans1D1">
+    <dgm:scene3d>
+      <a:camera prst="orthographicFront"/>
+      <a:lightRig rig="threePt" dir="t"/>
+    </dgm:scene3d>
+    <dgm:sp3d/>
+    <dgm:txPr/>
+    <dgm:style>
+      <a:lnRef idx="1">
+        <a:scrgbClr r="0" g="0" b="0"/>
+      </a:lnRef>
+      <a:fillRef idx="0">
+        <a:scrgbClr r="0" g="0" b="0"/>
+      </a:fillRef>
+      <a:effectRef idx="0">
+        <a:scrgbClr r="0" g="0" b="0"/>
+      </a:effectRef>
+      <a:fontRef idx="minor"/>
+    </dgm:style>
+  </dgm:styleLbl>
+  <dgm:styleLbl name="callout">
+    <dgm:scene3d>
+      <a:camera prst="orthographicFront"/>
+      <a:lightRig rig="threePt" dir="t"/>
+    </dgm:scene3d>
+    <dgm:sp3d/>
+    <dgm:txPr/>
+    <dgm:style>
+      <a:lnRef idx="2">
+        <a:scrgbClr r="0" g="0" b="0"/>
+      </a:lnRef>
+      <a:fillRef idx="1">
+        <a:scrgbClr r="0" g="0" b="0"/>
+      </a:fillRef>
+      <a:effectRef idx="0">
+        <a:scrgbClr r="0" g="0" b="0"/>
+      </a:effectRef>
+      <a:fontRef idx="minor"/>
+    </dgm:style>
+  </dgm:styleLbl>
+  <dgm:styleLbl name="asst0">
+    <dgm:scene3d>
+      <a:camera prst="orthographicFront"/>
+      <a:lightRig rig="threePt" dir="t"/>
+    </dgm:scene3d>
+    <dgm:sp3d/>
+    <dgm:txPr/>
+    <dgm:style>
+      <a:lnRef idx="2">
+        <a:scrgbClr r="0" g="0" b="0"/>
+      </a:lnRef>
+      <a:fillRef idx="1">
+        <a:scrgbClr r="0" g="0" b="0"/>
+      </a:fillRef>
+      <a:effectRef idx="0">
+        <a:scrgbClr r="0" g="0" b="0"/>
+      </a:effectRef>
+      <a:fontRef idx="minor">
+        <a:schemeClr val="lt1"/>
+      </a:fontRef>
+    </dgm:style>
+  </dgm:styleLbl>
+  <dgm:styleLbl name="asst1">
+    <dgm:scene3d>
+      <a:camera prst="orthographicFront"/>
+      <a:lightRig rig="threePt" dir="t"/>
+    </dgm:scene3d>
+    <dgm:sp3d/>
+    <dgm:txPr/>
+    <dgm:style>
+      <a:lnRef idx="2">
+        <a:scrgbClr r="0" g="0" b="0"/>
+      </a:lnRef>
+      <a:fillRef idx="1">
+        <a:scrgbClr r="0" g="0" b="0"/>
+      </a:fillRef>
+      <a:effectRef idx="0">
+        <a:scrgbClr r="0" g="0" b="0"/>
+      </a:effectRef>
+      <a:fontRef idx="minor">
+        <a:schemeClr val="lt1"/>
+      </a:fontRef>
+    </dgm:style>
+  </dgm:styleLbl>
+  <dgm:styleLbl name="asst2">
+    <dgm:scene3d>
+      <a:camera prst="orthographicFront"/>
+      <a:lightRig rig="threePt" dir="t"/>
+    </dgm:scene3d>
+    <dgm:sp3d/>
+    <dgm:txPr/>
+    <dgm:style>
+      <a:lnRef idx="2">
+        <a:scrgbClr r="0" g="0" b="0"/>
+      </a:lnRef>
+      <a:fillRef idx="1">
+        <a:scrgbClr r="0" g="0" b="0"/>
+      </a:fillRef>
+      <a:effectRef idx="0">
+        <a:scrgbClr r="0" g="0" b="0"/>
+      </a:effectRef>
+      <a:fontRef idx="minor">
+        <a:schemeClr val="lt1"/>
+      </a:fontRef>
+    </dgm:style>
+  </dgm:styleLbl>
+  <dgm:styleLbl name="asst3">
+    <dgm:scene3d>
+      <a:camera prst="orthographicFront"/>
+      <a:lightRig rig="threePt" dir="t"/>
+    </dgm:scene3d>
+    <dgm:sp3d/>
+    <dgm:txPr/>
+    <dgm:style>
+      <a:lnRef idx="2">
+        <a:scrgbClr r="0" g="0" b="0"/>
+      </a:lnRef>
+      <a:fillRef idx="1">
+        <a:scrgbClr r="0" g="0" b="0"/>
+      </a:fillRef>
+      <a:effectRef idx="0">
+        <a:scrgbClr r="0" g="0" b="0"/>
+      </a:effectRef>
+      <a:fontRef idx="minor">
+        <a:schemeClr val="lt1"/>
+      </a:fontRef>
+    </dgm:style>
+  </dgm:styleLbl>
+  <dgm:styleLbl name="asst4">
+    <dgm:scene3d>
+      <a:camera prst="orthographicFront"/>
+      <a:lightRig rig="threePt" dir="t"/>
+    </dgm:scene3d>
+    <dgm:sp3d/>
+    <dgm:txPr/>
+    <dgm:style>
+      <a:lnRef idx="2">
+        <a:scrgbClr r="0" g="0" b="0"/>
+      </a:lnRef>
+      <a:fillRef idx="1">
+        <a:scrgbClr r="0" g="0" b="0"/>
+      </a:fillRef>
+      <a:effectRef idx="0">
+        <a:scrgbClr r="0" g="0" b="0"/>
+      </a:effectRef>
+      <a:fontRef idx="minor">
+        <a:schemeClr val="lt1"/>
+      </a:fontRef>
+    </dgm:style>
+  </dgm:styleLbl>
+  <dgm:styleLbl name="parChTrans2D1">
+    <dgm:scene3d>
+      <a:camera prst="orthographicFront"/>
+      <a:lightRig rig="threePt" dir="t"/>
+    </dgm:scene3d>
+    <dgm:sp3d/>
+    <dgm:txPr/>
+    <dgm:style>
+      <a:lnRef idx="2">
+        <a:scrgbClr r="0" g="0" b="0"/>
+      </a:lnRef>
+      <a:fillRef idx="1">
+        <a:scrgbClr r="0" g="0" b="0"/>
+      </a:fillRef>
+      <a:effectRef idx="0">
+        <a:scrgbClr r="0" g="0" b="0"/>
+      </a:effectRef>
+      <a:fontRef idx="minor">
+        <a:schemeClr val="lt1"/>
+      </a:fontRef>
+    </dgm:style>
+  </dgm:styleLbl>
+  <dgm:styleLbl name="parChTrans2D2">
+    <dgm:scene3d>
+      <a:camera prst="orthographicFront"/>
+      <a:lightRig rig="threePt" dir="t"/>
+    </dgm:scene3d>
+    <dgm:sp3d/>
+    <dgm:txPr/>
+    <dgm:style>
+      <a:lnRef idx="2">
+        <a:scrgbClr r="0" g="0" b="0"/>
+      </a:lnRef>
+      <a:fillRef idx="1">
+        <a:scrgbClr r="0" g="0" b="0"/>
+      </a:fillRef>
+      <a:effectRef idx="0">
+        <a:scrgbClr r="0" g="0" b="0"/>
+      </a:effectRef>
+      <a:fontRef idx="minor">
+        <a:schemeClr val="lt1"/>
+      </a:fontRef>
+    </dgm:style>
+  </dgm:styleLbl>
+  <dgm:styleLbl name="parChTrans2D3">
+    <dgm:scene3d>
+      <a:camera prst="orthographicFront"/>
+      <a:lightRig rig="threePt" dir="t"/>
+    </dgm:scene3d>
+    <dgm:sp3d/>
+    <dgm:txPr/>
+    <dgm:style>
+      <a:lnRef idx="2">
+        <a:scrgbClr r="0" g="0" b="0"/>
+      </a:lnRef>
+      <a:fillRef idx="1">
+        <a:scrgbClr r="0" g="0" b="0"/>
+      </a:fillRef>
+      <a:effectRef idx="0">
+        <a:scrgbClr r="0" g="0" b="0"/>
+      </a:effectRef>
+      <a:fontRef idx="minor">
+        <a:schemeClr val="lt1"/>
+      </a:fontRef>
+    </dgm:style>
+  </dgm:styleLbl>
+  <dgm:styleLbl name="parChTrans2D4">
+    <dgm:scene3d>
+      <a:camera prst="orthographicFront"/>
+      <a:lightRig rig="threePt" dir="t"/>
+    </dgm:scene3d>
+    <dgm:sp3d/>
+    <dgm:txPr/>
+    <dgm:style>
+      <a:lnRef idx="2">
+        <a:scrgbClr r="0" g="0" b="0"/>
+      </a:lnRef>
+      <a:fillRef idx="1">
+        <a:scrgbClr r="0" g="0" b="0"/>
+      </a:fillRef>
+      <a:effectRef idx="0">
+        <a:scrgbClr r="0" g="0" b="0"/>
+      </a:effectRef>
+      <a:fontRef idx="minor">
+        <a:schemeClr val="lt1"/>
+      </a:fontRef>
+    </dgm:style>
+  </dgm:styleLbl>
+  <dgm:styleLbl name="parChTrans1D1">
+    <dgm:scene3d>
+      <a:camera prst="orthographicFront"/>
+      <a:lightRig rig="threePt" dir="t"/>
+    </dgm:scene3d>
+    <dgm:sp3d/>
+    <dgm:txPr/>
+    <dgm:style>
+      <a:lnRef idx="2">
+        <a:scrgbClr r="0" g="0" b="0"/>
+      </a:lnRef>
+      <a:fillRef idx="0">
+        <a:scrgbClr r="0" g="0" b="0"/>
+      </a:fillRef>
+      <a:effectRef idx="0">
+        <a:scrgbClr r="0" g="0" b="0"/>
+      </a:effectRef>
+      <a:fontRef idx="minor"/>
+    </dgm:style>
+  </dgm:styleLbl>
+  <dgm:styleLbl name="parChTrans1D2">
+    <dgm:scene3d>
+      <a:camera prst="orthographicFront"/>
+      <a:lightRig rig="threePt" dir="t"/>
+    </dgm:scene3d>
+    <dgm:sp3d/>
+    <dgm:txPr/>
+    <dgm:style>
+      <a:lnRef idx="2">
+        <a:scrgbClr r="0" g="0" b="0"/>
+      </a:lnRef>
+      <a:fillRef idx="0">
+        <a:scrgbClr r="0" g="0" b="0"/>
+      </a:fillRef>
+      <a:effectRef idx="0">
+        <a:scrgbClr r="0" g="0" b="0"/>
+      </a:effectRef>
+      <a:fontRef idx="minor"/>
+    </dgm:style>
+  </dgm:styleLbl>
+  <dgm:styleLbl name="parChTrans1D3">
+    <dgm:scene3d>
+      <a:camera prst="orthographicFront"/>
+      <a:lightRig rig="threePt" dir="t"/>
+    </dgm:scene3d>
+    <dgm:sp3d/>
+    <dgm:txPr/>
+    <dgm:style>
+      <a:lnRef idx="2">
+        <a:scrgbClr r="0" g="0" b="0"/>
+      </a:lnRef>
+      <a:fillRef idx="0">
+        <a:scrgbClr r="0" g="0" b="0"/>
+      </a:fillRef>
+      <a:effectRef idx="0">
+        <a:scrgbClr r="0" g="0" b="0"/>
+      </a:effectRef>
+      <a:fontRef idx="minor"/>
+    </dgm:style>
+  </dgm:styleLbl>
+  <dgm:styleLbl name="parChTrans1D4">
+    <dgm:scene3d>
+      <a:camera prst="orthographicFront"/>
+      <a:lightRig rig="threePt" dir="t"/>
+    </dgm:scene3d>
+    <dgm:sp3d/>
+    <dgm:txPr/>
+    <dgm:style>
+      <a:lnRef idx="2">
+        <a:scrgbClr r="0" g="0" b="0"/>
+      </a:lnRef>
+      <a:fillRef idx="0">
+        <a:scrgbClr r="0" g="0" b="0"/>
+      </a:fillRef>
+      <a:effectRef idx="0">
+        <a:scrgbClr r="0" g="0" b="0"/>
+      </a:effectRef>
+      <a:fontRef idx="minor"/>
+    </dgm:style>
+  </dgm:styleLbl>
+  <dgm:styleLbl name="fgAcc1">
+    <dgm:scene3d>
+      <a:camera prst="orthographicFront"/>
+      <a:lightRig rig="threePt" dir="t"/>
+    </dgm:scene3d>
+    <dgm:sp3d/>
+    <dgm:txPr/>
+    <dgm:style>
+      <a:lnRef idx="2">
+        <a:scrgbClr r="0" g="0" b="0"/>
+      </a:lnRef>
+      <a:fillRef idx="1">
+        <a:scrgbClr r="0" g="0" b="0"/>
+      </a:fillRef>
+      <a:effectRef idx="0">
+        <a:scrgbClr r="0" g="0" b="0"/>
+      </a:effectRef>
+      <a:fontRef idx="minor"/>
+    </dgm:style>
+  </dgm:styleLbl>
+  <dgm:styleLbl name="conFgAcc1">
+    <dgm:scene3d>
+      <a:camera prst="orthographicFront"/>
+      <a:lightRig rig="threePt" dir="t"/>
+    </dgm:scene3d>
+    <dgm:sp3d/>
+    <dgm:txPr/>
+    <dgm:style>
+      <a:lnRef idx="2">
+        <a:scrgbClr r="0" g="0" b="0"/>
+      </a:lnRef>
+      <a:fillRef idx="1">
+        <a:scrgbClr r="0" g="0" b="0"/>
+      </a:fillRef>
+      <a:effectRef idx="0">
+        <a:scrgbClr r="0" g="0" b="0"/>
+      </a:effectRef>
+      <a:fontRef idx="minor"/>
+    </dgm:style>
+  </dgm:styleLbl>
+  <dgm:styleLbl name="alignAcc1">
+    <dgm:scene3d>
+      <a:camera prst="orthographicFront"/>
+      <a:lightRig rig="threePt" dir="t"/>
+    </dgm:scene3d>
+    <dgm:sp3d/>
+    <dgm:txPr/>
+    <dgm:style>
+      <a:lnRef idx="2">
+        <a:scrgbClr r="0" g="0" b="0"/>
+      </a:lnRef>
+      <a:fillRef idx="1">
+        <a:scrgbClr r="0" g="0" b="0"/>
+      </a:fillRef>
+      <a:effectRef idx="0">
+        <a:scrgbClr r="0" g="0" b="0"/>
+      </a:effectRef>
+      <a:fontRef idx="minor"/>
+    </dgm:style>
+  </dgm:styleLbl>
+  <dgm:styleLbl name="trAlignAcc1">
+    <dgm:scene3d>
+      <a:camera prst="orthographicFront"/>
+      <a:lightRig rig="threePt" dir="t"/>
+    </dgm:scene3d>
+    <dgm:sp3d/>
+    <dgm:txPr/>
+    <dgm:style>
+      <a:lnRef idx="1">
+        <a:scrgbClr r="0" g="0" b="0"/>
+      </a:lnRef>
+      <a:fillRef idx="1">
+        <a:scrgbClr r="0" g="0" b="0"/>
+      </a:fillRef>
+      <a:effectRef idx="0">
+        <a:scrgbClr r="0" g="0" b="0"/>
+      </a:effectRef>
+      <a:fontRef idx="minor"/>
+    </dgm:style>
+  </dgm:styleLbl>
+  <dgm:styleLbl name="bgAcc1">
+    <dgm:scene3d>
+      <a:camera prst="orthographicFront"/>
+      <a:lightRig rig="threePt" dir="t"/>
+    </dgm:scene3d>
+    <dgm:sp3d/>
+    <dgm:txPr/>
+    <dgm:style>
+      <a:lnRef idx="2">
+        <a:scrgbClr r="0" g="0" b="0"/>
+      </a:lnRef>
+      <a:fillRef idx="1">
+        <a:scrgbClr r="0" g="0" b="0"/>
+      </a:fillRef>
+      <a:effectRef idx="0">
+        <a:scrgbClr r="0" g="0" b="0"/>
+      </a:effectRef>
+      <a:fontRef idx="minor"/>
+    </dgm:style>
+  </dgm:styleLbl>
+  <dgm:styleLbl name="solidFgAcc1">
+    <dgm:scene3d>
+      <a:camera prst="orthographicFront"/>
+      <a:lightRig rig="threePt" dir="t"/>
+    </dgm:scene3d>
+    <dgm:sp3d/>
+    <dgm:txPr/>
+    <dgm:style>
+      <a:lnRef idx="2">
+        <a:scrgbClr r="0" g="0" b="0"/>
+      </a:lnRef>
+      <a:fillRef idx="1">
+        <a:scrgbClr r="0" g="0" b="0"/>
+      </a:fillRef>
+      <a:effectRef idx="0">
+        <a:scrgbClr r="0" g="0" b="0"/>
+      </a:effectRef>
+      <a:fontRef idx="minor"/>
+    </dgm:style>
+  </dgm:styleLbl>
+  <dgm:styleLbl name="solidAlignAcc1">
+    <dgm:scene3d>
+      <a:camera prst="orthographicFront"/>
+      <a:lightRig rig="threePt" dir="t"/>
+    </dgm:scene3d>
+    <dgm:sp3d/>
+    <dgm:txPr/>
+    <dgm:style>
+      <a:lnRef idx="2">
+        <a:scrgbClr r="0" g="0" b="0"/>
+      </a:lnRef>
+      <a:fillRef idx="1">
+        <a:scrgbClr r="0" g="0" b="0"/>
+      </a:fillRef>
+      <a:effectRef idx="0">
+        <a:scrgbClr r="0" g="0" b="0"/>
+      </a:effectRef>
+      <a:fontRef idx="minor"/>
+    </dgm:style>
+  </dgm:styleLbl>
+  <dgm:styleLbl name="solidBgAcc1">
+    <dgm:scene3d>
+      <a:camera prst="orthographicFront"/>
+      <a:lightRig rig="threePt" dir="t"/>
+    </dgm:scene3d>
+    <dgm:sp3d/>
+    <dgm:txPr/>
+    <dgm:style>
+      <a:lnRef idx="2">
+        <a:scrgbClr r="0" g="0" b="0"/>
+      </a:lnRef>
+      <a:fillRef idx="1">
+        <a:scrgbClr r="0" g="0" b="0"/>
+      </a:fillRef>
+      <a:effectRef idx="0">
+        <a:scrgbClr r="0" g="0" b="0"/>
+      </a:effectRef>
+      <a:fontRef idx="minor"/>
+    </dgm:style>
+  </dgm:styleLbl>
+  <dgm:styleLbl name="fgAccFollowNode1">
+    <dgm:scene3d>
+      <a:camera prst="orthographicFront"/>
+      <a:lightRig rig="threePt" dir="t"/>
+    </dgm:scene3d>
+    <dgm:sp3d/>
+    <dgm:txPr/>
+    <dgm:style>
+      <a:lnRef idx="2">
+        <a:scrgbClr r="0" g="0" b="0"/>
+      </a:lnRef>
+      <a:fillRef idx="1">
+        <a:scrgbClr r="0" g="0" b="0"/>
+      </a:fillRef>
+      <a:effectRef idx="0">
+        <a:scrgbClr r="0" g="0" b="0"/>
+      </a:effectRef>
+      <a:fontRef idx="minor"/>
+    </dgm:style>
+  </dgm:styleLbl>
+  <dgm:styleLbl name="alignAccFollowNode1">
+    <dgm:scene3d>
+      <a:camera prst="orthographicFront"/>
+      <a:lightRig rig="threePt" dir="t"/>
+    </dgm:scene3d>
+    <dgm:sp3d/>
+    <dgm:txPr/>
+    <dgm:style>
+      <a:lnRef idx="2">
+        <a:scrgbClr r="0" g="0" b="0"/>
+      </a:lnRef>
+      <a:fillRef idx="1">
+        <a:scrgbClr r="0" g="0" b="0"/>
+      </a:fillRef>
+      <a:effectRef idx="0">
+        <a:scrgbClr r="0" g="0" b="0"/>
+      </a:effectRef>
+      <a:fontRef idx="minor"/>
+    </dgm:style>
+  </dgm:styleLbl>
+  <dgm:styleLbl name="bgAccFollowNode1">
+    <dgm:scene3d>
+      <a:camera prst="orthographicFront"/>
+      <a:lightRig rig="threePt" dir="t"/>
+    </dgm:scene3d>
+    <dgm:sp3d/>
+    <dgm:txPr/>
+    <dgm:style>
+      <a:lnRef idx="2">
+        <a:scrgbClr r="0" g="0" b="0"/>
+      </a:lnRef>
+      <a:fillRef idx="1">
+        <a:scrgbClr r="0" g="0" b="0"/>
+      </a:fillRef>
+      <a:effectRef idx="0">
+        <a:scrgbClr r="0" g="0" b="0"/>
+      </a:effectRef>
+      <a:fontRef idx="minor"/>
+    </dgm:style>
+  </dgm:styleLbl>
+  <dgm:styleLbl name="fgAcc0">
+    <dgm:scene3d>
+      <a:camera prst="orthographicFront"/>
+      <a:lightRig rig="threePt" dir="t"/>
+    </dgm:scene3d>
+    <dgm:sp3d/>
+    <dgm:txPr/>
+    <dgm:style>
+      <a:lnRef idx="2">
+        <a:scrgbClr r="0" g="0" b="0"/>
+      </a:lnRef>
+      <a:fillRef idx="1">
+        <a:scrgbClr r="0" g="0" b="0"/>
+      </a:fillRef>
+      <a:effectRef idx="0">
+        <a:scrgbClr r="0" g="0" b="0"/>
+      </a:effectRef>
+      <a:fontRef idx="minor"/>
+    </dgm:style>
+  </dgm:styleLbl>
+  <dgm:styleLbl name="fgAcc2">
+    <dgm:scene3d>
+      <a:camera prst="orthographicFront"/>
+      <a:lightRig rig="threePt" dir="t"/>
+    </dgm:scene3d>
+    <dgm:sp3d/>
+    <dgm:txPr/>
+    <dgm:style>
+      <a:lnRef idx="2">
+        <a:scrgbClr r="0" g="0" b="0"/>
+      </a:lnRef>
+      <a:fillRef idx="1">
+        <a:scrgbClr r="0" g="0" b="0"/>
+      </a:fillRef>
+      <a:effectRef idx="0">
+        <a:scrgbClr r="0" g="0" b="0"/>
+      </a:effectRef>
+      <a:fontRef idx="minor"/>
+    </dgm:style>
+  </dgm:styleLbl>
+  <dgm:styleLbl name="fgAcc3">
+    <dgm:scene3d>
+      <a:camera prst="orthographicFront"/>
+      <a:lightRig rig="threePt" dir="t"/>
+    </dgm:scene3d>
+    <dgm:sp3d/>
+    <dgm:txPr/>
+    <dgm:style>
+      <a:lnRef idx="2">
+        <a:scrgbClr r="0" g="0" b="0"/>
+      </a:lnRef>
+      <a:fillRef idx="1">
+        <a:scrgbClr r="0" g="0" b="0"/>
+      </a:fillRef>
+      <a:effectRef idx="0">
+        <a:scrgbClr r="0" g="0" b="0"/>
+      </a:effectRef>
+      <a:fontRef idx="minor"/>
+    </dgm:style>
+  </dgm:styleLbl>
+  <dgm:styleLbl name="fgAcc4">
+    <dgm:scene3d>
+      <a:camera prst="orthographicFront"/>
+      <a:lightRig rig="threePt" dir="t"/>
+    </dgm:scene3d>
+    <dgm:sp3d/>
+    <dgm:txPr/>
+    <dgm:style>
+      <a:lnRef idx="2">
+        <a:scrgbClr r="0" g="0" b="0"/>
+      </a:lnRef>
+      <a:fillRef idx="1">
+        <a:scrgbClr r="0" g="0" b="0"/>
+      </a:fillRef>
+      <a:effectRef idx="0">
+        <a:scrgbClr r="0" g="0" b="0"/>
+      </a:effectRef>
+      <a:fontRef idx="minor"/>
+    </dgm:style>
+  </dgm:styleLbl>
+  <dgm:styleLbl name="bgShp">
+    <dgm:scene3d>
+      <a:camera prst="orthographicFront"/>
+      <a:lightRig rig="threePt" dir="t"/>
+    </dgm:scene3d>
+    <dgm:sp3d/>
+    <dgm:txPr/>
+    <dgm:style>
+      <a:lnRef idx="0">
+        <a:scrgbClr r="0" g="0" b="0"/>
+      </a:lnRef>
+      <a:fillRef idx="1">
+        <a:scrgbClr r="0" g="0" b="0"/>
+      </a:fillRef>
+      <a:effectRef idx="0">
+        <a:scrgbClr r="0" g="0" b="0"/>
+      </a:effectRef>
+      <a:fontRef idx="minor"/>
+    </dgm:style>
+  </dgm:styleLbl>
+  <dgm:styleLbl name="dkBgShp">
+    <dgm:scene3d>
+      <a:camera prst="orthographicFront"/>
+      <a:lightRig rig="threePt" dir="t"/>
+    </dgm:scene3d>
+    <dgm:sp3d/>
+    <dgm:txPr/>
+    <dgm:style>
+      <a:lnRef idx="0">
+        <a:scrgbClr r="0" g="0" b="0"/>
+      </a:lnRef>
+      <a:fillRef idx="1">
+        <a:scrgbClr r="0" g="0" b="0"/>
+      </a:fillRef>
+      <a:effectRef idx="0">
+        <a:scrgbClr r="0" g="0" b="0"/>
+      </a:effectRef>
+      <a:fontRef idx="minor"/>
+    </dgm:style>
+  </dgm:styleLbl>
+  <dgm:styleLbl name="trBgShp">
+    <dgm:scene3d>
+      <a:camera prst="orthographicFront"/>
+      <a:lightRig rig="threePt" dir="t"/>
+    </dgm:scene3d>
+    <dgm:sp3d/>
+    <dgm:txPr/>
+    <dgm:style>
+      <a:lnRef idx="0">
+        <a:scrgbClr r="0" g="0" b="0"/>
+      </a:lnRef>
+      <a:fillRef idx="1">
+        <a:scrgbClr r="0" g="0" b="0"/>
+      </a:fillRef>
+      <a:effectRef idx="0">
+        <a:scrgbClr r="0" g="0" b="0"/>
+      </a:effectRef>
+      <a:fontRef idx="minor"/>
+    </dgm:style>
+  </dgm:styleLbl>
+  <dgm:styleLbl name="fgShp">
+    <dgm:scene3d>
+      <a:camera prst="orthographicFront"/>
+      <a:lightRig rig="threePt" dir="t"/>
+    </dgm:scene3d>
+    <dgm:sp3d/>
+    <dgm:txPr/>
+    <dgm:style>
+      <a:lnRef idx="2">
+        <a:scrgbClr r="0" g="0" b="0"/>
+      </a:lnRef>
+      <a:fillRef idx="1">
+        <a:scrgbClr r="0" g="0" b="0"/>
+      </a:fillRef>
+      <a:effectRef idx="0">
         <a:scrgbClr r="0" g="0" b="0"/>
       </a:effectRef>
       <a:fontRef idx="minor"/>
@@ -21133,197 +24859,6 @@
       </p:grpSpPr>
       <p:sp>
         <p:nvSpPr>
-          <p:cNvPr id="36" name="Rectangle 35">
-            <a:extLst>
-              <a:ext uri="{FF2B5EF4-FFF2-40B4-BE49-F238E27FC236}">
-                <a16:creationId xmlns:a16="http://schemas.microsoft.com/office/drawing/2014/main" id="{047C8CCB-F95D-4249-92DD-651249D3535A}"/>
-              </a:ext>
-            </a:extLst>
-          </p:cNvPr>
-          <p:cNvSpPr>
-            <a:spLocks noGrp="1" noRot="1" noChangeAspect="1" noMove="1" noResize="1" noEditPoints="1" noAdjustHandles="1" noChangeArrowheads="1" noChangeShapeType="1" noTextEdit="1"/>
-          </p:cNvSpPr>
-          <p:nvPr>
-            <p:extLst>
-              <p:ext uri="{386F3935-93C4-4BCD-93E2-E3B085C9AB24}">
-                <p16:designElem xmlns:p16="http://schemas.microsoft.com/office/powerpoint/2015/main" val="1"/>
-              </p:ext>
-            </p:extLst>
-          </p:nvPr>
-        </p:nvSpPr>
-        <p:spPr>
-          <a:xfrm>
-            <a:off x="0" y="0"/>
-            <a:ext cx="2013557" cy="6858000"/>
-          </a:xfrm>
-          <a:prstGeom prst="rect">
-            <a:avLst/>
-          </a:prstGeom>
-          <a:solidFill>
-            <a:schemeClr val="tx1">
-              <a:lumMod val="50000"/>
-              <a:lumOff val="50000"/>
-            </a:schemeClr>
-          </a:solidFill>
-          <a:ln>
-            <a:noFill/>
-          </a:ln>
-        </p:spPr>
-        <p:style>
-          <a:lnRef idx="2">
-            <a:schemeClr val="accent1">
-              <a:shade val="50000"/>
-            </a:schemeClr>
-          </a:lnRef>
-          <a:fillRef idx="1">
-            <a:schemeClr val="accent1"/>
-          </a:fillRef>
-          <a:effectRef idx="0">
-            <a:schemeClr val="accent1"/>
-          </a:effectRef>
-          <a:fontRef idx="minor">
-            <a:schemeClr val="lt1"/>
-          </a:fontRef>
-        </p:style>
-        <p:txBody>
-          <a:bodyPr rtlCol="0" anchor="ctr"/>
-          <a:lstStyle/>
-          <a:p>
-            <a:pPr algn="ctr"/>
-            <a:endParaRPr lang="en-US"/>
-          </a:p>
-        </p:txBody>
-      </p:sp>
-      <p:pic>
-        <p:nvPicPr>
-          <p:cNvPr id="4" name="Picture 3" descr="A screenshot of a cell phone&#10;&#10;Description generated with very high confidence">
-            <a:extLst>
-              <a:ext uri="{FF2B5EF4-FFF2-40B4-BE49-F238E27FC236}">
-                <a16:creationId xmlns:a16="http://schemas.microsoft.com/office/drawing/2014/main" id="{F9A9743C-6F02-45C1-A89D-D54C12290055}"/>
-              </a:ext>
-            </a:extLst>
-          </p:cNvPr>
-          <p:cNvPicPr>
-            <a:picLocks noChangeAspect="1"/>
-          </p:cNvPicPr>
-          <p:nvPr/>
-        </p:nvPicPr>
-        <p:blipFill>
-          <a:blip r:embed="rId2"/>
-          <a:stretch>
-            <a:fillRect/>
-          </a:stretch>
-        </p:blipFill>
-        <p:spPr>
-          <a:xfrm>
-            <a:off x="5041706" y="613740"/>
-            <a:ext cx="5915965" cy="6114694"/>
-          </a:xfrm>
-          <a:prstGeom prst="rect">
-            <a:avLst/>
-          </a:prstGeom>
-        </p:spPr>
-      </p:pic>
-      <p:sp>
-        <p:nvSpPr>
-          <p:cNvPr id="2" name="Title 1">
-            <a:extLst>
-              <a:ext uri="{FF2B5EF4-FFF2-40B4-BE49-F238E27FC236}">
-                <a16:creationId xmlns:a16="http://schemas.microsoft.com/office/drawing/2014/main" id="{28D4E1A1-50FF-465D-ADFA-56F6F50FACF8}"/>
-              </a:ext>
-            </a:extLst>
-          </p:cNvPr>
-          <p:cNvSpPr>
-            <a:spLocks noGrp="1"/>
-          </p:cNvSpPr>
-          <p:nvPr>
-            <p:ph type="title"/>
-          </p:nvPr>
-        </p:nvSpPr>
-        <p:spPr>
-          <a:xfrm>
-            <a:off x="640080" y="2074363"/>
-            <a:ext cx="2752354" cy="2709275"/>
-          </a:xfrm>
-          <a:prstGeom prst="ellipse">
-            <a:avLst/>
-          </a:prstGeom>
-          <a:solidFill>
-            <a:schemeClr val="tx1">
-              <a:lumMod val="85000"/>
-              <a:lumOff val="15000"/>
-            </a:schemeClr>
-          </a:solidFill>
-          <a:ln w="174625" cmpd="thinThick">
-            <a:solidFill>
-              <a:schemeClr val="tx1">
-                <a:lumMod val="85000"/>
-                <a:lumOff val="15000"/>
-              </a:schemeClr>
-            </a:solidFill>
-          </a:ln>
-        </p:spPr>
-        <p:txBody>
-          <a:bodyPr vert="horz" lIns="91440" tIns="45720" rIns="91440" bIns="45720" rtlCol="0" anchor="ctr">
-            <a:normAutofit/>
-          </a:bodyPr>
-          <a:lstStyle/>
-          <a:p>
-            <a:pPr algn="ctr"/>
-            <a:r>
-              <a:rPr lang="en-US" sz="2600" kern="1200">
-                <a:solidFill>
-                  <a:schemeClr val="bg1"/>
-                </a:solidFill>
-                <a:latin typeface="+mj-lt"/>
-                <a:ea typeface="+mj-ea"/>
-                <a:cs typeface="+mj-cs"/>
-              </a:rPr>
-              <a:t>KPI Parameters</a:t>
-            </a:r>
-          </a:p>
-        </p:txBody>
-      </p:sp>
-    </p:spTree>
-    <p:extLst>
-      <p:ext uri="{BB962C8B-B14F-4D97-AF65-F5344CB8AC3E}">
-        <p14:creationId xmlns:p14="http://schemas.microsoft.com/office/powerpoint/2010/main" val="2557151706"/>
-      </p:ext>
-    </p:extLst>
-  </p:cSld>
-  <p:clrMapOvr>
-    <a:masterClrMapping/>
-  </p:clrMapOvr>
-</p:sld>
-</file>
-
-<file path=ppt/slides/slide3.xml><?xml version="1.0" encoding="utf-8"?>
-<p:sld xmlns:a="http://schemas.openxmlformats.org/drawingml/2006/main" xmlns:r="http://schemas.openxmlformats.org/officeDocument/2006/relationships" xmlns:p="http://schemas.openxmlformats.org/presentationml/2006/main">
-  <p:cSld>
-    <p:bg>
-      <p:bgPr>
-        <a:solidFill>
-          <a:schemeClr val="bg1"/>
-        </a:solidFill>
-        <a:effectLst/>
-      </p:bgPr>
-    </p:bg>
-    <p:spTree>
-      <p:nvGrpSpPr>
-        <p:cNvPr id="1" name=""/>
-        <p:cNvGrpSpPr/>
-        <p:nvPr/>
-      </p:nvGrpSpPr>
-      <p:grpSpPr>
-        <a:xfrm>
-          <a:off x="0" y="0"/>
-          <a:ext cx="0" cy="0"/>
-          <a:chOff x="0" y="0"/>
-          <a:chExt cx="0" cy="0"/>
-        </a:xfrm>
-      </p:grpSpPr>
-      <p:sp>
-        <p:nvSpPr>
           <p:cNvPr id="20" name="Freeform: Shape 15">
             <a:extLst>
               <a:ext uri="{FF2B5EF4-FFF2-40B4-BE49-F238E27FC236}">
@@ -21636,7 +25171,7 @@
 </p:sld>
 </file>
 
-<file path=ppt/slides/slide4.xml><?xml version="1.0" encoding="utf-8"?>
+<file path=ppt/slides/slide3.xml><?xml version="1.0" encoding="utf-8"?>
 <p:sld xmlns:a="http://schemas.openxmlformats.org/drawingml/2006/main" xmlns:r="http://schemas.openxmlformats.org/officeDocument/2006/relationships" xmlns:p="http://schemas.openxmlformats.org/presentationml/2006/main">
   <p:cSld>
     <p:bg>
@@ -21967,6 +25502,197 @@
     <p:extLst>
       <p:ext uri="{BB962C8B-B14F-4D97-AF65-F5344CB8AC3E}">
         <p14:creationId xmlns:p14="http://schemas.microsoft.com/office/powerpoint/2010/main" val="116746116"/>
+      </p:ext>
+    </p:extLst>
+  </p:cSld>
+  <p:clrMapOvr>
+    <a:masterClrMapping/>
+  </p:clrMapOvr>
+</p:sld>
+</file>
+
+<file path=ppt/slides/slide4.xml><?xml version="1.0" encoding="utf-8"?>
+<p:sld xmlns:a="http://schemas.openxmlformats.org/drawingml/2006/main" xmlns:r="http://schemas.openxmlformats.org/officeDocument/2006/relationships" xmlns:p="http://schemas.openxmlformats.org/presentationml/2006/main">
+  <p:cSld>
+    <p:bg>
+      <p:bgPr>
+        <a:solidFill>
+          <a:schemeClr val="bg1"/>
+        </a:solidFill>
+        <a:effectLst/>
+      </p:bgPr>
+    </p:bg>
+    <p:spTree>
+      <p:nvGrpSpPr>
+        <p:cNvPr id="1" name=""/>
+        <p:cNvGrpSpPr/>
+        <p:nvPr/>
+      </p:nvGrpSpPr>
+      <p:grpSpPr>
+        <a:xfrm>
+          <a:off x="0" y="0"/>
+          <a:ext cx="0" cy="0"/>
+          <a:chOff x="0" y="0"/>
+          <a:chExt cx="0" cy="0"/>
+        </a:xfrm>
+      </p:grpSpPr>
+      <p:sp>
+        <p:nvSpPr>
+          <p:cNvPr id="36" name="Rectangle 35">
+            <a:extLst>
+              <a:ext uri="{FF2B5EF4-FFF2-40B4-BE49-F238E27FC236}">
+                <a16:creationId xmlns:a16="http://schemas.microsoft.com/office/drawing/2014/main" id="{047C8CCB-F95D-4249-92DD-651249D3535A}"/>
+              </a:ext>
+            </a:extLst>
+          </p:cNvPr>
+          <p:cNvSpPr>
+            <a:spLocks noGrp="1" noRot="1" noChangeAspect="1" noMove="1" noResize="1" noEditPoints="1" noAdjustHandles="1" noChangeArrowheads="1" noChangeShapeType="1" noTextEdit="1"/>
+          </p:cNvSpPr>
+          <p:nvPr>
+            <p:extLst>
+              <p:ext uri="{386F3935-93C4-4BCD-93E2-E3B085C9AB24}">
+                <p16:designElem xmlns:p16="http://schemas.microsoft.com/office/powerpoint/2015/main" val="1"/>
+              </p:ext>
+            </p:extLst>
+          </p:nvPr>
+        </p:nvSpPr>
+        <p:spPr>
+          <a:xfrm>
+            <a:off x="0" y="0"/>
+            <a:ext cx="2013557" cy="6858000"/>
+          </a:xfrm>
+          <a:prstGeom prst="rect">
+            <a:avLst/>
+          </a:prstGeom>
+          <a:solidFill>
+            <a:schemeClr val="tx1">
+              <a:lumMod val="50000"/>
+              <a:lumOff val="50000"/>
+            </a:schemeClr>
+          </a:solidFill>
+          <a:ln>
+            <a:noFill/>
+          </a:ln>
+        </p:spPr>
+        <p:style>
+          <a:lnRef idx="2">
+            <a:schemeClr val="accent1">
+              <a:shade val="50000"/>
+            </a:schemeClr>
+          </a:lnRef>
+          <a:fillRef idx="1">
+            <a:schemeClr val="accent1"/>
+          </a:fillRef>
+          <a:effectRef idx="0">
+            <a:schemeClr val="accent1"/>
+          </a:effectRef>
+          <a:fontRef idx="minor">
+            <a:schemeClr val="lt1"/>
+          </a:fontRef>
+        </p:style>
+        <p:txBody>
+          <a:bodyPr rtlCol="0" anchor="ctr"/>
+          <a:lstStyle/>
+          <a:p>
+            <a:pPr algn="ctr"/>
+            <a:endParaRPr lang="en-US"/>
+          </a:p>
+        </p:txBody>
+      </p:sp>
+      <p:pic>
+        <p:nvPicPr>
+          <p:cNvPr id="4" name="Picture 3" descr="A screenshot of a cell phone&#10;&#10;Description generated with very high confidence">
+            <a:extLst>
+              <a:ext uri="{FF2B5EF4-FFF2-40B4-BE49-F238E27FC236}">
+                <a16:creationId xmlns:a16="http://schemas.microsoft.com/office/drawing/2014/main" id="{F9A9743C-6F02-45C1-A89D-D54C12290055}"/>
+              </a:ext>
+            </a:extLst>
+          </p:cNvPr>
+          <p:cNvPicPr>
+            <a:picLocks noChangeAspect="1"/>
+          </p:cNvPicPr>
+          <p:nvPr/>
+        </p:nvPicPr>
+        <p:blipFill>
+          <a:blip r:embed="rId2"/>
+          <a:stretch>
+            <a:fillRect/>
+          </a:stretch>
+        </p:blipFill>
+        <p:spPr>
+          <a:xfrm>
+            <a:off x="5041706" y="613740"/>
+            <a:ext cx="5915965" cy="6114694"/>
+          </a:xfrm>
+          <a:prstGeom prst="rect">
+            <a:avLst/>
+          </a:prstGeom>
+        </p:spPr>
+      </p:pic>
+      <p:sp>
+        <p:nvSpPr>
+          <p:cNvPr id="2" name="Title 1">
+            <a:extLst>
+              <a:ext uri="{FF2B5EF4-FFF2-40B4-BE49-F238E27FC236}">
+                <a16:creationId xmlns:a16="http://schemas.microsoft.com/office/drawing/2014/main" id="{28D4E1A1-50FF-465D-ADFA-56F6F50FACF8}"/>
+              </a:ext>
+            </a:extLst>
+          </p:cNvPr>
+          <p:cNvSpPr>
+            <a:spLocks noGrp="1"/>
+          </p:cNvSpPr>
+          <p:nvPr>
+            <p:ph type="title"/>
+          </p:nvPr>
+        </p:nvSpPr>
+        <p:spPr>
+          <a:xfrm>
+            <a:off x="640080" y="2074363"/>
+            <a:ext cx="2752354" cy="2709275"/>
+          </a:xfrm>
+          <a:prstGeom prst="ellipse">
+            <a:avLst/>
+          </a:prstGeom>
+          <a:solidFill>
+            <a:schemeClr val="tx1">
+              <a:lumMod val="85000"/>
+              <a:lumOff val="15000"/>
+            </a:schemeClr>
+          </a:solidFill>
+          <a:ln w="174625" cmpd="thinThick">
+            <a:solidFill>
+              <a:schemeClr val="tx1">
+                <a:lumMod val="85000"/>
+                <a:lumOff val="15000"/>
+              </a:schemeClr>
+            </a:solidFill>
+          </a:ln>
+        </p:spPr>
+        <p:txBody>
+          <a:bodyPr vert="horz" lIns="91440" tIns="45720" rIns="91440" bIns="45720" rtlCol="0" anchor="ctr">
+            <a:normAutofit/>
+          </a:bodyPr>
+          <a:lstStyle/>
+          <a:p>
+            <a:pPr algn="ctr"/>
+            <a:r>
+              <a:rPr lang="en-US" sz="2600" kern="1200">
+                <a:solidFill>
+                  <a:schemeClr val="bg1"/>
+                </a:solidFill>
+                <a:latin typeface="+mj-lt"/>
+                <a:ea typeface="+mj-ea"/>
+                <a:cs typeface="+mj-cs"/>
+              </a:rPr>
+              <a:t>KPI Parameters</a:t>
+            </a:r>
+          </a:p>
+        </p:txBody>
+      </p:sp>
+    </p:spTree>
+    <p:extLst>
+      <p:ext uri="{BB962C8B-B14F-4D97-AF65-F5344CB8AC3E}">
+        <p14:creationId xmlns:p14="http://schemas.microsoft.com/office/powerpoint/2010/main" val="2557151706"/>
       </p:ext>
     </p:extLst>
   </p:cSld>
@@ -23020,6 +26746,304 @@
       </p:grpSpPr>
       <p:sp>
         <p:nvSpPr>
+          <p:cNvPr id="18" name="Rectangle 17">
+            <a:extLst>
+              <a:ext uri="{FF2B5EF4-FFF2-40B4-BE49-F238E27FC236}">
+                <a16:creationId xmlns:a16="http://schemas.microsoft.com/office/drawing/2014/main" id="{4281BC32-FF58-4898-A6B5-7B3D059BCEB0}"/>
+              </a:ext>
+            </a:extLst>
+          </p:cNvPr>
+          <p:cNvSpPr>
+            <a:spLocks noGrp="1" noRot="1" noChangeAspect="1" noMove="1" noResize="1" noEditPoints="1" noAdjustHandles="1" noChangeArrowheads="1" noChangeShapeType="1" noTextEdit="1"/>
+          </p:cNvSpPr>
+          <p:nvPr>
+            <p:extLst>
+              <p:ext uri="{386F3935-93C4-4BCD-93E2-E3B085C9AB24}">
+                <p16:designElem xmlns:p16="http://schemas.microsoft.com/office/powerpoint/2015/main" val="1"/>
+              </p:ext>
+            </p:extLst>
+          </p:nvPr>
+        </p:nvSpPr>
+        <p:spPr>
+          <a:xfrm>
+            <a:off x="0" y="0"/>
+            <a:ext cx="12192000" cy="6858000"/>
+          </a:xfrm>
+          <a:prstGeom prst="rect">
+            <a:avLst/>
+          </a:prstGeom>
+          <a:solidFill>
+            <a:schemeClr val="bg2"/>
+          </a:solidFill>
+          <a:ln>
+            <a:noFill/>
+          </a:ln>
+        </p:spPr>
+        <p:style>
+          <a:lnRef idx="2">
+            <a:schemeClr val="accent1">
+              <a:shade val="50000"/>
+            </a:schemeClr>
+          </a:lnRef>
+          <a:fillRef idx="1">
+            <a:schemeClr val="accent1"/>
+          </a:fillRef>
+          <a:effectRef idx="0">
+            <a:schemeClr val="accent1"/>
+          </a:effectRef>
+          <a:fontRef idx="minor">
+            <a:schemeClr val="lt1"/>
+          </a:fontRef>
+        </p:style>
+        <p:txBody>
+          <a:bodyPr rtlCol="0" anchor="ctr"/>
+          <a:lstStyle/>
+          <a:p>
+            <a:pPr algn="ctr"/>
+            <a:endParaRPr lang="en-US"/>
+          </a:p>
+        </p:txBody>
+      </p:sp>
+      <p:sp>
+        <p:nvSpPr>
+          <p:cNvPr id="20" name="Rectangle 19">
+            <a:extLst>
+              <a:ext uri="{FF2B5EF4-FFF2-40B4-BE49-F238E27FC236}">
+                <a16:creationId xmlns:a16="http://schemas.microsoft.com/office/drawing/2014/main" id="{0D614406-135F-4875-9C87-53822CB19ABB}"/>
+              </a:ext>
+            </a:extLst>
+          </p:cNvPr>
+          <p:cNvSpPr>
+            <a:spLocks noGrp="1" noRot="1" noChangeAspect="1" noMove="1" noResize="1" noEditPoints="1" noAdjustHandles="1" noChangeArrowheads="1" noChangeShapeType="1" noTextEdit="1"/>
+          </p:cNvSpPr>
+          <p:nvPr>
+            <p:extLst>
+              <p:ext uri="{386F3935-93C4-4BCD-93E2-E3B085C9AB24}">
+                <p16:designElem xmlns:p16="http://schemas.microsoft.com/office/powerpoint/2015/main" val="1"/>
+              </p:ext>
+            </p:extLst>
+          </p:nvPr>
+        </p:nvSpPr>
+        <p:spPr>
+          <a:xfrm>
+            <a:off x="0" y="1"/>
+            <a:ext cx="12191999" cy="2139694"/>
+          </a:xfrm>
+          <a:prstGeom prst="rect">
+            <a:avLst/>
+          </a:prstGeom>
+          <a:solidFill>
+            <a:schemeClr val="tx1">
+              <a:lumMod val="75000"/>
+              <a:lumOff val="25000"/>
+            </a:schemeClr>
+          </a:solidFill>
+          <a:ln>
+            <a:noFill/>
+          </a:ln>
+        </p:spPr>
+        <p:style>
+          <a:lnRef idx="2">
+            <a:schemeClr val="accent1">
+              <a:shade val="50000"/>
+            </a:schemeClr>
+          </a:lnRef>
+          <a:fillRef idx="1">
+            <a:schemeClr val="accent1"/>
+          </a:fillRef>
+          <a:effectRef idx="0">
+            <a:schemeClr val="accent1"/>
+          </a:effectRef>
+          <a:fontRef idx="minor">
+            <a:schemeClr val="lt1"/>
+          </a:fontRef>
+        </p:style>
+        <p:txBody>
+          <a:bodyPr rtlCol="0" anchor="ctr"/>
+          <a:lstStyle/>
+          <a:p>
+            <a:pPr algn="ctr"/>
+            <a:endParaRPr lang="en-US">
+              <a:solidFill>
+                <a:prstClr val="white"/>
+              </a:solidFill>
+              <a:latin typeface="Calibri" panose="020F0502020204030204"/>
+            </a:endParaRPr>
+          </a:p>
+        </p:txBody>
+      </p:sp>
+      <p:sp>
+        <p:nvSpPr>
+          <p:cNvPr id="22" name="Rectangle 21">
+            <a:extLst>
+              <a:ext uri="{FF2B5EF4-FFF2-40B4-BE49-F238E27FC236}">
+                <a16:creationId xmlns:a16="http://schemas.microsoft.com/office/drawing/2014/main" id="{A47020BD-3785-4628-8C5E-A4011B43EF88}"/>
+              </a:ext>
+            </a:extLst>
+          </p:cNvPr>
+          <p:cNvSpPr>
+            <a:spLocks noGrp="1" noRot="1" noChangeAspect="1" noMove="1" noResize="1" noEditPoints="1" noAdjustHandles="1" noChangeArrowheads="1" noChangeShapeType="1" noTextEdit="1"/>
+          </p:cNvSpPr>
+          <p:nvPr>
+            <p:extLst>
+              <p:ext uri="{386F3935-93C4-4BCD-93E2-E3B085C9AB24}">
+                <p16:designElem xmlns:p16="http://schemas.microsoft.com/office/powerpoint/2015/main" val="1"/>
+              </p:ext>
+            </p:extLst>
+          </p:nvPr>
+        </p:nvSpPr>
+        <p:spPr>
+          <a:xfrm>
+            <a:off x="0" y="2139694"/>
+            <a:ext cx="12192000" cy="146304"/>
+          </a:xfrm>
+          <a:prstGeom prst="rect">
+            <a:avLst/>
+          </a:prstGeom>
+          <a:solidFill>
+            <a:schemeClr val="tx1">
+              <a:alpha val="20000"/>
+            </a:schemeClr>
+          </a:solidFill>
+          <a:ln>
+            <a:noFill/>
+          </a:ln>
+        </p:spPr>
+        <p:style>
+          <a:lnRef idx="2">
+            <a:schemeClr val="accent1">
+              <a:shade val="50000"/>
+            </a:schemeClr>
+          </a:lnRef>
+          <a:fillRef idx="1">
+            <a:schemeClr val="accent1"/>
+          </a:fillRef>
+          <a:effectRef idx="0">
+            <a:schemeClr val="accent1"/>
+          </a:effectRef>
+          <a:fontRef idx="minor">
+            <a:schemeClr val="lt1"/>
+          </a:fontRef>
+        </p:style>
+        <p:txBody>
+          <a:bodyPr rtlCol="0" anchor="ctr"/>
+          <a:lstStyle/>
+          <a:p>
+            <a:pPr algn="ctr"/>
+            <a:endParaRPr lang="en-US" dirty="0"/>
+          </a:p>
+        </p:txBody>
+      </p:sp>
+      <p:sp>
+        <p:nvSpPr>
+          <p:cNvPr id="2" name="Title 1">
+            <a:extLst>
+              <a:ext uri="{FF2B5EF4-FFF2-40B4-BE49-F238E27FC236}">
+                <a16:creationId xmlns:a16="http://schemas.microsoft.com/office/drawing/2014/main" id="{7E543F29-E68B-401A-8662-BDE100D429B0}"/>
+              </a:ext>
+            </a:extLst>
+          </p:cNvPr>
+          <p:cNvSpPr>
+            <a:spLocks noGrp="1"/>
+          </p:cNvSpPr>
+          <p:nvPr>
+            <p:ph type="title"/>
+          </p:nvPr>
+        </p:nvSpPr>
+        <p:spPr>
+          <a:xfrm>
+            <a:off x="960120" y="434101"/>
+            <a:ext cx="10279971" cy="1362042"/>
+          </a:xfrm>
+        </p:spPr>
+        <p:txBody>
+          <a:bodyPr anchor="b">
+            <a:normAutofit/>
+          </a:bodyPr>
+          <a:lstStyle/>
+          <a:p>
+            <a:r>
+              <a:rPr lang="en-US">
+                <a:solidFill>
+                  <a:schemeClr val="bg1"/>
+                </a:solidFill>
+              </a:rPr>
+              <a:t>High Availability Chat Service : Design Proposal</a:t>
+            </a:r>
+          </a:p>
+        </p:txBody>
+      </p:sp>
+      <p:graphicFrame>
+        <p:nvGraphicFramePr>
+          <p:cNvPr id="4" name="Content Placeholder 3">
+            <a:extLst>
+              <a:ext uri="{FF2B5EF4-FFF2-40B4-BE49-F238E27FC236}">
+                <a16:creationId xmlns:a16="http://schemas.microsoft.com/office/drawing/2014/main" id="{7E12E584-C5C4-4151-98A1-D3126FA2BBD8}"/>
+              </a:ext>
+            </a:extLst>
+          </p:cNvPr>
+          <p:cNvGraphicFramePr>
+            <a:graphicFrameLocks noGrp="1"/>
+          </p:cNvGraphicFramePr>
+          <p:nvPr>
+            <p:ph idx="1"/>
+            <p:extLst>
+              <p:ext uri="{D42A27DB-BD31-4B8C-83A1-F6EECF244321}">
+                <p14:modId xmlns:p14="http://schemas.microsoft.com/office/powerpoint/2010/main" val="229746158"/>
+              </p:ext>
+            </p:extLst>
+          </p:nvPr>
+        </p:nvGraphicFramePr>
+        <p:xfrm>
+          <a:off x="960120" y="2917149"/>
+          <a:ext cx="10279971" cy="2987418"/>
+        </p:xfrm>
+        <a:graphic>
+          <a:graphicData uri="http://schemas.openxmlformats.org/drawingml/2006/diagram">
+            <dgm:relIds xmlns:dgm="http://schemas.openxmlformats.org/drawingml/2006/diagram" xmlns:r="http://schemas.openxmlformats.org/officeDocument/2006/relationships" r:dm="rId2" r:lo="rId3" r:qs="rId4" r:cs="rId5"/>
+          </a:graphicData>
+        </a:graphic>
+      </p:graphicFrame>
+    </p:spTree>
+    <p:extLst>
+      <p:ext uri="{BB962C8B-B14F-4D97-AF65-F5344CB8AC3E}">
+        <p14:creationId xmlns:p14="http://schemas.microsoft.com/office/powerpoint/2010/main" val="2572375522"/>
+      </p:ext>
+    </p:extLst>
+  </p:cSld>
+  <p:clrMapOvr>
+    <a:masterClrMapping/>
+  </p:clrMapOvr>
+</p:sld>
+</file>
+
+<file path=ppt/slides/slide9.xml><?xml version="1.0" encoding="utf-8"?>
+<p:sld xmlns:a="http://schemas.openxmlformats.org/drawingml/2006/main" xmlns:r="http://schemas.openxmlformats.org/officeDocument/2006/relationships" xmlns:p="http://schemas.openxmlformats.org/presentationml/2006/main">
+  <p:cSld>
+    <p:bg>
+      <p:bgPr>
+        <a:solidFill>
+          <a:schemeClr val="bg1"/>
+        </a:solidFill>
+        <a:effectLst/>
+      </p:bgPr>
+    </p:bg>
+    <p:spTree>
+      <p:nvGrpSpPr>
+        <p:cNvPr id="1" name=""/>
+        <p:cNvGrpSpPr/>
+        <p:nvPr/>
+      </p:nvGrpSpPr>
+      <p:grpSpPr>
+        <a:xfrm>
+          <a:off x="0" y="0"/>
+          <a:ext cx="0" cy="0"/>
+          <a:chOff x="0" y="0"/>
+          <a:chExt cx="0" cy="0"/>
+        </a:xfrm>
+      </p:grpSpPr>
+      <p:sp>
+        <p:nvSpPr>
           <p:cNvPr id="7" name="Freeform 14">
             <a:extLst>
               <a:ext uri="{FF2B5EF4-FFF2-40B4-BE49-F238E27FC236}">

--- a/Overview.pptx
+++ b/Overview.pptx
@@ -121,15 +121,17 @@
 </file>
 
 <file path=ppt/diagrams/colors1.xml><?xml version="1.0" encoding="utf-8"?>
-<dgm:colorsDef xmlns:dgm="http://schemas.openxmlformats.org/drawingml/2006/diagram" xmlns:a="http://schemas.openxmlformats.org/drawingml/2006/main" uniqueId="urn:microsoft.com/office/officeart/2005/8/colors/colorful5">
+<dgm:colorsDef xmlns:dgm="http://schemas.openxmlformats.org/drawingml/2006/diagram" xmlns:a="http://schemas.openxmlformats.org/drawingml/2006/main" uniqueId="urn:microsoft.com/office/officeart/2005/8/colors/accent6_3">
   <dgm:title val=""/>
   <dgm:desc val=""/>
   <dgm:catLst>
-    <dgm:cat type="colorful" pri="10500"/>
+    <dgm:cat type="accent6" pri="11300"/>
   </dgm:catLst>
   <dgm:styleLbl name="node0">
     <dgm:fillClrLst meth="repeat">
-      <a:schemeClr val="accent4"/>
+      <a:schemeClr val="accent6">
+        <a:shade val="80000"/>
+      </a:schemeClr>
     </dgm:fillClrLst>
     <dgm:linClrLst meth="repeat">
       <a:schemeClr val="lt1"/>
@@ -141,8 +143,12 @@
   </dgm:styleLbl>
   <dgm:styleLbl name="node1">
     <dgm:fillClrLst>
-      <a:schemeClr val="accent5"/>
-      <a:schemeClr val="accent6"/>
+      <a:schemeClr val="accent6">
+        <a:shade val="80000"/>
+      </a:schemeClr>
+      <a:schemeClr val="accent6">
+        <a:tint val="70000"/>
+      </a:schemeClr>
     </dgm:fillClrLst>
     <dgm:linClrLst meth="repeat">
       <a:schemeClr val="lt1"/>
@@ -154,12 +160,20 @@
   </dgm:styleLbl>
   <dgm:styleLbl name="alignNode1">
     <dgm:fillClrLst>
-      <a:schemeClr val="accent5"/>
-      <a:schemeClr val="accent6"/>
+      <a:schemeClr val="accent6">
+        <a:shade val="80000"/>
+      </a:schemeClr>
+      <a:schemeClr val="accent6">
+        <a:tint val="70000"/>
+      </a:schemeClr>
     </dgm:fillClrLst>
     <dgm:linClrLst>
-      <a:schemeClr val="accent5"/>
-      <a:schemeClr val="accent6"/>
+      <a:schemeClr val="accent6">
+        <a:shade val="80000"/>
+      </a:schemeClr>
+      <a:schemeClr val="accent6">
+        <a:tint val="70000"/>
+      </a:schemeClr>
     </dgm:linClrLst>
     <dgm:effectClrLst/>
     <dgm:txLinClrLst/>
@@ -168,8 +182,12 @@
   </dgm:styleLbl>
   <dgm:styleLbl name="lnNode1">
     <dgm:fillClrLst>
-      <a:schemeClr val="accent5"/>
-      <a:schemeClr val="accent6"/>
+      <a:schemeClr val="accent6">
+        <a:shade val="80000"/>
+      </a:schemeClr>
+      <a:schemeClr val="accent6">
+        <a:tint val="70000"/>
+      </a:schemeClr>
     </dgm:fillClrLst>
     <dgm:linClrLst meth="repeat">
       <a:schemeClr val="lt1"/>
@@ -181,10 +199,12 @@
   </dgm:styleLbl>
   <dgm:styleLbl name="vennNode1">
     <dgm:fillClrLst>
-      <a:schemeClr val="accent5">
+      <a:schemeClr val="accent6">
+        <a:shade val="80000"/>
         <a:alpha val="50000"/>
       </a:schemeClr>
       <a:schemeClr val="accent6">
+        <a:tint val="70000"/>
         <a:alpha val="50000"/>
       </a:schemeClr>
     </dgm:fillClrLst>
@@ -198,7 +218,9 @@
   </dgm:styleLbl>
   <dgm:styleLbl name="node2">
     <dgm:fillClrLst>
-      <a:schemeClr val="accent6"/>
+      <a:schemeClr val="accent6">
+        <a:tint val="99000"/>
+      </a:schemeClr>
     </dgm:fillClrLst>
     <dgm:linClrLst meth="repeat">
       <a:schemeClr val="lt1"/>
@@ -210,7 +232,9 @@
   </dgm:styleLbl>
   <dgm:styleLbl name="node3">
     <dgm:fillClrLst>
-      <a:schemeClr val="accent1"/>
+      <a:schemeClr val="accent6">
+        <a:tint val="80000"/>
+      </a:schemeClr>
     </dgm:fillClrLst>
     <dgm:linClrLst meth="repeat">
       <a:schemeClr val="lt1"/>
@@ -222,7 +246,9 @@
   </dgm:styleLbl>
   <dgm:styleLbl name="node4">
     <dgm:fillClrLst>
-      <a:schemeClr val="accent2"/>
+      <a:schemeClr val="accent6">
+        <a:tint val="70000"/>
+      </a:schemeClr>
     </dgm:fillClrLst>
     <dgm:linClrLst meth="repeat">
       <a:schemeClr val="lt1"/>
@@ -234,11 +260,11 @@
   </dgm:styleLbl>
   <dgm:styleLbl name="fgImgPlace1">
     <dgm:fillClrLst>
-      <a:schemeClr val="accent5">
-        <a:tint val="50000"/>
-      </a:schemeClr>
       <a:schemeClr val="accent6">
         <a:tint val="50000"/>
+      </a:schemeClr>
+      <a:schemeClr val="accent6">
+        <a:tint val="20000"/>
       </a:schemeClr>
     </dgm:fillClrLst>
     <dgm:linClrLst meth="repeat">
@@ -253,7 +279,7 @@
   </dgm:styleLbl>
   <dgm:styleLbl name="alignImgPlace1">
     <dgm:fillClrLst>
-      <a:schemeClr val="accent5">
+      <a:schemeClr val="accent6">
         <a:tint val="50000"/>
       </a:schemeClr>
       <a:schemeClr val="accent6">
@@ -272,7 +298,7 @@
   </dgm:styleLbl>
   <dgm:styleLbl name="bgImgPlace1">
     <dgm:fillClrLst>
-      <a:schemeClr val="accent5">
+      <a:schemeClr val="accent6">
         <a:tint val="50000"/>
       </a:schemeClr>
       <a:schemeClr val="accent6">
@@ -291,11 +317,20 @@
   </dgm:styleLbl>
   <dgm:styleLbl name="sibTrans2D1">
     <dgm:fillClrLst>
-      <a:schemeClr val="accent5"/>
-      <a:schemeClr val="accent6"/>
-    </dgm:fillClrLst>
-    <dgm:linClrLst meth="repeat">
-      <a:schemeClr val="lt1"/>
+      <a:schemeClr val="accent6">
+        <a:shade val="90000"/>
+      </a:schemeClr>
+      <a:schemeClr val="accent6">
+        <a:tint val="70000"/>
+      </a:schemeClr>
+    </dgm:fillClrLst>
+    <dgm:linClrLst>
+      <a:schemeClr val="accent6">
+        <a:shade val="90000"/>
+      </a:schemeClr>
+      <a:schemeClr val="accent6">
+        <a:tint val="70000"/>
+      </a:schemeClr>
     </dgm:linClrLst>
     <dgm:effectClrLst/>
     <dgm:txLinClrLst/>
@@ -304,11 +339,20 @@
   </dgm:styleLbl>
   <dgm:styleLbl name="fgSibTrans2D1">
     <dgm:fillClrLst>
-      <a:schemeClr val="accent5"/>
-      <a:schemeClr val="accent6"/>
-    </dgm:fillClrLst>
-    <dgm:linClrLst meth="repeat">
-      <a:schemeClr val="lt1"/>
+      <a:schemeClr val="accent6">
+        <a:shade val="90000"/>
+      </a:schemeClr>
+      <a:schemeClr val="accent6">
+        <a:tint val="70000"/>
+      </a:schemeClr>
+    </dgm:fillClrLst>
+    <dgm:linClrLst>
+      <a:schemeClr val="accent6">
+        <a:shade val="90000"/>
+      </a:schemeClr>
+      <a:schemeClr val="accent6">
+        <a:tint val="70000"/>
+      </a:schemeClr>
     </dgm:linClrLst>
     <dgm:effectClrLst/>
     <dgm:txLinClrLst/>
@@ -319,11 +363,20 @@
   </dgm:styleLbl>
   <dgm:styleLbl name="bgSibTrans2D1">
     <dgm:fillClrLst>
-      <a:schemeClr val="accent5"/>
-      <a:schemeClr val="accent6"/>
-    </dgm:fillClrLst>
-    <dgm:linClrLst meth="repeat">
-      <a:schemeClr val="lt1"/>
+      <a:schemeClr val="accent6">
+        <a:shade val="90000"/>
+      </a:schemeClr>
+      <a:schemeClr val="accent6">
+        <a:tint val="70000"/>
+      </a:schemeClr>
+    </dgm:fillClrLst>
+    <dgm:linClrLst>
+      <a:schemeClr val="accent6">
+        <a:shade val="90000"/>
+      </a:schemeClr>
+      <a:schemeClr val="accent6">
+        <a:tint val="70000"/>
+      </a:schemeClr>
     </dgm:linClrLst>
     <dgm:effectClrLst/>
     <dgm:txLinClrLst/>
@@ -333,10 +386,21 @@
     <dgm:txEffectClrLst/>
   </dgm:styleLbl>
   <dgm:styleLbl name="sibTrans1D1">
-    <dgm:fillClrLst/>
+    <dgm:fillClrLst>
+      <a:schemeClr val="accent6">
+        <a:shade val="90000"/>
+      </a:schemeClr>
+      <a:schemeClr val="accent6">
+        <a:tint val="70000"/>
+      </a:schemeClr>
+    </dgm:fillClrLst>
     <dgm:linClrLst>
-      <a:schemeClr val="accent5"/>
-      <a:schemeClr val="accent6"/>
+      <a:schemeClr val="accent6">
+        <a:shade val="90000"/>
+      </a:schemeClr>
+      <a:schemeClr val="accent6">
+        <a:tint val="70000"/>
+      </a:schemeClr>
     </dgm:linClrLst>
     <dgm:effectClrLst/>
     <dgm:txLinClrLst/>
@@ -347,12 +411,10 @@
   </dgm:styleLbl>
   <dgm:styleLbl name="callout">
     <dgm:fillClrLst meth="repeat">
-      <a:schemeClr val="accent5"/>
+      <a:schemeClr val="accent6"/>
     </dgm:fillClrLst>
     <dgm:linClrLst meth="repeat">
-      <a:schemeClr val="accent5">
-        <a:tint val="50000"/>
-      </a:schemeClr>
+      <a:schemeClr val="accent6"/>
     </dgm:linClrLst>
     <dgm:effectClrLst/>
     <dgm:txLinClrLst/>
@@ -363,12 +425,12 @@
   </dgm:styleLbl>
   <dgm:styleLbl name="asst0">
     <dgm:fillClrLst meth="repeat">
-      <a:schemeClr val="accent5"/>
+      <a:schemeClr val="accent6">
+        <a:shade val="80000"/>
+      </a:schemeClr>
     </dgm:fillClrLst>
     <dgm:linClrLst meth="repeat">
-      <a:schemeClr val="lt1">
-        <a:shade val="80000"/>
-      </a:schemeClr>
+      <a:schemeClr val="lt1"/>
     </dgm:linClrLst>
     <dgm:effectClrLst/>
     <dgm:txLinClrLst/>
@@ -377,12 +439,12 @@
   </dgm:styleLbl>
   <dgm:styleLbl name="asst1">
     <dgm:fillClrLst meth="repeat">
-      <a:schemeClr val="accent6"/>
+      <a:schemeClr val="accent6">
+        <a:shade val="80000"/>
+      </a:schemeClr>
     </dgm:fillClrLst>
     <dgm:linClrLst meth="repeat">
-      <a:schemeClr val="lt1">
-        <a:shade val="80000"/>
-      </a:schemeClr>
+      <a:schemeClr val="lt1"/>
     </dgm:linClrLst>
     <dgm:effectClrLst/>
     <dgm:txLinClrLst/>
@@ -391,7 +453,9 @@
   </dgm:styleLbl>
   <dgm:styleLbl name="asst2">
     <dgm:fillClrLst>
-      <a:schemeClr val="accent1"/>
+      <a:schemeClr val="accent6">
+        <a:tint val="99000"/>
+      </a:schemeClr>
     </dgm:fillClrLst>
     <dgm:linClrLst meth="repeat">
       <a:schemeClr val="lt1"/>
@@ -403,7 +467,9 @@
   </dgm:styleLbl>
   <dgm:styleLbl name="asst3">
     <dgm:fillClrLst>
-      <a:schemeClr val="accent2"/>
+      <a:schemeClr val="accent6">
+        <a:tint val="80000"/>
+      </a:schemeClr>
     </dgm:fillClrLst>
     <dgm:linClrLst meth="repeat">
       <a:schemeClr val="lt1"/>
@@ -415,7 +481,9 @@
   </dgm:styleLbl>
   <dgm:styleLbl name="asst4">
     <dgm:fillClrLst>
-      <a:schemeClr val="accent3"/>
+      <a:schemeClr val="accent6">
+        <a:tint val="70000"/>
+      </a:schemeClr>
     </dgm:fillClrLst>
     <dgm:linClrLst meth="repeat">
       <a:schemeClr val="lt1"/>
@@ -427,10 +495,14 @@
   </dgm:styleLbl>
   <dgm:styleLbl name="parChTrans2D1">
     <dgm:fillClrLst meth="repeat">
-      <a:schemeClr val="accent5"/>
+      <a:schemeClr val="accent6">
+        <a:tint val="60000"/>
+      </a:schemeClr>
     </dgm:fillClrLst>
     <dgm:linClrLst meth="repeat">
-      <a:schemeClr val="lt1"/>
+      <a:schemeClr val="accent6">
+        <a:tint val="60000"/>
+      </a:schemeClr>
     </dgm:linClrLst>
     <dgm:effectClrLst/>
     <dgm:txLinClrLst/>
@@ -441,10 +513,14 @@
   </dgm:styleLbl>
   <dgm:styleLbl name="parChTrans2D2">
     <dgm:fillClrLst meth="repeat">
-      <a:schemeClr val="accent6"/>
+      <a:schemeClr val="accent6">
+        <a:tint val="90000"/>
+      </a:schemeClr>
     </dgm:fillClrLst>
     <dgm:linClrLst meth="repeat">
-      <a:schemeClr val="lt1"/>
+      <a:schemeClr val="accent6">
+        <a:tint val="90000"/>
+      </a:schemeClr>
     </dgm:linClrLst>
     <dgm:effectClrLst/>
     <dgm:txLinClrLst/>
@@ -453,10 +529,14 @@
   </dgm:styleLbl>
   <dgm:styleLbl name="parChTrans2D3">
     <dgm:fillClrLst meth="repeat">
-      <a:schemeClr val="accent6"/>
+      <a:schemeClr val="accent6">
+        <a:tint val="70000"/>
+      </a:schemeClr>
     </dgm:fillClrLst>
     <dgm:linClrLst meth="repeat">
-      <a:schemeClr val="lt1"/>
+      <a:schemeClr val="accent6">
+        <a:tint val="70000"/>
+      </a:schemeClr>
     </dgm:linClrLst>
     <dgm:effectClrLst/>
     <dgm:txLinClrLst/>
@@ -465,10 +545,14 @@
   </dgm:styleLbl>
   <dgm:styleLbl name="parChTrans2D4">
     <dgm:fillClrLst meth="repeat">
-      <a:schemeClr val="accent1"/>
+      <a:schemeClr val="accent6">
+        <a:tint val="50000"/>
+      </a:schemeClr>
     </dgm:fillClrLst>
     <dgm:linClrLst meth="repeat">
-      <a:schemeClr val="lt1"/>
+      <a:schemeClr val="accent6">
+        <a:tint val="50000"/>
+      </a:schemeClr>
     </dgm:linClrLst>
     <dgm:effectClrLst/>
     <dgm:txLinClrLst/>
@@ -479,10 +563,14 @@
   </dgm:styleLbl>
   <dgm:styleLbl name="parChTrans1D1">
     <dgm:fillClrLst meth="repeat">
-      <a:schemeClr val="accent5"/>
+      <a:schemeClr val="accent6">
+        <a:shade val="80000"/>
+      </a:schemeClr>
     </dgm:fillClrLst>
     <dgm:linClrLst meth="repeat">
-      <a:schemeClr val="accent5"/>
+      <a:schemeClr val="accent6">
+        <a:shade val="80000"/>
+      </a:schemeClr>
     </dgm:linClrLst>
     <dgm:effectClrLst/>
     <dgm:txLinClrLst/>
@@ -494,11 +582,13 @@
   <dgm:styleLbl name="parChTrans1D2">
     <dgm:fillClrLst meth="repeat">
       <a:schemeClr val="accent6">
-        <a:tint val="90000"/>
+        <a:tint val="99000"/>
       </a:schemeClr>
     </dgm:fillClrLst>
     <dgm:linClrLst meth="repeat">
-      <a:schemeClr val="accent6"/>
+      <a:schemeClr val="accent6">
+        <a:tint val="99000"/>
+      </a:schemeClr>
     </dgm:linClrLst>
     <dgm:effectClrLst/>
     <dgm:txLinClrLst/>
@@ -510,11 +600,13 @@
   <dgm:styleLbl name="parChTrans1D3">
     <dgm:fillClrLst meth="repeat">
       <a:schemeClr val="accent6">
-        <a:tint val="70000"/>
+        <a:tint val="80000"/>
       </a:schemeClr>
     </dgm:fillClrLst>
     <dgm:linClrLst meth="repeat">
-      <a:schemeClr val="accent1"/>
+      <a:schemeClr val="accent6">
+        <a:tint val="80000"/>
+      </a:schemeClr>
     </dgm:linClrLst>
     <dgm:effectClrLst/>
     <dgm:txLinClrLst/>
@@ -526,11 +618,13 @@
   <dgm:styleLbl name="parChTrans1D4">
     <dgm:fillClrLst meth="repeat">
       <a:schemeClr val="accent6">
-        <a:tint val="50000"/>
+        <a:tint val="70000"/>
       </a:schemeClr>
     </dgm:fillClrLst>
     <dgm:linClrLst meth="repeat">
-      <a:schemeClr val="accent2"/>
+      <a:schemeClr val="accent6">
+        <a:tint val="70000"/>
+      </a:schemeClr>
     </dgm:linClrLst>
     <dgm:effectClrLst/>
     <dgm:txLinClrLst/>
@@ -546,8 +640,12 @@
       </a:schemeClr>
     </dgm:fillClrLst>
     <dgm:linClrLst>
-      <a:schemeClr val="accent5"/>
-      <a:schemeClr val="accent6"/>
+      <a:schemeClr val="accent6">
+        <a:shade val="80000"/>
+      </a:schemeClr>
+      <a:schemeClr val="accent6">
+        <a:tint val="70000"/>
+      </a:schemeClr>
     </dgm:linClrLst>
     <dgm:effectClrLst/>
     <dgm:txLinClrLst/>
@@ -563,8 +661,12 @@
       </a:schemeClr>
     </dgm:fillClrLst>
     <dgm:linClrLst>
-      <a:schemeClr val="accent5"/>
-      <a:schemeClr val="accent6"/>
+      <a:schemeClr val="accent6">
+        <a:shade val="80000"/>
+      </a:schemeClr>
+      <a:schemeClr val="accent6">
+        <a:tint val="70000"/>
+      </a:schemeClr>
     </dgm:linClrLst>
     <dgm:effectClrLst/>
     <dgm:txLinClrLst/>
@@ -580,8 +682,12 @@
       </a:schemeClr>
     </dgm:fillClrLst>
     <dgm:linClrLst>
-      <a:schemeClr val="accent5"/>
-      <a:schemeClr val="accent6"/>
+      <a:schemeClr val="accent6">
+        <a:shade val="80000"/>
+      </a:schemeClr>
+      <a:schemeClr val="accent6">
+        <a:tint val="70000"/>
+      </a:schemeClr>
     </dgm:linClrLst>
     <dgm:effectClrLst/>
     <dgm:txLinClrLst/>
@@ -597,7 +703,7 @@
       </a:schemeClr>
     </dgm:fillClrLst>
     <dgm:linClrLst meth="repeat">
-      <a:schemeClr val="accent5"/>
+      <a:schemeClr val="accent6"/>
     </dgm:linClrLst>
     <dgm:effectClrLst/>
     <dgm:txLinClrLst/>
@@ -613,8 +719,12 @@
       </a:schemeClr>
     </dgm:fillClrLst>
     <dgm:linClrLst>
-      <a:schemeClr val="accent5"/>
-      <a:schemeClr val="accent6"/>
+      <a:schemeClr val="accent6">
+        <a:shade val="80000"/>
+      </a:schemeClr>
+      <a:schemeClr val="accent6">
+        <a:tint val="70000"/>
+      </a:schemeClr>
     </dgm:linClrLst>
     <dgm:effectClrLst/>
     <dgm:txLinClrLst/>
@@ -628,8 +738,12 @@
       <a:schemeClr val="lt1"/>
     </dgm:fillClrLst>
     <dgm:linClrLst>
-      <a:schemeClr val="accent5"/>
-      <a:schemeClr val="accent6"/>
+      <a:schemeClr val="accent6">
+        <a:shade val="80000"/>
+      </a:schemeClr>
+      <a:schemeClr val="accent6">
+        <a:tint val="70000"/>
+      </a:schemeClr>
     </dgm:linClrLst>
     <dgm:effectClrLst/>
     <dgm:txLinClrLst/>
@@ -642,8 +756,7 @@
     <dgm:fillClrLst meth="repeat">
       <a:schemeClr val="lt1"/>
     </dgm:fillClrLst>
-    <dgm:linClrLst>
-      <a:schemeClr val="accent5"/>
+    <dgm:linClrLst meth="repeat">
       <a:schemeClr val="accent6"/>
     </dgm:linClrLst>
     <dgm:effectClrLst/>
@@ -657,8 +770,7 @@
     <dgm:fillClrLst meth="repeat">
       <a:schemeClr val="lt1"/>
     </dgm:fillClrLst>
-    <dgm:linClrLst>
-      <a:schemeClr val="accent5"/>
+    <dgm:linClrLst meth="repeat">
       <a:schemeClr val="accent6"/>
     </dgm:linClrLst>
     <dgm:effectClrLst/>
@@ -669,24 +781,16 @@
     <dgm:txEffectClrLst/>
   </dgm:styleLbl>
   <dgm:styleLbl name="fgAccFollowNode1">
-    <dgm:fillClrLst>
-      <a:schemeClr val="accent5">
+    <dgm:fillClrLst meth="repeat">
+      <a:schemeClr val="accent6">
+        <a:alpha val="90000"/>
         <a:tint val="40000"/>
+      </a:schemeClr>
+    </dgm:fillClrLst>
+    <dgm:linClrLst meth="repeat">
+      <a:schemeClr val="accent6">
         <a:alpha val="90000"/>
-      </a:schemeClr>
-      <a:schemeClr val="accent6">
         <a:tint val="40000"/>
-        <a:alpha val="90000"/>
-      </a:schemeClr>
-    </dgm:fillClrLst>
-    <dgm:linClrLst>
-      <a:schemeClr val="accent5">
-        <a:tint val="40000"/>
-        <a:alpha val="90000"/>
-      </a:schemeClr>
-      <a:schemeClr val="accent5">
-        <a:tint val="40000"/>
-        <a:alpha val="90000"/>
       </a:schemeClr>
     </dgm:linClrLst>
     <dgm:effectClrLst/>
@@ -697,24 +801,16 @@
     <dgm:txEffectClrLst/>
   </dgm:styleLbl>
   <dgm:styleLbl name="alignAccFollowNode1">
-    <dgm:fillClrLst>
-      <a:schemeClr val="accent5">
+    <dgm:fillClrLst meth="repeat">
+      <a:schemeClr val="accent6">
+        <a:alpha val="90000"/>
         <a:tint val="40000"/>
+      </a:schemeClr>
+    </dgm:fillClrLst>
+    <dgm:linClrLst meth="repeat">
+      <a:schemeClr val="accent6">
         <a:alpha val="90000"/>
-      </a:schemeClr>
-      <a:schemeClr val="accent6">
         <a:tint val="40000"/>
-        <a:alpha val="90000"/>
-      </a:schemeClr>
-    </dgm:fillClrLst>
-    <dgm:linClrLst>
-      <a:schemeClr val="accent5">
-        <a:tint val="40000"/>
-        <a:alpha val="90000"/>
-      </a:schemeClr>
-      <a:schemeClr val="accent6">
-        <a:tint val="40000"/>
-        <a:alpha val="90000"/>
       </a:schemeClr>
     </dgm:linClrLst>
     <dgm:effectClrLst/>
@@ -725,25 +821,14 @@
     <dgm:txEffectClrLst/>
   </dgm:styleLbl>
   <dgm:styleLbl name="bgAccFollowNode1">
-    <dgm:fillClrLst>
-      <a:schemeClr val="accent5">
+    <dgm:fillClrLst meth="repeat">
+      <a:schemeClr val="accent6">
+        <a:alpha val="90000"/>
         <a:tint val="40000"/>
-        <a:alpha val="90000"/>
-      </a:schemeClr>
-      <a:schemeClr val="accent6">
-        <a:tint val="40000"/>
-        <a:alpha val="90000"/>
-      </a:schemeClr>
-    </dgm:fillClrLst>
-    <dgm:linClrLst>
-      <a:schemeClr val="accent5">
-        <a:tint val="40000"/>
-        <a:alpha val="90000"/>
-      </a:schemeClr>
-      <a:schemeClr val="accent6">
-        <a:tint val="40000"/>
-        <a:alpha val="90000"/>
-      </a:schemeClr>
+      </a:schemeClr>
+    </dgm:fillClrLst>
+    <dgm:linClrLst meth="repeat">
+      <a:schemeClr val="lt1"/>
     </dgm:linClrLst>
     <dgm:effectClrLst/>
     <dgm:txLinClrLst/>
@@ -758,8 +843,10 @@
         <a:alpha val="90000"/>
       </a:schemeClr>
     </dgm:fillClrLst>
-    <dgm:linClrLst>
-      <a:schemeClr val="accent4"/>
+    <dgm:linClrLst meth="repeat">
+      <a:schemeClr val="accent6">
+        <a:shade val="80000"/>
+      </a:schemeClr>
     </dgm:linClrLst>
     <dgm:effectClrLst/>
     <dgm:txLinClrLst/>
@@ -774,8 +861,10 @@
         <a:alpha val="90000"/>
       </a:schemeClr>
     </dgm:fillClrLst>
-    <dgm:linClrLst>
-      <a:schemeClr val="accent6"/>
+    <dgm:linClrLst meth="repeat">
+      <a:schemeClr val="accent6">
+        <a:tint val="99000"/>
+      </a:schemeClr>
     </dgm:linClrLst>
     <dgm:effectClrLst/>
     <dgm:txLinClrLst/>
@@ -790,8 +879,10 @@
         <a:alpha val="90000"/>
       </a:schemeClr>
     </dgm:fillClrLst>
-    <dgm:linClrLst>
-      <a:schemeClr val="accent1"/>
+    <dgm:linClrLst meth="repeat">
+      <a:schemeClr val="accent6">
+        <a:tint val="80000"/>
+      </a:schemeClr>
     </dgm:linClrLst>
     <dgm:effectClrLst/>
     <dgm:txLinClrLst/>
@@ -806,8 +897,10 @@
         <a:alpha val="90000"/>
       </a:schemeClr>
     </dgm:fillClrLst>
-    <dgm:linClrLst>
-      <a:schemeClr val="accent2"/>
+    <dgm:linClrLst meth="repeat">
+      <a:schemeClr val="accent6">
+        <a:tint val="70000"/>
+      </a:schemeClr>
     </dgm:linClrLst>
     <dgm:effectClrLst/>
     <dgm:txLinClrLst/>
@@ -818,7 +911,7 @@
   </dgm:styleLbl>
   <dgm:styleLbl name="bgShp">
     <dgm:fillClrLst meth="repeat">
-      <a:schemeClr val="accent5">
+      <a:schemeClr val="accent6">
         <a:tint val="40000"/>
       </a:schemeClr>
     </dgm:fillClrLst>
@@ -834,7 +927,7 @@
   </dgm:styleLbl>
   <dgm:styleLbl name="dkBgShp">
     <dgm:fillClrLst meth="repeat">
-      <a:schemeClr val="accent5">
+      <a:schemeClr val="accent6">
         <a:shade val="90000"/>
       </a:schemeClr>
     </dgm:fillClrLst>
@@ -850,13 +943,13 @@
   </dgm:styleLbl>
   <dgm:styleLbl name="trBgShp">
     <dgm:fillClrLst meth="repeat">
-      <a:schemeClr val="accent5">
+      <a:schemeClr val="accent6">
         <a:tint val="50000"/>
         <a:alpha val="40000"/>
       </a:schemeClr>
     </dgm:fillClrLst>
     <dgm:linClrLst meth="repeat">
-      <a:schemeClr val="accent5"/>
+      <a:schemeClr val="accent6"/>
     </dgm:linClrLst>
     <dgm:effectClrLst/>
     <dgm:txLinClrLst/>
@@ -867,7 +960,7 @@
   </dgm:styleLbl>
   <dgm:styleLbl name="fgShp">
     <dgm:fillClrLst meth="repeat">
-      <a:schemeClr val="accent5">
+      <a:schemeClr val="accent6">
         <a:tint val="40000"/>
       </a:schemeClr>
     </dgm:fillClrLst>
@@ -4893,7 +4986,7 @@
 <dgm:dataModel xmlns:dgm="http://schemas.openxmlformats.org/drawingml/2006/diagram" xmlns:a="http://schemas.openxmlformats.org/drawingml/2006/main">
   <dgm:ptLst>
     <dgm:pt modelId="{3CDB29DB-9645-4633-A2A6-B2183A0CED6A}" type="doc">
-      <dgm:prSet loTypeId="urn:microsoft.com/office/officeart/2016/7/layout/VerticalDownArrowProcess" loCatId="process" qsTypeId="urn:microsoft.com/office/officeart/2005/8/quickstyle/simple4" qsCatId="simple" csTypeId="urn:microsoft.com/office/officeart/2005/8/colors/colorful5" csCatId="colorful" phldr="1"/>
+      <dgm:prSet loTypeId="urn:microsoft.com/office/officeart/2005/8/layout/vList2" loCatId="list" qsTypeId="urn:microsoft.com/office/officeart/2005/8/quickstyle/simple1" qsCatId="simple" csTypeId="urn:microsoft.com/office/officeart/2005/8/colors/accent6_3" csCatId="accent6" phldr="1"/>
       <dgm:spPr/>
       <dgm:t>
         <a:bodyPr/>
@@ -5489,6 +5582,12 @@
             <a:t>Bridging of multiple servers (MQTT).</a:t>
           </a:r>
         </a:p>
+        <a:p>
+          <a:r>
+            <a:rPr lang="en-US" dirty="0"/>
+            <a:t>Create a Worker Thread for Chat Room on Message arrival.</a:t>
+          </a:r>
+        </a:p>
       </dgm:t>
     </dgm:pt>
     <dgm:pt modelId="{9B23D1EC-FF8D-4022-BD4C-B4E7795DCCC6}" type="parTrans" cxnId="{565C4B25-F06B-4E10-B6B5-327DC9C36FDC}">
@@ -5513,92 +5612,88 @@
         </a:p>
       </dgm:t>
     </dgm:pt>
-    <dgm:pt modelId="{7906B769-1D00-4301-B9CE-98B6331D4DFD}" type="pres">
-      <dgm:prSet presAssocID="{3CDB29DB-9645-4633-A2A6-B2183A0CED6A}" presName="Name0" presStyleCnt="0">
+    <dgm:pt modelId="{B7695B6F-BF35-479F-BBF1-D7D85E01DB49}" type="pres">
+      <dgm:prSet presAssocID="{3CDB29DB-9645-4633-A2A6-B2183A0CED6A}" presName="linear" presStyleCnt="0">
         <dgm:presLayoutVars>
-          <dgm:dir/>
           <dgm:animLvl val="lvl"/>
           <dgm:resizeHandles val="exact"/>
         </dgm:presLayoutVars>
       </dgm:prSet>
       <dgm:spPr/>
     </dgm:pt>
-    <dgm:pt modelId="{261E28B2-38F7-437C-90A2-F94504558B0B}" type="pres">
-      <dgm:prSet presAssocID="{77A0083D-140B-42DF-93FC-11ECBBA4E220}" presName="boxAndChildren" presStyleCnt="0"/>
-      <dgm:spPr/>
-    </dgm:pt>
-    <dgm:pt modelId="{FF47AA44-FF5E-4D63-9867-DBFE2C72FA86}" type="pres">
-      <dgm:prSet presAssocID="{77A0083D-140B-42DF-93FC-11ECBBA4E220}" presName="parentTextBox" presStyleLbl="alignNode1" presStyleIdx="0" presStyleCnt="2"/>
-      <dgm:spPr/>
-    </dgm:pt>
-    <dgm:pt modelId="{C57BC878-8F70-48C5-905E-CB47DBE4B2CF}" type="pres">
-      <dgm:prSet presAssocID="{77A0083D-140B-42DF-93FC-11ECBBA4E220}" presName="descendantBox" presStyleLbl="bgAccFollowNode1" presStyleIdx="0" presStyleCnt="2"/>
-      <dgm:spPr/>
-    </dgm:pt>
-    <dgm:pt modelId="{01C6C13A-55EB-4DEB-9AF4-8139713F10A2}" type="pres">
-      <dgm:prSet presAssocID="{493C80ED-5610-4575-A680-F006FBF1E22C}" presName="sp" presStyleCnt="0"/>
-      <dgm:spPr/>
-    </dgm:pt>
-    <dgm:pt modelId="{D7067DE7-4B84-4358-9625-E9297B4B4B82}" type="pres">
-      <dgm:prSet presAssocID="{5B665457-376C-4B0C-9602-FA4A2067F0CF}" presName="arrowAndChildren" presStyleCnt="0"/>
-      <dgm:spPr/>
-    </dgm:pt>
-    <dgm:pt modelId="{A76F819A-3537-4456-8981-251378635439}" type="pres">
-      <dgm:prSet presAssocID="{5B665457-376C-4B0C-9602-FA4A2067F0CF}" presName="parentTextArrow" presStyleLbl="node1" presStyleIdx="0" presStyleCnt="0"/>
-      <dgm:spPr/>
-    </dgm:pt>
-    <dgm:pt modelId="{832CC780-2C4A-4EF0-8954-596039735946}" type="pres">
-      <dgm:prSet presAssocID="{5B665457-376C-4B0C-9602-FA4A2067F0CF}" presName="arrow" presStyleLbl="alignNode1" presStyleIdx="1" presStyleCnt="2"/>
-      <dgm:spPr/>
-    </dgm:pt>
-    <dgm:pt modelId="{78CC6F25-AA79-46B0-9731-FE227895451B}" type="pres">
-      <dgm:prSet presAssocID="{5B665457-376C-4B0C-9602-FA4A2067F0CF}" presName="descendantArrow" presStyleLbl="bgAccFollowNode1" presStyleIdx="1" presStyleCnt="2"/>
+    <dgm:pt modelId="{6AAE3D8A-DEE4-48A5-A63B-1ECDBB868803}" type="pres">
+      <dgm:prSet presAssocID="{5B665457-376C-4B0C-9602-FA4A2067F0CF}" presName="parentText" presStyleLbl="node1" presStyleIdx="0" presStyleCnt="2">
+        <dgm:presLayoutVars>
+          <dgm:chMax val="0"/>
+          <dgm:bulletEnabled val="1"/>
+        </dgm:presLayoutVars>
+      </dgm:prSet>
+      <dgm:spPr/>
+    </dgm:pt>
+    <dgm:pt modelId="{0BF1B7D0-EC26-4959-87B5-EEE1353700B5}" type="pres">
+      <dgm:prSet presAssocID="{5B665457-376C-4B0C-9602-FA4A2067F0CF}" presName="childText" presStyleLbl="revTx" presStyleIdx="0" presStyleCnt="2">
+        <dgm:presLayoutVars>
+          <dgm:bulletEnabled val="1"/>
+        </dgm:presLayoutVars>
+      </dgm:prSet>
+      <dgm:spPr/>
+    </dgm:pt>
+    <dgm:pt modelId="{56C2A231-25A3-413A-AEF7-C5E414377521}" type="pres">
+      <dgm:prSet presAssocID="{77A0083D-140B-42DF-93FC-11ECBBA4E220}" presName="parentText" presStyleLbl="node1" presStyleIdx="1" presStyleCnt="2">
+        <dgm:presLayoutVars>
+          <dgm:chMax val="0"/>
+          <dgm:bulletEnabled val="1"/>
+        </dgm:presLayoutVars>
+      </dgm:prSet>
+      <dgm:spPr/>
+    </dgm:pt>
+    <dgm:pt modelId="{541875AD-4BBB-4F6D-A952-24199A707D1A}" type="pres">
+      <dgm:prSet presAssocID="{77A0083D-140B-42DF-93FC-11ECBBA4E220}" presName="childText" presStyleLbl="revTx" presStyleIdx="1" presStyleCnt="2">
+        <dgm:presLayoutVars>
+          <dgm:bulletEnabled val="1"/>
+        </dgm:presLayoutVars>
+      </dgm:prSet>
       <dgm:spPr/>
     </dgm:pt>
   </dgm:ptLst>
   <dgm:cxnLst>
-    <dgm:cxn modelId="{A6198406-CD20-4FCC-A23A-3CF254D18788}" type="presOf" srcId="{1A040FB6-03D7-49EE-8C66-A599DAA84197}" destId="{C57BC878-8F70-48C5-905E-CB47DBE4B2CF}" srcOrd="0" destOrd="3" presId="urn:microsoft.com/office/officeart/2016/7/layout/VerticalDownArrowProcess"/>
-    <dgm:cxn modelId="{93B63312-2A18-4C69-89D1-A975E58F7379}" type="presOf" srcId="{C86873EB-FB76-4863-9FF8-E6F6FE6BAAD9}" destId="{C57BC878-8F70-48C5-905E-CB47DBE4B2CF}" srcOrd="0" destOrd="1" presId="urn:microsoft.com/office/officeart/2016/7/layout/VerticalDownArrowProcess"/>
-    <dgm:cxn modelId="{454FA516-0BEE-4C81-A31A-AFFAB47F2E87}" type="presOf" srcId="{5B665457-376C-4B0C-9602-FA4A2067F0CF}" destId="{A76F819A-3537-4456-8981-251378635439}" srcOrd="0" destOrd="0" presId="urn:microsoft.com/office/officeart/2016/7/layout/VerticalDownArrowProcess"/>
+    <dgm:cxn modelId="{7A7E1002-49AC-44B7-942F-3EC8DC55B17E}" type="presOf" srcId="{DC6B1A8C-CCA5-4569-8766-15817FB7952F}" destId="{541875AD-4BBB-4F6D-A952-24199A707D1A}" srcOrd="0" destOrd="5" presId="urn:microsoft.com/office/officeart/2005/8/layout/vList2"/>
+    <dgm:cxn modelId="{57D1F60B-9D49-4AC4-B75C-C5A0E39808B0}" type="presOf" srcId="{9771F8DA-49A9-43E5-94B1-A2947195750D}" destId="{0BF1B7D0-EC26-4959-87B5-EEE1353700B5}" srcOrd="0" destOrd="5" presId="urn:microsoft.com/office/officeart/2005/8/layout/vList2"/>
+    <dgm:cxn modelId="{A57B700C-25CD-4B48-B065-8823B8E6B82F}" type="presOf" srcId="{77A0083D-140B-42DF-93FC-11ECBBA4E220}" destId="{56C2A231-25A3-413A-AEF7-C5E414377521}" srcOrd="0" destOrd="0" presId="urn:microsoft.com/office/officeart/2005/8/layout/vList2"/>
+    <dgm:cxn modelId="{4778F511-F2AB-4FCA-9981-E5CFCF0014FF}" type="presOf" srcId="{1A040FB6-03D7-49EE-8C66-A599DAA84197}" destId="{541875AD-4BBB-4F6D-A952-24199A707D1A}" srcOrd="0" destOrd="3" presId="urn:microsoft.com/office/officeart/2005/8/layout/vList2"/>
     <dgm:cxn modelId="{565C4B25-F06B-4E10-B6B5-327DC9C36FDC}" srcId="{77A0083D-140B-42DF-93FC-11ECBBA4E220}" destId="{67AF71DA-96D6-4378-BBF3-39824869C8E5}" srcOrd="6" destOrd="0" parTransId="{9B23D1EC-FF8D-4022-BD4C-B4E7795DCCC6}" sibTransId="{0FBD17C8-A523-4B86-B8F8-66D45FAC1537}"/>
-    <dgm:cxn modelId="{2F412C2A-CBF1-4253-BFE8-E40D3F8FBABC}" type="presOf" srcId="{D3435DFD-D139-47FE-8048-4FD13831AFCC}" destId="{78CC6F25-AA79-46B0-9731-FE227895451B}" srcOrd="0" destOrd="6" presId="urn:microsoft.com/office/officeart/2016/7/layout/VerticalDownArrowProcess"/>
-    <dgm:cxn modelId="{C0433C40-42D3-418C-8109-0E5C1A354198}" type="presOf" srcId="{59890989-0410-4E12-BF6A-D81489FED8F8}" destId="{78CC6F25-AA79-46B0-9731-FE227895451B}" srcOrd="0" destOrd="4" presId="urn:microsoft.com/office/officeart/2016/7/layout/VerticalDownArrowProcess"/>
-    <dgm:cxn modelId="{FF302560-BF70-45D2-8130-56800F0F31D0}" type="presOf" srcId="{3CDB29DB-9645-4633-A2A6-B2183A0CED6A}" destId="{7906B769-1D00-4301-B9CE-98B6331D4DFD}" srcOrd="0" destOrd="0" presId="urn:microsoft.com/office/officeart/2016/7/layout/VerticalDownArrowProcess"/>
+    <dgm:cxn modelId="{2E49F926-6654-41F2-BA29-84257C7606ED}" type="presOf" srcId="{5B665457-376C-4B0C-9602-FA4A2067F0CF}" destId="{6AAE3D8A-DEE4-48A5-A63B-1ECDBB868803}" srcOrd="0" destOrd="0" presId="urn:microsoft.com/office/officeart/2005/8/layout/vList2"/>
+    <dgm:cxn modelId="{F2C1DC27-E930-47B0-B4DD-767E31D3B2D5}" type="presOf" srcId="{F806D918-798B-4D87-A1CA-FAB1546C23C3}" destId="{0BF1B7D0-EC26-4959-87B5-EEE1353700B5}" srcOrd="0" destOrd="3" presId="urn:microsoft.com/office/officeart/2005/8/layout/vList2"/>
+    <dgm:cxn modelId="{D3B55C2E-19DC-4377-8B02-73857278FB21}" type="presOf" srcId="{BE506C97-7267-49A4-8E93-C206AD26ABCA}" destId="{541875AD-4BBB-4F6D-A952-24199A707D1A}" srcOrd="0" destOrd="0" presId="urn:microsoft.com/office/officeart/2005/8/layout/vList2"/>
+    <dgm:cxn modelId="{9505F739-184A-442C-A991-0F2739985830}" type="presOf" srcId="{C86873EB-FB76-4863-9FF8-E6F6FE6BAAD9}" destId="{541875AD-4BBB-4F6D-A952-24199A707D1A}" srcOrd="0" destOrd="1" presId="urn:microsoft.com/office/officeart/2005/8/layout/vList2"/>
+    <dgm:cxn modelId="{F2781760-EC2E-4A4C-86CF-C2D2475BF083}" type="presOf" srcId="{59890989-0410-4E12-BF6A-D81489FED8F8}" destId="{0BF1B7D0-EC26-4959-87B5-EEE1353700B5}" srcOrd="0" destOrd="4" presId="urn:microsoft.com/office/officeart/2005/8/layout/vList2"/>
+    <dgm:cxn modelId="{A18CE265-95A5-4FFE-BB51-B3333B5D8871}" type="presOf" srcId="{D3435DFD-D139-47FE-8048-4FD13831AFCC}" destId="{0BF1B7D0-EC26-4959-87B5-EEE1353700B5}" srcOrd="0" destOrd="6" presId="urn:microsoft.com/office/officeart/2005/8/layout/vList2"/>
     <dgm:cxn modelId="{5EBED146-368E-4B1D-934C-9C50FB63A084}" srcId="{5B665457-376C-4B0C-9602-FA4A2067F0CF}" destId="{59890989-0410-4E12-BF6A-D81489FED8F8}" srcOrd="4" destOrd="0" parTransId="{6A787314-920B-41DF-97B0-70CEA9A8A4E6}" sibTransId="{6790DFDA-196D-4E5B-884F-19CA92EE28B5}"/>
     <dgm:cxn modelId="{E0CF2D4D-50C4-49A3-A573-9FD02696F11E}" srcId="{5B665457-376C-4B0C-9602-FA4A2067F0CF}" destId="{A55241AF-57DE-43DC-A6AF-ECF6268A20CC}" srcOrd="0" destOrd="0" parTransId="{6326B9C0-85B3-4279-897A-4C4B5BCC8135}" sibTransId="{B560E998-2168-4B29-9F4E-6EBF41900154}"/>
-    <dgm:cxn modelId="{875E656F-68A2-4054-A142-7440176B06BD}" type="presOf" srcId="{9771F8DA-49A9-43E5-94B1-A2947195750D}" destId="{78CC6F25-AA79-46B0-9731-FE227895451B}" srcOrd="0" destOrd="5" presId="urn:microsoft.com/office/officeart/2016/7/layout/VerticalDownArrowProcess"/>
     <dgm:cxn modelId="{9F683055-4E01-45C2-93E7-7DEFF6DE5857}" srcId="{5B665457-376C-4B0C-9602-FA4A2067F0CF}" destId="{D3435DFD-D139-47FE-8048-4FD13831AFCC}" srcOrd="6" destOrd="0" parTransId="{44F5127B-06A7-4204-9309-3BC4F5587F4E}" sibTransId="{23292D53-D635-40FA-8A38-301417B85394}"/>
-    <dgm:cxn modelId="{C8B35775-2D99-4DE3-9D5E-727454C24B45}" type="presOf" srcId="{F806D918-798B-4D87-A1CA-FAB1546C23C3}" destId="{78CC6F25-AA79-46B0-9731-FE227895451B}" srcOrd="0" destOrd="3" presId="urn:microsoft.com/office/officeart/2016/7/layout/VerticalDownArrowProcess"/>
-    <dgm:cxn modelId="{CED0F776-7CFD-49E7-95C8-A73952783ACB}" type="presOf" srcId="{5B665457-376C-4B0C-9602-FA4A2067F0CF}" destId="{832CC780-2C4A-4EF0-8954-596039735946}" srcOrd="1" destOrd="0" presId="urn:microsoft.com/office/officeart/2016/7/layout/VerticalDownArrowProcess"/>
-    <dgm:cxn modelId="{38662E77-235D-47C0-B4A0-71658F2D7257}" type="presOf" srcId="{DC6B1A8C-CCA5-4569-8766-15817FB7952F}" destId="{C57BC878-8F70-48C5-905E-CB47DBE4B2CF}" srcOrd="0" destOrd="5" presId="urn:microsoft.com/office/officeart/2016/7/layout/VerticalDownArrowProcess"/>
-    <dgm:cxn modelId="{A7065557-5BAC-467E-BCE6-F58E29F8A92A}" type="presOf" srcId="{DEC5AA9C-CC70-4933-B788-7133ECE4DF1D}" destId="{78CC6F25-AA79-46B0-9731-FE227895451B}" srcOrd="0" destOrd="2" presId="urn:microsoft.com/office/officeart/2016/7/layout/VerticalDownArrowProcess"/>
+    <dgm:cxn modelId="{B2A2D075-5303-4111-9AF4-3112FA8FC1AC}" type="presOf" srcId="{5AD34C9B-F714-4EDA-BDCD-36F5A1881FA3}" destId="{541875AD-4BBB-4F6D-A952-24199A707D1A}" srcOrd="0" destOrd="4" presId="urn:microsoft.com/office/officeart/2005/8/layout/vList2"/>
     <dgm:cxn modelId="{DFF89277-020A-454E-8D77-D4CDC4D4B3A1}" srcId="{5B665457-376C-4B0C-9602-FA4A2067F0CF}" destId="{F806D918-798B-4D87-A1CA-FAB1546C23C3}" srcOrd="3" destOrd="0" parTransId="{16A0DFAE-507C-4CA5-AC36-59F508A309E6}" sibTransId="{47CCC100-0280-413F-8E4E-F4A1E500568B}"/>
     <dgm:cxn modelId="{D110617E-5B0D-43EC-89B4-87DAC9693E59}" srcId="{3CDB29DB-9645-4633-A2A6-B2183A0CED6A}" destId="{77A0083D-140B-42DF-93FC-11ECBBA4E220}" srcOrd="1" destOrd="0" parTransId="{B6A5E239-DD9F-439F-8B34-CC3DF0A709DC}" sibTransId="{39B294DD-ACAE-4D53-B8E2-481A79C03CBD}"/>
     <dgm:cxn modelId="{62C3B781-9823-41EA-B6C3-8E0C7D01AF6D}" srcId="{5B665457-376C-4B0C-9602-FA4A2067F0CF}" destId="{9771F8DA-49A9-43E5-94B1-A2947195750D}" srcOrd="5" destOrd="0" parTransId="{E15CCF1B-1400-49B1-BBE7-0A3F1AEB4E12}" sibTransId="{E57C0175-1D43-40A3-9FAA-4496A5251F6E}"/>
-    <dgm:cxn modelId="{FF8B1783-CD08-40B2-8A66-91A8A709CFD8}" type="presOf" srcId="{A55241AF-57DE-43DC-A6AF-ECF6268A20CC}" destId="{78CC6F25-AA79-46B0-9731-FE227895451B}" srcOrd="0" destOrd="0" presId="urn:microsoft.com/office/officeart/2016/7/layout/VerticalDownArrowProcess"/>
-    <dgm:cxn modelId="{F940A396-DA55-457B-A26B-39F6B2AC7E2F}" type="presOf" srcId="{3350F162-8600-4446-88F2-396272B26DFA}" destId="{C57BC878-8F70-48C5-905E-CB47DBE4B2CF}" srcOrd="0" destOrd="2" presId="urn:microsoft.com/office/officeart/2016/7/layout/VerticalDownArrowProcess"/>
+    <dgm:cxn modelId="{F8AE5184-5ECD-44B1-A318-802072E1589B}" type="presOf" srcId="{3CDB29DB-9645-4633-A2A6-B2183A0CED6A}" destId="{B7695B6F-BF35-479F-BBF1-D7D85E01DB49}" srcOrd="0" destOrd="0" presId="urn:microsoft.com/office/officeart/2005/8/layout/vList2"/>
+    <dgm:cxn modelId="{B5526D88-9FA4-47C2-AB00-2189C3A24AE4}" type="presOf" srcId="{ECD8F1BD-EA50-4E34-B7A5-DAC4579D82A5}" destId="{0BF1B7D0-EC26-4959-87B5-EEE1353700B5}" srcOrd="0" destOrd="1" presId="urn:microsoft.com/office/officeart/2005/8/layout/vList2"/>
+    <dgm:cxn modelId="{A1E3B68D-833E-4E4F-B30E-60446442B57E}" type="presOf" srcId="{DEC5AA9C-CC70-4933-B788-7133ECE4DF1D}" destId="{0BF1B7D0-EC26-4959-87B5-EEE1353700B5}" srcOrd="0" destOrd="2" presId="urn:microsoft.com/office/officeart/2005/8/layout/vList2"/>
+    <dgm:cxn modelId="{2650EC8F-9A78-4F9D-BB65-FE149AB3BE75}" type="presOf" srcId="{A55241AF-57DE-43DC-A6AF-ECF6268A20CC}" destId="{0BF1B7D0-EC26-4959-87B5-EEE1353700B5}" srcOrd="0" destOrd="0" presId="urn:microsoft.com/office/officeart/2005/8/layout/vList2"/>
+    <dgm:cxn modelId="{B280EE9B-FD1E-447F-B347-2717A8BBD9D1}" type="presOf" srcId="{3350F162-8600-4446-88F2-396272B26DFA}" destId="{541875AD-4BBB-4F6D-A952-24199A707D1A}" srcOrd="0" destOrd="2" presId="urn:microsoft.com/office/officeart/2005/8/layout/vList2"/>
     <dgm:cxn modelId="{14BC6BA5-B7A6-44A4-BE20-8018B6AB74BD}" srcId="{77A0083D-140B-42DF-93FC-11ECBBA4E220}" destId="{5AD34C9B-F714-4EDA-BDCD-36F5A1881FA3}" srcOrd="4" destOrd="0" parTransId="{7773725E-6B87-4E3F-B760-0116092C0B23}" sibTransId="{BDAB1DE0-DB11-4BF0-A962-8EEA195B1E92}"/>
     <dgm:cxn modelId="{8642C8AC-6229-4F42-B0CC-5BD413CE9EFA}" srcId="{3CDB29DB-9645-4633-A2A6-B2183A0CED6A}" destId="{5B665457-376C-4B0C-9602-FA4A2067F0CF}" srcOrd="0" destOrd="0" parTransId="{CE2F86F7-ED7F-476C-9BDF-8767F77E4B4A}" sibTransId="{493C80ED-5610-4575-A680-F006FBF1E22C}"/>
     <dgm:cxn modelId="{2FC188B9-8A70-4FE5-962A-0913BE3523EB}" srcId="{77A0083D-140B-42DF-93FC-11ECBBA4E220}" destId="{C86873EB-FB76-4863-9FF8-E6F6FE6BAAD9}" srcOrd="1" destOrd="0" parTransId="{F557E4E9-35B2-4832-8736-70FF2DA9AB9F}" sibTransId="{02CB5E4E-8332-4CBA-BC0E-94642F19146C}"/>
     <dgm:cxn modelId="{0C8D49C2-18CD-4187-8F74-DBEB462CF1A8}" srcId="{5B665457-376C-4B0C-9602-FA4A2067F0CF}" destId="{ECD8F1BD-EA50-4E34-B7A5-DAC4579D82A5}" srcOrd="1" destOrd="0" parTransId="{ECE54E62-97CD-4AF6-BB11-7ED9EDB27B58}" sibTransId="{18B58DD2-3837-41AB-A34A-2614BBF6E2BD}"/>
     <dgm:cxn modelId="{D1967CC3-3040-4E02-B203-9750DC0D0573}" srcId="{5B665457-376C-4B0C-9602-FA4A2067F0CF}" destId="{DEC5AA9C-CC70-4933-B788-7133ECE4DF1D}" srcOrd="2" destOrd="0" parTransId="{BD3B2002-3F42-4D34-89A7-A7F9DC3A6734}" sibTransId="{0259C669-3E88-48A3-891E-3EF7D964446B}"/>
-    <dgm:cxn modelId="{8F9019C4-7270-4929-AFFE-7CBB6E803189}" type="presOf" srcId="{77A0083D-140B-42DF-93FC-11ECBBA4E220}" destId="{FF47AA44-FF5E-4D63-9867-DBFE2C72FA86}" srcOrd="0" destOrd="0" presId="urn:microsoft.com/office/officeart/2016/7/layout/VerticalDownArrowProcess"/>
-    <dgm:cxn modelId="{8AC4A4D1-EAE3-4A44-A74C-CF3AB6E8A1A2}" type="presOf" srcId="{5AD34C9B-F714-4EDA-BDCD-36F5A1881FA3}" destId="{C57BC878-8F70-48C5-905E-CB47DBE4B2CF}" srcOrd="0" destOrd="4" presId="urn:microsoft.com/office/officeart/2016/7/layout/VerticalDownArrowProcess"/>
     <dgm:cxn modelId="{98627ED3-EC67-4B38-ACDE-E2FE18090605}" srcId="{77A0083D-140B-42DF-93FC-11ECBBA4E220}" destId="{3350F162-8600-4446-88F2-396272B26DFA}" srcOrd="2" destOrd="0" parTransId="{7196911D-4B25-4026-8CF8-91793BEF7DD2}" sibTransId="{152075DE-46F6-4392-91A1-3F9BC625E3AC}"/>
     <dgm:cxn modelId="{4454B2DF-AB8C-429F-9B17-4E3D559E38C5}" srcId="{77A0083D-140B-42DF-93FC-11ECBBA4E220}" destId="{1A040FB6-03D7-49EE-8C66-A599DAA84197}" srcOrd="3" destOrd="0" parTransId="{F1D39B95-D8E3-494F-91A4-CACBA95B0997}" sibTransId="{C00D3F3A-F846-41E7-B52C-A78C45C106E0}"/>
     <dgm:cxn modelId="{66237BF0-7208-44AE-99AA-66552DBCC4DD}" srcId="{77A0083D-140B-42DF-93FC-11ECBBA4E220}" destId="{DC6B1A8C-CCA5-4569-8766-15817FB7952F}" srcOrd="5" destOrd="0" parTransId="{F41814A9-5DD6-4691-BB82-4173AA08EABD}" sibTransId="{B78BEABD-F3C9-4A43-A42E-3077B1A8D274}"/>
-    <dgm:cxn modelId="{AA1989F1-ACA1-4AEB-9BCD-410539B703AA}" type="presOf" srcId="{BE506C97-7267-49A4-8E93-C206AD26ABCA}" destId="{C57BC878-8F70-48C5-905E-CB47DBE4B2CF}" srcOrd="0" destOrd="0" presId="urn:microsoft.com/office/officeart/2016/7/layout/VerticalDownArrowProcess"/>
-    <dgm:cxn modelId="{838323F2-4673-4FCD-8482-B0547738A518}" type="presOf" srcId="{67AF71DA-96D6-4378-BBF3-39824869C8E5}" destId="{C57BC878-8F70-48C5-905E-CB47DBE4B2CF}" srcOrd="0" destOrd="6" presId="urn:microsoft.com/office/officeart/2016/7/layout/VerticalDownArrowProcess"/>
     <dgm:cxn modelId="{9A05FBF7-BD93-4869-86AC-C84856DA3D06}" srcId="{77A0083D-140B-42DF-93FC-11ECBBA4E220}" destId="{BE506C97-7267-49A4-8E93-C206AD26ABCA}" srcOrd="0" destOrd="0" parTransId="{8340FE91-0F51-4A00-85D0-1FFF571710D4}" sibTransId="{D26E790A-2902-4782-B723-8DA5B4B4894F}"/>
-    <dgm:cxn modelId="{B10223FC-9807-4A4C-B3C3-9964E47B30A9}" type="presOf" srcId="{ECD8F1BD-EA50-4E34-B7A5-DAC4579D82A5}" destId="{78CC6F25-AA79-46B0-9731-FE227895451B}" srcOrd="0" destOrd="1" presId="urn:microsoft.com/office/officeart/2016/7/layout/VerticalDownArrowProcess"/>
-    <dgm:cxn modelId="{D0CFFA33-012B-45B1-96B0-995A3609805B}" type="presParOf" srcId="{7906B769-1D00-4301-B9CE-98B6331D4DFD}" destId="{261E28B2-38F7-437C-90A2-F94504558B0B}" srcOrd="0" destOrd="0" presId="urn:microsoft.com/office/officeart/2016/7/layout/VerticalDownArrowProcess"/>
-    <dgm:cxn modelId="{D8C4B197-393B-45CB-8230-032FBEEDB835}" type="presParOf" srcId="{261E28B2-38F7-437C-90A2-F94504558B0B}" destId="{FF47AA44-FF5E-4D63-9867-DBFE2C72FA86}" srcOrd="0" destOrd="0" presId="urn:microsoft.com/office/officeart/2016/7/layout/VerticalDownArrowProcess"/>
-    <dgm:cxn modelId="{78A23371-48D5-4E28-9CBD-583A6C33F787}" type="presParOf" srcId="{261E28B2-38F7-437C-90A2-F94504558B0B}" destId="{C57BC878-8F70-48C5-905E-CB47DBE4B2CF}" srcOrd="1" destOrd="0" presId="urn:microsoft.com/office/officeart/2016/7/layout/VerticalDownArrowProcess"/>
-    <dgm:cxn modelId="{84F8D4A5-556F-43EA-8F91-1EF75B953C89}" type="presParOf" srcId="{7906B769-1D00-4301-B9CE-98B6331D4DFD}" destId="{01C6C13A-55EB-4DEB-9AF4-8139713F10A2}" srcOrd="1" destOrd="0" presId="urn:microsoft.com/office/officeart/2016/7/layout/VerticalDownArrowProcess"/>
-    <dgm:cxn modelId="{E60550CE-34AA-4118-9336-5B0EA6D66EE7}" type="presParOf" srcId="{7906B769-1D00-4301-B9CE-98B6331D4DFD}" destId="{D7067DE7-4B84-4358-9625-E9297B4B4B82}" srcOrd="2" destOrd="0" presId="urn:microsoft.com/office/officeart/2016/7/layout/VerticalDownArrowProcess"/>
-    <dgm:cxn modelId="{262883C9-D0D4-4105-AE27-D779B1F32902}" type="presParOf" srcId="{D7067DE7-4B84-4358-9625-E9297B4B4B82}" destId="{A76F819A-3537-4456-8981-251378635439}" srcOrd="0" destOrd="0" presId="urn:microsoft.com/office/officeart/2016/7/layout/VerticalDownArrowProcess"/>
-    <dgm:cxn modelId="{A23130A6-7FBE-4D19-8B5E-F99308B1D0EC}" type="presParOf" srcId="{D7067DE7-4B84-4358-9625-E9297B4B4B82}" destId="{832CC780-2C4A-4EF0-8954-596039735946}" srcOrd="1" destOrd="0" presId="urn:microsoft.com/office/officeart/2016/7/layout/VerticalDownArrowProcess"/>
-    <dgm:cxn modelId="{404F5858-89FB-4EC5-B1FD-E6BD335A4031}" type="presParOf" srcId="{D7067DE7-4B84-4358-9625-E9297B4B4B82}" destId="{78CC6F25-AA79-46B0-9731-FE227895451B}" srcOrd="2" destOrd="0" presId="urn:microsoft.com/office/officeart/2016/7/layout/VerticalDownArrowProcess"/>
+    <dgm:cxn modelId="{30820DF9-FE1A-427F-A756-69B94B5243B7}" type="presOf" srcId="{67AF71DA-96D6-4378-BBF3-39824869C8E5}" destId="{541875AD-4BBB-4F6D-A952-24199A707D1A}" srcOrd="0" destOrd="6" presId="urn:microsoft.com/office/officeart/2005/8/layout/vList2"/>
+    <dgm:cxn modelId="{1AE62386-B8D0-45B4-A818-A221FF52732F}" type="presParOf" srcId="{B7695B6F-BF35-479F-BBF1-D7D85E01DB49}" destId="{6AAE3D8A-DEE4-48A5-A63B-1ECDBB868803}" srcOrd="0" destOrd="0" presId="urn:microsoft.com/office/officeart/2005/8/layout/vList2"/>
+    <dgm:cxn modelId="{7BEF384B-2CB1-480E-B591-B88E9EE76301}" type="presParOf" srcId="{B7695B6F-BF35-479F-BBF1-D7D85E01DB49}" destId="{0BF1B7D0-EC26-4959-87B5-EEE1353700B5}" srcOrd="1" destOrd="0" presId="urn:microsoft.com/office/officeart/2005/8/layout/vList2"/>
+    <dgm:cxn modelId="{8E06F77E-06AB-4309-A822-CBDEFE6D0891}" type="presParOf" srcId="{B7695B6F-BF35-479F-BBF1-D7D85E01DB49}" destId="{56C2A231-25A3-413A-AEF7-C5E414377521}" srcOrd="2" destOrd="0" presId="urn:microsoft.com/office/officeart/2005/8/layout/vList2"/>
+    <dgm:cxn modelId="{82DB8F22-F785-49AD-9F32-8205468CAD60}" type="presParOf" srcId="{B7695B6F-BF35-479F-BBF1-D7D85E01DB49}" destId="{541875AD-4BBB-4F6D-A952-24199A707D1A}" srcOrd="3" destOrd="0" presId="urn:microsoft.com/office/officeart/2005/8/layout/vList2"/>
   </dgm:cxnLst>
   <dgm:bg/>
   <dgm:whole/>
@@ -8096,60 +8191,31 @@
       <dsp:cNvGrpSpPr/>
     </dsp:nvGrpSpPr>
     <dsp:grpSpPr/>
-    <dsp:sp modelId="{FF47AA44-FF5E-4D63-9867-DBFE2C72FA86}">
+    <dsp:sp modelId="{6AAE3D8A-DEE4-48A5-A63B-1ECDBB868803}">
       <dsp:nvSpPr>
         <dsp:cNvPr id="0" name=""/>
         <dsp:cNvSpPr/>
       </dsp:nvSpPr>
       <dsp:spPr>
         <a:xfrm>
-          <a:off x="0" y="2463084"/>
-          <a:ext cx="2628900" cy="1616049"/>
+          <a:off x="0" y="65407"/>
+          <a:ext cx="6089650" cy="503685"/>
         </a:xfrm>
-        <a:prstGeom prst="rect">
+        <a:prstGeom prst="roundRect">
           <a:avLst/>
         </a:prstGeom>
-        <a:gradFill rotWithShape="0">
-          <a:gsLst>
-            <a:gs pos="0">
-              <a:schemeClr val="accent5">
-                <a:hueOff val="0"/>
-                <a:satOff val="0"/>
-                <a:lumOff val="0"/>
-                <a:alphaOff val="0"/>
-                <a:satMod val="103000"/>
-                <a:lumMod val="102000"/>
-                <a:tint val="94000"/>
-              </a:schemeClr>
-            </a:gs>
-            <a:gs pos="50000">
-              <a:schemeClr val="accent5">
-                <a:hueOff val="0"/>
-                <a:satOff val="0"/>
-                <a:lumOff val="0"/>
-                <a:alphaOff val="0"/>
-                <a:satMod val="110000"/>
-                <a:lumMod val="100000"/>
-                <a:shade val="100000"/>
-              </a:schemeClr>
-            </a:gs>
-            <a:gs pos="100000">
-              <a:schemeClr val="accent5">
-                <a:hueOff val="0"/>
-                <a:satOff val="0"/>
-                <a:lumOff val="0"/>
-                <a:alphaOff val="0"/>
-                <a:lumMod val="99000"/>
-                <a:satMod val="120000"/>
-                <a:shade val="78000"/>
-              </a:schemeClr>
-            </a:gs>
-          </a:gsLst>
-          <a:lin ang="5400000" scaled="0"/>
-        </a:gradFill>
-        <a:ln w="6350" cap="flat" cmpd="sng" algn="ctr">
+        <a:solidFill>
+          <a:schemeClr val="accent6">
+            <a:shade val="80000"/>
+            <a:hueOff val="0"/>
+            <a:satOff val="0"/>
+            <a:lumOff val="0"/>
+            <a:alphaOff val="0"/>
+          </a:schemeClr>
+        </a:solidFill>
+        <a:ln w="12700" cap="flat" cmpd="sng" algn="ctr">
           <a:solidFill>
-            <a:schemeClr val="accent5">
+            <a:schemeClr val="lt1">
               <a:hueOff val="0"/>
               <a:satOff val="0"/>
               <a:lumOff val="0"/>
@@ -8162,13 +8228,13 @@
         <a:effectLst/>
       </dsp:spPr>
       <dsp:style>
-        <a:lnRef idx="1">
+        <a:lnRef idx="2">
           <a:scrgbClr r="0" g="0" b="0"/>
         </a:lnRef>
-        <a:fillRef idx="3">
+        <a:fillRef idx="1">
           <a:scrgbClr r="0" g="0" b="0"/>
         </a:fillRef>
-        <a:effectRef idx="2">
+        <a:effectRef idx="0">
           <a:scrgbClr r="0" g="0" b="0"/>
         </a:effectRef>
         <a:fontRef idx="minor">
@@ -8176,12 +8242,12 @@
         </a:fontRef>
       </dsp:style>
       <dsp:txBody>
-        <a:bodyPr spcFirstLastPara="0" vert="horz" wrap="square" lIns="186967" tIns="256032" rIns="186967" bIns="256032" numCol="1" spcCol="1270" anchor="ctr" anchorCtr="0">
+        <a:bodyPr spcFirstLastPara="0" vert="horz" wrap="square" lIns="80010" tIns="80010" rIns="80010" bIns="80010" numCol="1" spcCol="1270" anchor="ctr" anchorCtr="0">
           <a:noAutofit/>
         </a:bodyPr>
         <a:lstStyle/>
         <a:p>
-          <a:pPr marL="0" lvl="0" indent="0" algn="ctr" defTabSz="1600200">
+          <a:pPr marL="0" lvl="0" indent="0" algn="l" defTabSz="933450">
             <a:lnSpc>
               <a:spcPct val="90000"/>
             </a:lnSpc>
@@ -8194,44 +8260,216 @@
             <a:buNone/>
           </a:pPr>
           <a:r>
-            <a:rPr lang="en-US" sz="3600" kern="1200"/>
-            <a:t>Planned</a:t>
+            <a:rPr lang="en-US" sz="2100" kern="1200" dirty="0"/>
+            <a:t>Available</a:t>
           </a:r>
         </a:p>
       </dsp:txBody>
       <dsp:txXfrm>
-        <a:off x="0" y="2463084"/>
-        <a:ext cx="2628900" cy="1616049"/>
+        <a:off x="24588" y="89995"/>
+        <a:ext cx="6040474" cy="454509"/>
       </dsp:txXfrm>
     </dsp:sp>
-    <dsp:sp modelId="{C57BC878-8F70-48C5-905E-CB47DBE4B2CF}">
+    <dsp:sp modelId="{0BF1B7D0-EC26-4959-87B5-EEE1353700B5}">
       <dsp:nvSpPr>
         <dsp:cNvPr id="0" name=""/>
         <dsp:cNvSpPr/>
       </dsp:nvSpPr>
       <dsp:spPr>
         <a:xfrm>
-          <a:off x="2628900" y="2463084"/>
-          <a:ext cx="7886700" cy="1616049"/>
+          <a:off x="0" y="569092"/>
+          <a:ext cx="6089650" cy="1956149"/>
         </a:xfrm>
         <a:prstGeom prst="rect">
           <a:avLst/>
         </a:prstGeom>
+        <a:noFill/>
+        <a:ln>
+          <a:noFill/>
+        </a:ln>
+        <a:effectLst/>
+      </dsp:spPr>
+      <dsp:style>
+        <a:lnRef idx="0">
+          <a:scrgbClr r="0" g="0" b="0"/>
+        </a:lnRef>
+        <a:fillRef idx="0">
+          <a:scrgbClr r="0" g="0" b="0"/>
+        </a:fillRef>
+        <a:effectRef idx="0">
+          <a:scrgbClr r="0" g="0" b="0"/>
+        </a:effectRef>
+        <a:fontRef idx="minor"/>
+      </dsp:style>
+      <dsp:txBody>
+        <a:bodyPr spcFirstLastPara="0" vert="horz" wrap="square" lIns="193346" tIns="26670" rIns="149352" bIns="26670" numCol="1" spcCol="1270" anchor="t" anchorCtr="0">
+          <a:noAutofit/>
+        </a:bodyPr>
+        <a:lstStyle/>
+        <a:p>
+          <a:pPr marL="171450" lvl="1" indent="-171450" algn="l" defTabSz="711200">
+            <a:lnSpc>
+              <a:spcPct val="90000"/>
+            </a:lnSpc>
+            <a:spcBef>
+              <a:spcPct val="0"/>
+            </a:spcBef>
+            <a:spcAft>
+              <a:spcPct val="20000"/>
+            </a:spcAft>
+            <a:buFont typeface="Wingdings" panose="05000000000000000000" pitchFamily="2" charset="2"/>
+            <a:buChar char="§"/>
+          </a:pPr>
+          <a:r>
+            <a:rPr lang="en-US" sz="1600" kern="1200" dirty="0"/>
+            <a:t>Message Broadcasting.</a:t>
+          </a:r>
+        </a:p>
+        <a:p>
+          <a:pPr marL="171450" lvl="1" indent="-171450" algn="l" defTabSz="711200">
+            <a:lnSpc>
+              <a:spcPct val="90000"/>
+            </a:lnSpc>
+            <a:spcBef>
+              <a:spcPct val="0"/>
+            </a:spcBef>
+            <a:spcAft>
+              <a:spcPct val="20000"/>
+            </a:spcAft>
+            <a:buFont typeface="Wingdings" panose="05000000000000000000" pitchFamily="2" charset="2"/>
+            <a:buChar char="§"/>
+          </a:pPr>
+          <a:r>
+            <a:rPr lang="en-US" sz="1600" kern="1200" dirty="0"/>
+            <a:t>Online Buddy List.</a:t>
+          </a:r>
+        </a:p>
+        <a:p>
+          <a:pPr marL="171450" lvl="1" indent="-171450" algn="l" defTabSz="711200">
+            <a:lnSpc>
+              <a:spcPct val="90000"/>
+            </a:lnSpc>
+            <a:spcBef>
+              <a:spcPct val="0"/>
+            </a:spcBef>
+            <a:spcAft>
+              <a:spcPct val="20000"/>
+            </a:spcAft>
+            <a:buFont typeface="Wingdings" panose="05000000000000000000" pitchFamily="2" charset="2"/>
+            <a:buChar char="§"/>
+          </a:pPr>
+          <a:r>
+            <a:rPr lang="en-US" sz="1600" kern="1200" dirty="0"/>
+            <a:t>Private Message to any user.</a:t>
+          </a:r>
+        </a:p>
+        <a:p>
+          <a:pPr marL="171450" lvl="1" indent="-171450" algn="l" defTabSz="711200">
+            <a:lnSpc>
+              <a:spcPct val="90000"/>
+            </a:lnSpc>
+            <a:spcBef>
+              <a:spcPct val="0"/>
+            </a:spcBef>
+            <a:spcAft>
+              <a:spcPct val="20000"/>
+            </a:spcAft>
+            <a:buFont typeface="Wingdings" panose="05000000000000000000" pitchFamily="2" charset="2"/>
+            <a:buChar char="§"/>
+          </a:pPr>
+          <a:r>
+            <a:rPr lang="en-US" sz="1600" kern="1200" dirty="0"/>
+            <a:t>Browser Based Chat Support using WebSocket.</a:t>
+          </a:r>
+        </a:p>
+        <a:p>
+          <a:pPr marL="171450" lvl="1" indent="-171450" algn="l" defTabSz="711200">
+            <a:lnSpc>
+              <a:spcPct val="90000"/>
+            </a:lnSpc>
+            <a:spcBef>
+              <a:spcPct val="0"/>
+            </a:spcBef>
+            <a:spcAft>
+              <a:spcPct val="20000"/>
+            </a:spcAft>
+            <a:buFont typeface="Wingdings" panose="05000000000000000000" pitchFamily="2" charset="2"/>
+            <a:buChar char="§"/>
+          </a:pPr>
+          <a:r>
+            <a:rPr lang="en-US" sz="1600" kern="1200" dirty="0"/>
+            <a:t>JSON based minimalistic protocol.</a:t>
+          </a:r>
+        </a:p>
+        <a:p>
+          <a:pPr marL="171450" lvl="1" indent="-171450" algn="l" defTabSz="711200">
+            <a:lnSpc>
+              <a:spcPct val="90000"/>
+            </a:lnSpc>
+            <a:spcBef>
+              <a:spcPct val="0"/>
+            </a:spcBef>
+            <a:spcAft>
+              <a:spcPct val="20000"/>
+            </a:spcAft>
+            <a:buFont typeface="Wingdings" panose="05000000000000000000" pitchFamily="2" charset="2"/>
+            <a:buChar char="§"/>
+          </a:pPr>
+          <a:r>
+            <a:rPr lang="en-US" sz="1600" kern="1200" dirty="0"/>
+            <a:t>Emoticon Smileys.</a:t>
+          </a:r>
+        </a:p>
+        <a:p>
+          <a:pPr marL="171450" lvl="1" indent="-171450" algn="l" defTabSz="711200">
+            <a:lnSpc>
+              <a:spcPct val="90000"/>
+            </a:lnSpc>
+            <a:spcBef>
+              <a:spcPct val="0"/>
+            </a:spcBef>
+            <a:spcAft>
+              <a:spcPct val="20000"/>
+            </a:spcAft>
+            <a:buFont typeface="Wingdings" panose="05000000000000000000" pitchFamily="2" charset="2"/>
+            <a:buChar char="§"/>
+          </a:pPr>
+          <a:r>
+            <a:rPr lang="en-US" sz="1600" kern="1200" dirty="0"/>
+            <a:t>Automated Functional Testing.</a:t>
+          </a:r>
+        </a:p>
+      </dsp:txBody>
+      <dsp:txXfrm>
+        <a:off x="0" y="569092"/>
+        <a:ext cx="6089650" cy="1956149"/>
+      </dsp:txXfrm>
+    </dsp:sp>
+    <dsp:sp modelId="{56C2A231-25A3-413A-AEF7-C5E414377521}">
+      <dsp:nvSpPr>
+        <dsp:cNvPr id="0" name=""/>
+        <dsp:cNvSpPr/>
+      </dsp:nvSpPr>
+      <dsp:spPr>
+        <a:xfrm>
+          <a:off x="0" y="2525242"/>
+          <a:ext cx="6089650" cy="503685"/>
+        </a:xfrm>
+        <a:prstGeom prst="roundRect">
+          <a:avLst/>
+        </a:prstGeom>
         <a:solidFill>
-          <a:schemeClr val="accent5">
-            <a:tint val="40000"/>
-            <a:alpha val="90000"/>
-            <a:hueOff val="0"/>
-            <a:satOff val="0"/>
-            <a:lumOff val="0"/>
+          <a:schemeClr val="accent6">
+            <a:shade val="80000"/>
+            <a:hueOff val="321280"/>
+            <a:satOff val="-12909"/>
+            <a:lumOff val="27628"/>
             <a:alphaOff val="0"/>
           </a:schemeClr>
         </a:solidFill>
-        <a:ln w="6350" cap="flat" cmpd="sng" algn="ctr">
+        <a:ln w="12700" cap="flat" cmpd="sng" algn="ctr">
           <a:solidFill>
-            <a:schemeClr val="accent5">
-              <a:tint val="40000"/>
-              <a:alpha val="90000"/>
+            <a:schemeClr val="lt1">
               <a:hueOff val="0"/>
               <a:satOff val="0"/>
               <a:lumOff val="0"/>
@@ -8244,7 +8482,7 @@
         <a:effectLst/>
       </dsp:spPr>
       <dsp:style>
-        <a:lnRef idx="1">
+        <a:lnRef idx="2">
           <a:scrgbClr r="0" g="0" b="0"/>
         </a:lnRef>
         <a:fillRef idx="1">
@@ -8253,15 +8491,17 @@
         <a:effectRef idx="0">
           <a:scrgbClr r="0" g="0" b="0"/>
         </a:effectRef>
-        <a:fontRef idx="minor"/>
+        <a:fontRef idx="minor">
+          <a:schemeClr val="lt1"/>
+        </a:fontRef>
       </dsp:style>
       <dsp:txBody>
-        <a:bodyPr spcFirstLastPara="0" vert="horz" wrap="square" lIns="159980" tIns="139700" rIns="159980" bIns="139700" numCol="1" spcCol="1270" anchor="ctr" anchorCtr="0">
+        <a:bodyPr spcFirstLastPara="0" vert="horz" wrap="square" lIns="80010" tIns="80010" rIns="80010" bIns="80010" numCol="1" spcCol="1270" anchor="ctr" anchorCtr="0">
           <a:noAutofit/>
         </a:bodyPr>
         <a:lstStyle/>
         <a:p>
-          <a:pPr marL="0" lvl="0" indent="0" algn="l" defTabSz="488950">
+          <a:pPr marL="0" lvl="0" indent="0" algn="l" defTabSz="933450">
             <a:lnSpc>
               <a:spcPct val="90000"/>
             </a:lnSpc>
@@ -8274,299 +8514,40 @@
             <a:buNone/>
           </a:pPr>
           <a:r>
-            <a:rPr lang="en-US" sz="1100" kern="1200" dirty="0"/>
-            <a:t>Real Time Whiteboard.</a:t>
-          </a:r>
-        </a:p>
-        <a:p>
-          <a:pPr marL="0" lvl="0" indent="0" algn="l" defTabSz="488950">
-            <a:lnSpc>
-              <a:spcPct val="90000"/>
-            </a:lnSpc>
-            <a:spcBef>
-              <a:spcPct val="0"/>
-            </a:spcBef>
-            <a:spcAft>
-              <a:spcPct val="35000"/>
-            </a:spcAft>
-            <a:buNone/>
-          </a:pPr>
-          <a:r>
-            <a:rPr lang="en-US" sz="1100" kern="1200" dirty="0"/>
-            <a:t>Login Authentication.</a:t>
-          </a:r>
-        </a:p>
-        <a:p>
-          <a:pPr marL="0" lvl="0" indent="0" algn="l" defTabSz="488950">
-            <a:lnSpc>
-              <a:spcPct val="90000"/>
-            </a:lnSpc>
-            <a:spcBef>
-              <a:spcPct val="0"/>
-            </a:spcBef>
-            <a:spcAft>
-              <a:spcPct val="35000"/>
-            </a:spcAft>
-            <a:buNone/>
-          </a:pPr>
-          <a:r>
-            <a:rPr lang="en-US" sz="1100" kern="1200" dirty="0"/>
-            <a:t>Search Server through Multi Casting.</a:t>
-          </a:r>
-        </a:p>
-        <a:p>
-          <a:pPr marL="0" lvl="0" indent="0" algn="l" defTabSz="488950">
-            <a:lnSpc>
-              <a:spcPct val="90000"/>
-            </a:lnSpc>
-            <a:spcBef>
-              <a:spcPct val="0"/>
-            </a:spcBef>
-            <a:spcAft>
-              <a:spcPct val="35000"/>
-            </a:spcAft>
-            <a:buNone/>
-          </a:pPr>
-          <a:r>
-            <a:rPr lang="en-US" sz="1100" kern="1200" dirty="0"/>
-            <a:t>File Sharing.</a:t>
-          </a:r>
-        </a:p>
-        <a:p>
-          <a:pPr marL="0" lvl="0" indent="0" algn="l" defTabSz="488950">
-            <a:lnSpc>
-              <a:spcPct val="90000"/>
-            </a:lnSpc>
-            <a:spcBef>
-              <a:spcPct val="0"/>
-            </a:spcBef>
-            <a:spcAft>
-              <a:spcPct val="35000"/>
-            </a:spcAft>
-            <a:buNone/>
-          </a:pPr>
-          <a:r>
-            <a:rPr lang="en-US" sz="1100" kern="1200" dirty="0"/>
-            <a:t>QML Desktop client.</a:t>
-          </a:r>
-        </a:p>
-        <a:p>
-          <a:pPr marL="0" lvl="0" indent="0" algn="l" defTabSz="488950">
-            <a:lnSpc>
-              <a:spcPct val="90000"/>
-            </a:lnSpc>
-            <a:spcBef>
-              <a:spcPct val="0"/>
-            </a:spcBef>
-            <a:spcAft>
-              <a:spcPct val="35000"/>
-            </a:spcAft>
-            <a:buNone/>
-          </a:pPr>
-          <a:r>
-            <a:rPr lang="en-US" sz="1100" kern="1200" dirty="0"/>
-            <a:t>Multiple Chat Rooms.</a:t>
-          </a:r>
-        </a:p>
-        <a:p>
-          <a:pPr marL="0" lvl="0" indent="0" algn="l" defTabSz="488950">
-            <a:lnSpc>
-              <a:spcPct val="90000"/>
-            </a:lnSpc>
-            <a:spcBef>
-              <a:spcPct val="0"/>
-            </a:spcBef>
-            <a:spcAft>
-              <a:spcPct val="35000"/>
-            </a:spcAft>
-            <a:buNone/>
-          </a:pPr>
-          <a:r>
-            <a:rPr lang="en-US" sz="1100" kern="1200" dirty="0"/>
-            <a:t>MQTT Protocol support.</a:t>
-          </a:r>
-        </a:p>
-        <a:p>
-          <a:pPr marL="0" lvl="0" indent="0" algn="l" defTabSz="488950">
-            <a:lnSpc>
-              <a:spcPct val="90000"/>
-            </a:lnSpc>
-            <a:spcBef>
-              <a:spcPct val="0"/>
-            </a:spcBef>
-            <a:spcAft>
-              <a:spcPct val="35000"/>
-            </a:spcAft>
-            <a:buNone/>
-          </a:pPr>
-          <a:r>
-            <a:rPr lang="en-US" sz="1100" kern="1200" dirty="0"/>
-            <a:t>Bridging of multiple servers (MQTT).</a:t>
+            <a:rPr lang="en-US" sz="2100" kern="1200"/>
+            <a:t>Planned</a:t>
           </a:r>
         </a:p>
       </dsp:txBody>
       <dsp:txXfrm>
-        <a:off x="2628900" y="2463084"/>
-        <a:ext cx="7886700" cy="1616049"/>
+        <a:off x="24588" y="2549830"/>
+        <a:ext cx="6040474" cy="454509"/>
       </dsp:txXfrm>
     </dsp:sp>
-    <dsp:sp modelId="{832CC780-2C4A-4EF0-8954-596039735946}">
-      <dsp:nvSpPr>
-        <dsp:cNvPr id="0" name=""/>
-        <dsp:cNvSpPr/>
-      </dsp:nvSpPr>
-      <dsp:spPr>
-        <a:xfrm rot="10800000">
-          <a:off x="0" y="1840"/>
-          <a:ext cx="2628900" cy="2485484"/>
-        </a:xfrm>
-        <a:prstGeom prst="upArrowCallout">
-          <a:avLst>
-            <a:gd name="adj1" fmla="val 5000"/>
-            <a:gd name="adj2" fmla="val 10000"/>
-            <a:gd name="adj3" fmla="val 15000"/>
-            <a:gd name="adj4" fmla="val 64977"/>
-          </a:avLst>
-        </a:prstGeom>
-        <a:gradFill rotWithShape="0">
-          <a:gsLst>
-            <a:gs pos="0">
-              <a:schemeClr val="accent5">
-                <a:hueOff val="-6758543"/>
-                <a:satOff val="-17419"/>
-                <a:lumOff val="-11765"/>
-                <a:alphaOff val="0"/>
-                <a:satMod val="103000"/>
-                <a:lumMod val="102000"/>
-                <a:tint val="94000"/>
-              </a:schemeClr>
-            </a:gs>
-            <a:gs pos="50000">
-              <a:schemeClr val="accent5">
-                <a:hueOff val="-6758543"/>
-                <a:satOff val="-17419"/>
-                <a:lumOff val="-11765"/>
-                <a:alphaOff val="0"/>
-                <a:satMod val="110000"/>
-                <a:lumMod val="100000"/>
-                <a:shade val="100000"/>
-              </a:schemeClr>
-            </a:gs>
-            <a:gs pos="100000">
-              <a:schemeClr val="accent5">
-                <a:hueOff val="-6758543"/>
-                <a:satOff val="-17419"/>
-                <a:lumOff val="-11765"/>
-                <a:alphaOff val="0"/>
-                <a:lumMod val="99000"/>
-                <a:satMod val="120000"/>
-                <a:shade val="78000"/>
-              </a:schemeClr>
-            </a:gs>
-          </a:gsLst>
-          <a:lin ang="5400000" scaled="0"/>
-        </a:gradFill>
-        <a:ln w="6350" cap="flat" cmpd="sng" algn="ctr">
-          <a:solidFill>
-            <a:schemeClr val="accent5">
-              <a:hueOff val="-6758543"/>
-              <a:satOff val="-17419"/>
-              <a:lumOff val="-11765"/>
-              <a:alphaOff val="0"/>
-            </a:schemeClr>
-          </a:solidFill>
-          <a:prstDash val="solid"/>
-          <a:miter lim="800000"/>
-        </a:ln>
-        <a:effectLst/>
-      </dsp:spPr>
-      <dsp:style>
-        <a:lnRef idx="1">
-          <a:scrgbClr r="0" g="0" b="0"/>
-        </a:lnRef>
-        <a:fillRef idx="3">
-          <a:scrgbClr r="0" g="0" b="0"/>
-        </a:fillRef>
-        <a:effectRef idx="2">
-          <a:scrgbClr r="0" g="0" b="0"/>
-        </a:effectRef>
-        <a:fontRef idx="minor">
-          <a:schemeClr val="lt1"/>
-        </a:fontRef>
-      </dsp:style>
-      <dsp:txBody>
-        <a:bodyPr spcFirstLastPara="0" vert="horz" wrap="square" lIns="186967" tIns="256032" rIns="186967" bIns="256032" numCol="1" spcCol="1270" anchor="ctr" anchorCtr="0">
-          <a:noAutofit/>
-        </a:bodyPr>
-        <a:lstStyle/>
-        <a:p>
-          <a:pPr marL="0" lvl="0" indent="0" algn="ctr" defTabSz="1600200">
-            <a:lnSpc>
-              <a:spcPct val="90000"/>
-            </a:lnSpc>
-            <a:spcBef>
-              <a:spcPct val="0"/>
-            </a:spcBef>
-            <a:spcAft>
-              <a:spcPct val="35000"/>
-            </a:spcAft>
-            <a:buNone/>
-          </a:pPr>
-          <a:r>
-            <a:rPr lang="en-US" sz="3600" kern="1200" dirty="0"/>
-            <a:t>Available</a:t>
-          </a:r>
-        </a:p>
-      </dsp:txBody>
-      <dsp:txXfrm rot="-10800000">
-        <a:off x="0" y="1840"/>
-        <a:ext cx="2628900" cy="1615564"/>
-      </dsp:txXfrm>
-    </dsp:sp>
-    <dsp:sp modelId="{78CC6F25-AA79-46B0-9731-FE227895451B}">
+    <dsp:sp modelId="{541875AD-4BBB-4F6D-A952-24199A707D1A}">
       <dsp:nvSpPr>
         <dsp:cNvPr id="0" name=""/>
         <dsp:cNvSpPr/>
       </dsp:nvSpPr>
       <dsp:spPr>
         <a:xfrm>
-          <a:off x="2628900" y="1840"/>
-          <a:ext cx="7886700" cy="1615564"/>
+          <a:off x="0" y="3028927"/>
+          <a:ext cx="6089650" cy="2477790"/>
         </a:xfrm>
         <a:prstGeom prst="rect">
           <a:avLst/>
         </a:prstGeom>
-        <a:solidFill>
-          <a:schemeClr val="accent5">
-            <a:tint val="40000"/>
-            <a:alpha val="90000"/>
-            <a:hueOff val="-6739762"/>
-            <a:satOff val="-22832"/>
-            <a:lumOff val="-2928"/>
-            <a:alphaOff val="0"/>
-          </a:schemeClr>
-        </a:solidFill>
-        <a:ln w="6350" cap="flat" cmpd="sng" algn="ctr">
-          <a:solidFill>
-            <a:schemeClr val="accent5">
-              <a:tint val="40000"/>
-              <a:alpha val="90000"/>
-              <a:hueOff val="-6739762"/>
-              <a:satOff val="-22832"/>
-              <a:lumOff val="-2928"/>
-              <a:alphaOff val="0"/>
-            </a:schemeClr>
-          </a:solidFill>
-          <a:prstDash val="solid"/>
-          <a:miter lim="800000"/>
+        <a:noFill/>
+        <a:ln>
+          <a:noFill/>
         </a:ln>
         <a:effectLst/>
       </dsp:spPr>
       <dsp:style>
-        <a:lnRef idx="1">
+        <a:lnRef idx="0">
           <a:scrgbClr r="0" g="0" b="0"/>
         </a:lnRef>
-        <a:fillRef idx="1">
+        <a:fillRef idx="0">
           <a:scrgbClr r="0" g="0" b="0"/>
         </a:fillRef>
         <a:effectRef idx="0">
@@ -8575,12 +8556,12 @@
         <a:fontRef idx="minor"/>
       </dsp:style>
       <dsp:txBody>
-        <a:bodyPr spcFirstLastPara="0" vert="horz" wrap="square" lIns="159980" tIns="139700" rIns="159980" bIns="139700" numCol="1" spcCol="1270" anchor="ctr" anchorCtr="0">
+        <a:bodyPr spcFirstLastPara="0" vert="horz" wrap="square" lIns="193346" tIns="26670" rIns="149352" bIns="26670" numCol="1" spcCol="1270" anchor="t" anchorCtr="0">
           <a:noAutofit/>
         </a:bodyPr>
         <a:lstStyle/>
         <a:p>
-          <a:pPr marL="0" lvl="0" indent="0" algn="l" defTabSz="488950">
+          <a:pPr marL="171450" lvl="1" indent="-171450" algn="l" defTabSz="711200">
             <a:lnSpc>
               <a:spcPct val="90000"/>
             </a:lnSpc>
@@ -8588,18 +8569,17 @@
               <a:spcPct val="0"/>
             </a:spcBef>
             <a:spcAft>
-              <a:spcPct val="35000"/>
+              <a:spcPct val="20000"/>
             </a:spcAft>
-            <a:buFont typeface="Wingdings" panose="05000000000000000000" pitchFamily="2" charset="2"/>
-            <a:buNone/>
+            <a:buChar char="•"/>
           </a:pPr>
           <a:r>
-            <a:rPr lang="en-US" sz="1100" kern="1200" dirty="0"/>
-            <a:t>Message Broadcasting.</a:t>
+            <a:rPr lang="en-US" sz="1600" kern="1200" dirty="0"/>
+            <a:t>Real Time Whiteboard.</a:t>
           </a:r>
         </a:p>
         <a:p>
-          <a:pPr marL="0" lvl="0" indent="0" algn="l" defTabSz="488950">
+          <a:pPr marL="171450" lvl="1" indent="-171450" algn="l" defTabSz="711200">
             <a:lnSpc>
               <a:spcPct val="90000"/>
             </a:lnSpc>
@@ -8607,18 +8587,17 @@
               <a:spcPct val="0"/>
             </a:spcBef>
             <a:spcAft>
-              <a:spcPct val="35000"/>
+              <a:spcPct val="20000"/>
             </a:spcAft>
-            <a:buFont typeface="Wingdings" panose="05000000000000000000" pitchFamily="2" charset="2"/>
-            <a:buNone/>
+            <a:buChar char="•"/>
           </a:pPr>
           <a:r>
-            <a:rPr lang="en-US" sz="1100" kern="1200" dirty="0"/>
-            <a:t>Online Buddy List.</a:t>
+            <a:rPr lang="en-US" sz="1600" kern="1200" dirty="0"/>
+            <a:t>Login Authentication.</a:t>
           </a:r>
         </a:p>
         <a:p>
-          <a:pPr marL="0" lvl="0" indent="0" algn="l" defTabSz="488950">
+          <a:pPr marL="171450" lvl="1" indent="-171450" algn="l" defTabSz="711200">
             <a:lnSpc>
               <a:spcPct val="90000"/>
             </a:lnSpc>
@@ -8626,18 +8605,17 @@
               <a:spcPct val="0"/>
             </a:spcBef>
             <a:spcAft>
-              <a:spcPct val="35000"/>
+              <a:spcPct val="20000"/>
             </a:spcAft>
-            <a:buFont typeface="Wingdings" panose="05000000000000000000" pitchFamily="2" charset="2"/>
-            <a:buNone/>
+            <a:buChar char="•"/>
           </a:pPr>
           <a:r>
-            <a:rPr lang="en-US" sz="1100" kern="1200" dirty="0"/>
-            <a:t>Private Message to any user.</a:t>
+            <a:rPr lang="en-US" sz="1600" kern="1200" dirty="0"/>
+            <a:t>Search Server through Multi Casting.</a:t>
           </a:r>
         </a:p>
         <a:p>
-          <a:pPr marL="0" lvl="0" indent="0" algn="l" defTabSz="488950">
+          <a:pPr marL="171450" lvl="1" indent="-171450" algn="l" defTabSz="711200">
             <a:lnSpc>
               <a:spcPct val="90000"/>
             </a:lnSpc>
@@ -8645,18 +8623,17 @@
               <a:spcPct val="0"/>
             </a:spcBef>
             <a:spcAft>
-              <a:spcPct val="35000"/>
+              <a:spcPct val="20000"/>
             </a:spcAft>
-            <a:buFont typeface="Wingdings" panose="05000000000000000000" pitchFamily="2" charset="2"/>
-            <a:buNone/>
+            <a:buChar char="•"/>
           </a:pPr>
           <a:r>
-            <a:rPr lang="en-US" sz="1100" kern="1200" dirty="0"/>
-            <a:t>Browser Based Chat Support using WebSocket.</a:t>
+            <a:rPr lang="en-US" sz="1600" kern="1200" dirty="0"/>
+            <a:t>File Sharing.</a:t>
           </a:r>
         </a:p>
         <a:p>
-          <a:pPr marL="0" lvl="0" indent="0" algn="l" defTabSz="488950">
+          <a:pPr marL="171450" lvl="1" indent="-171450" algn="l" defTabSz="711200">
             <a:lnSpc>
               <a:spcPct val="90000"/>
             </a:lnSpc>
@@ -8664,18 +8641,17 @@
               <a:spcPct val="0"/>
             </a:spcBef>
             <a:spcAft>
-              <a:spcPct val="35000"/>
+              <a:spcPct val="20000"/>
             </a:spcAft>
-            <a:buFont typeface="Wingdings" panose="05000000000000000000" pitchFamily="2" charset="2"/>
-            <a:buNone/>
+            <a:buChar char="•"/>
           </a:pPr>
           <a:r>
-            <a:rPr lang="en-US" sz="1100" kern="1200" dirty="0"/>
-            <a:t>JSON based minimalistic protocol.</a:t>
+            <a:rPr lang="en-US" sz="1600" kern="1200" dirty="0"/>
+            <a:t>QML Desktop client.</a:t>
           </a:r>
         </a:p>
         <a:p>
-          <a:pPr marL="0" lvl="0" indent="0" algn="l" defTabSz="488950">
+          <a:pPr marL="171450" lvl="1" indent="-171450" algn="l" defTabSz="711200">
             <a:lnSpc>
               <a:spcPct val="90000"/>
             </a:lnSpc>
@@ -8683,18 +8659,17 @@
               <a:spcPct val="0"/>
             </a:spcBef>
             <a:spcAft>
-              <a:spcPct val="35000"/>
+              <a:spcPct val="20000"/>
             </a:spcAft>
-            <a:buFont typeface="Wingdings" panose="05000000000000000000" pitchFamily="2" charset="2"/>
-            <a:buNone/>
+            <a:buChar char="•"/>
           </a:pPr>
           <a:r>
-            <a:rPr lang="en-US" sz="1100" kern="1200" dirty="0"/>
-            <a:t>Emoticon Smileys.</a:t>
+            <a:rPr lang="en-US" sz="1600" kern="1200" dirty="0"/>
+            <a:t>Multiple Chat Rooms.</a:t>
           </a:r>
         </a:p>
         <a:p>
-          <a:pPr marL="0" lvl="0" indent="0" algn="l" defTabSz="488950">
+          <a:pPr marL="171450" lvl="1" indent="-171450" algn="l" defTabSz="711200">
             <a:lnSpc>
               <a:spcPct val="90000"/>
             </a:lnSpc>
@@ -8702,20 +8677,55 @@
               <a:spcPct val="0"/>
             </a:spcBef>
             <a:spcAft>
-              <a:spcPct val="35000"/>
+              <a:spcPct val="20000"/>
             </a:spcAft>
-            <a:buFont typeface="Wingdings" panose="05000000000000000000" pitchFamily="2" charset="2"/>
-            <a:buNone/>
+            <a:buChar char="•"/>
           </a:pPr>
           <a:r>
-            <a:rPr lang="en-US" sz="1100" kern="1200" dirty="0"/>
-            <a:t>Automated Functional Testing.</a:t>
+            <a:rPr lang="en-US" sz="1600" kern="1200" dirty="0"/>
+            <a:t>MQTT Protocol support.</a:t>
+          </a:r>
+        </a:p>
+        <a:p>
+          <a:pPr marL="171450" lvl="1" indent="-171450" algn="l" defTabSz="711200">
+            <a:lnSpc>
+              <a:spcPct val="90000"/>
+            </a:lnSpc>
+            <a:spcBef>
+              <a:spcPct val="0"/>
+            </a:spcBef>
+            <a:spcAft>
+              <a:spcPct val="20000"/>
+            </a:spcAft>
+            <a:buChar char="•"/>
+          </a:pPr>
+          <a:r>
+            <a:rPr lang="en-US" sz="1600" kern="1200" dirty="0"/>
+            <a:t>Bridging of multiple servers (MQTT).</a:t>
+          </a:r>
+        </a:p>
+        <a:p>
+          <a:pPr marL="171450" lvl="1" indent="-171450" algn="l" defTabSz="711200">
+            <a:lnSpc>
+              <a:spcPct val="90000"/>
+            </a:lnSpc>
+            <a:spcBef>
+              <a:spcPct val="0"/>
+            </a:spcBef>
+            <a:spcAft>
+              <a:spcPct val="20000"/>
+            </a:spcAft>
+            <a:buChar char="•"/>
+          </a:pPr>
+          <a:r>
+            <a:rPr lang="en-US" sz="1600" kern="1200" dirty="0"/>
+            <a:t>Create a Worker Thread for Chat Room on Message arrival.</a:t>
           </a:r>
         </a:p>
       </dsp:txBody>
       <dsp:txXfrm>
-        <a:off x="2628900" y="1840"/>
-        <a:ext cx="7886700" cy="1615564"/>
+        <a:off x="0" y="3028927"/>
+        <a:ext cx="6089650" cy="2477790"/>
       </dsp:txXfrm>
     </dsp:sp>
   </dsp:spTree>
@@ -12840,11 +12850,12 @@
 </file>
 
 <file path=ppt/diagrams/layout1.xml><?xml version="1.0" encoding="utf-8"?>
-<dgm:layoutDef xmlns:dgm="http://schemas.openxmlformats.org/drawingml/2006/diagram" xmlns:a="http://schemas.openxmlformats.org/drawingml/2006/main" uniqueId="urn:microsoft.com/office/officeart/2016/7/layout/VerticalDownArrowProcess">
-  <dgm:title val="Vertical Down Arrow Process"/>
-  <dgm:desc val="Use to show a progression; a timeline; sequential steps in a task, process, or workflow; or to emphasize movement or direction. Level 1 text appears inside an arrow shape while Level 2 text appears below the arrow shapes."/>
+<dgm:layoutDef xmlns:dgm="http://schemas.openxmlformats.org/drawingml/2006/diagram" xmlns:a="http://schemas.openxmlformats.org/drawingml/2006/main" uniqueId="urn:microsoft.com/office/officeart/2005/8/layout/vList2">
+  <dgm:title val=""/>
+  <dgm:desc val=""/>
   <dgm:catLst>
-    <dgm:cat type="process" pri="500"/>
+    <dgm:cat type="list" pri="3000"/>
+    <dgm:cat type="convert" pri="1000"/>
   </dgm:catLst>
   <dgm:sampData>
     <dgm:dataModel>
@@ -12862,20 +12873,12 @@
         <dgm:pt modelId="21">
           <dgm:prSet phldr="1"/>
         </dgm:pt>
-        <dgm:pt modelId="3">
-          <dgm:prSet phldr="1"/>
-        </dgm:pt>
-        <dgm:pt modelId="31">
-          <dgm:prSet phldr="1"/>
-        </dgm:pt>
       </dgm:ptLst>
       <dgm:cxnLst>
         <dgm:cxn modelId="4" srcId="0" destId="1" srcOrd="0" destOrd="0"/>
         <dgm:cxn modelId="5" srcId="0" destId="2" srcOrd="1" destOrd="0"/>
-        <dgm:cxn modelId="6" srcId="0" destId="3" srcOrd="2" destOrd="0"/>
-        <dgm:cxn modelId="13" srcId="1" destId="11" srcOrd="0" destOrd="0"/>
+        <dgm:cxn modelId="12" srcId="1" destId="11" srcOrd="0" destOrd="0"/>
         <dgm:cxn modelId="23" srcId="2" destId="21" srcOrd="0" destOrd="0"/>
-        <dgm:cxn modelId="33" srcId="3" destId="31" srcOrd="0" destOrd="0"/>
       </dgm:cxnLst>
       <dgm:bg/>
       <dgm:whole/>
@@ -12886,15 +12889,11 @@
       <dgm:ptLst>
         <dgm:pt modelId="0" type="doc"/>
         <dgm:pt modelId="1"/>
-        <dgm:pt modelId="11"/>
         <dgm:pt modelId="2"/>
-        <dgm:pt modelId="21"/>
       </dgm:ptLst>
       <dgm:cxnLst>
-        <dgm:cxn modelId="4" srcId="0" destId="1" srcOrd="0" destOrd="0"/>
-        <dgm:cxn modelId="5" srcId="0" destId="2" srcOrd="1" destOrd="0"/>
-        <dgm:cxn modelId="13" srcId="1" destId="11" srcOrd="0" destOrd="0"/>
-        <dgm:cxn modelId="23" srcId="2" destId="21" srcOrd="0" destOrd="0"/>
+        <dgm:cxn modelId="3" srcId="0" destId="1" srcOrd="0" destOrd="0"/>
+        <dgm:cxn modelId="4" srcId="0" destId="2" srcOrd="1" destOrd="0"/>
       </dgm:cxnLst>
       <dgm:bg/>
       <dgm:whole/>
@@ -12905,202 +12904,113 @@
       <dgm:ptLst>
         <dgm:pt modelId="0" type="doc"/>
         <dgm:pt modelId="1"/>
-        <dgm:pt modelId="11"/>
         <dgm:pt modelId="2"/>
-        <dgm:pt modelId="21"/>
         <dgm:pt modelId="3"/>
-        <dgm:pt modelId="31"/>
         <dgm:pt modelId="4"/>
-        <dgm:pt modelId="41"/>
       </dgm:ptLst>
       <dgm:cxnLst>
         <dgm:cxn modelId="5" srcId="0" destId="1" srcOrd="0" destOrd="0"/>
         <dgm:cxn modelId="6" srcId="0" destId="2" srcOrd="1" destOrd="0"/>
         <dgm:cxn modelId="7" srcId="0" destId="3" srcOrd="2" destOrd="0"/>
         <dgm:cxn modelId="8" srcId="0" destId="4" srcOrd="3" destOrd="0"/>
-        <dgm:cxn modelId="13" srcId="1" destId="11" srcOrd="0" destOrd="0"/>
-        <dgm:cxn modelId="23" srcId="2" destId="21" srcOrd="0" destOrd="0"/>
-        <dgm:cxn modelId="33" srcId="3" destId="31" srcOrd="0" destOrd="0"/>
-        <dgm:cxn modelId="43" srcId="4" destId="41" srcOrd="0" destOrd="0"/>
       </dgm:cxnLst>
       <dgm:bg/>
       <dgm:whole/>
     </dgm:dataModel>
   </dgm:clrData>
-  <dgm:layoutNode name="Name0">
+  <dgm:layoutNode name="linear">
     <dgm:varLst>
-      <dgm:dir/>
       <dgm:animLvl val="lvl"/>
       <dgm:resizeHandles val="exact"/>
     </dgm:varLst>
     <dgm:alg type="lin">
-      <dgm:param type="linDir" val="fromB"/>
+      <dgm:param type="linDir" val="fromT"/>
+      <dgm:param type="vertAlign" val="mid"/>
     </dgm:alg>
     <dgm:shape xmlns:r="http://schemas.openxmlformats.org/officeDocument/2006/relationships" r:blip="">
       <dgm:adjLst/>
     </dgm:shape>
     <dgm:presOf/>
     <dgm:constrLst>
-      <dgm:constr type="h" for="ch" forName="boxAndChildren" refType="h"/>
-      <dgm:constr type="h" for="ch" forName="arrowAndChildren" refType="h" refFor="ch" refForName="boxAndChildren" op="equ" fact="1.538"/>
-      <dgm:constr type="w" for="ch" forName="arrowAndChildren" refType="w"/>
-      <dgm:constr type="w" for="ch" forName="boxAndChildren" refType="w"/>
-      <dgm:constr type="h" for="ch" forName="sp" refType="h" fact="-0.015"/>
-      <dgm:constr type="primFontSz" for="des" forName="parentTextBox" val="36"/>
-      <dgm:constr type="primFontSz" for="des" forName="parentTextArrow" refType="primFontSz" refFor="des" refForName="parentTextBox" op="equ"/>
-      <dgm:constr type="primFontSz" for="des" forName="descendantArrow" val="24"/>
-      <dgm:constr type="primFontSz" for="des" forName="descendantArrow" refType="primFontSz" refFor="des" refForName="parentTextArrow" op="lte"/>
-      <dgm:constr type="primFontSz" for="des" forName="descendantBox" refType="primFontSz" refFor="des" refForName="parentTextArrow" op="lte"/>
-      <dgm:constr type="primFontSz" for="des" forName="descendantBox" refType="primFontSz" refFor="des" refForName="parentTextBox" op="lte"/>
-      <dgm:constr type="primFontSz" for="des" forName="descendantArrow" refType="primFontSz" refFor="des" refForName="parentTextBox" op="lte"/>
-      <dgm:constr type="primFontSz" for="des" forName="descendantBox" refType="primFontSz" refFor="des" refForName="descendantArrow" op="equ"/>
+      <dgm:constr type="w" for="ch" forName="parentText" refType="w"/>
+      <dgm:constr type="h" for="ch" forName="parentText" refType="primFontSz" refFor="ch" refForName="parentText" fact="0.52"/>
+      <dgm:constr type="w" for="ch" forName="childText" refType="w"/>
+      <dgm:constr type="h" for="ch" forName="childText" refType="primFontSz" refFor="ch" refForName="parentText" fact="0.46"/>
+      <dgm:constr type="h" for="ch" forName="parentText" op="equ"/>
+      <dgm:constr type="primFontSz" for="ch" forName="parentText" op="equ" val="65"/>
+      <dgm:constr type="primFontSz" for="ch" forName="childText" refType="primFontSz" refFor="ch" refForName="parentText" op="equ"/>
+      <dgm:constr type="h" for="ch" forName="spacer" refType="primFontSz" refFor="ch" refForName="parentText" fact="0.08"/>
     </dgm:constrLst>
-    <dgm:ruleLst/>
-    <dgm:forEach name="Name1" axis="ch" ptType="node" st="-1" step="-1">
-      <dgm:choose name="Name2">
-        <dgm:if name="Name3" axis="self" ptType="node" func="revPos" op="equ" val="1">
-          <dgm:layoutNode name="boxAndChildren">
-            <dgm:alg type="composite"/>
-            <dgm:shape xmlns:r="http://schemas.openxmlformats.org/officeDocument/2006/relationships" r:blip="">
+    <dgm:ruleLst>
+      <dgm:rule type="primFontSz" for="ch" forName="parentText" val="5" fact="NaN" max="NaN"/>
+    </dgm:ruleLst>
+    <dgm:forEach name="Name0" axis="ch" ptType="node">
+      <dgm:layoutNode name="parentText" styleLbl="node1">
+        <dgm:varLst>
+          <dgm:chMax val="0"/>
+          <dgm:bulletEnabled val="1"/>
+        </dgm:varLst>
+        <dgm:alg type="tx">
+          <dgm:param type="parTxLTRAlign" val="l"/>
+          <dgm:param type="parTxRTLAlign" val="r"/>
+        </dgm:alg>
+        <dgm:shape xmlns:r="http://schemas.openxmlformats.org/officeDocument/2006/relationships" type="roundRect" r:blip="">
+          <dgm:adjLst/>
+        </dgm:shape>
+        <dgm:presOf axis="self"/>
+        <dgm:constrLst>
+          <dgm:constr type="tMarg" refType="primFontSz" fact="0.3"/>
+          <dgm:constr type="bMarg" refType="primFontSz" fact="0.3"/>
+          <dgm:constr type="lMarg" refType="primFontSz" fact="0.3"/>
+          <dgm:constr type="rMarg" refType="primFontSz" fact="0.3"/>
+        </dgm:constrLst>
+        <dgm:ruleLst>
+          <dgm:rule type="h" val="INF" fact="NaN" max="NaN"/>
+        </dgm:ruleLst>
+      </dgm:layoutNode>
+      <dgm:choose name="Name1">
+        <dgm:if name="Name2" axis="ch" ptType="node" func="cnt" op="gte" val="1">
+          <dgm:layoutNode name="childText" styleLbl="revTx">
+            <dgm:varLst>
+              <dgm:bulletEnabled val="1"/>
+            </dgm:varLst>
+            <dgm:alg type="tx">
+              <dgm:param type="stBulletLvl" val="1"/>
+              <dgm:param type="lnSpAfChP" val="20"/>
+            </dgm:alg>
+            <dgm:shape xmlns:r="http://schemas.openxmlformats.org/officeDocument/2006/relationships" type="rect" r:blip="">
               <dgm:adjLst/>
             </dgm:shape>
-            <dgm:presOf/>
+            <dgm:presOf axis="des" ptType="node"/>
             <dgm:constrLst>
-              <dgm:constr type="w" for="ch" forName="parentTextBox" refType="w" fact="0.25"/>
-              <dgm:constr type="h" for="ch" forName="parentTextBox" refType="h"/>
-              <dgm:constr type="t" for="ch" forName="parentTextBox"/>
-              <dgm:constr type="w" for="ch" forName="descendantBox" refType="w" fact="0.75"/>
-              <dgm:constr type="l" for="ch" forName="descendantBox" refType="w" fact="0.25"/>
-              <dgm:constr type="b" for="ch" forName="descendantBox" refType="h"/>
-              <dgm:constr type="h" for="ch" forName="descendantBox" refType="h"/>
+              <dgm:constr type="tMarg" refType="primFontSz" fact="0.1"/>
+              <dgm:constr type="bMarg" refType="primFontSz" fact="0.1"/>
+              <dgm:constr type="lMarg" refType="w" fact="0.09"/>
             </dgm:constrLst>
-            <dgm:ruleLst/>
-            <dgm:layoutNode name="parentTextBox" styleLbl="alignNode1">
-              <dgm:alg type="tx"/>
-              <dgm:shape xmlns:r="http://schemas.openxmlformats.org/officeDocument/2006/relationships" type="rect" r:blip="">
-                <dgm:adjLst/>
-              </dgm:shape>
-              <dgm:presOf axis="self"/>
-              <dgm:constrLst>
-                <dgm:constr type="primFontSz" refType="h" op="lte" fact="0.5"/>
-                <dgm:constr type="lMarg" refType="w" fact="0.2016"/>
-                <dgm:constr type="rMarg" refType="w" fact="0.2016"/>
-              </dgm:constrLst>
-              <dgm:ruleLst>
-                <dgm:rule type="primFontSz" val="13" fact="NaN" max="NaN"/>
-              </dgm:ruleLst>
-            </dgm:layoutNode>
-            <dgm:layoutNode name="descendantBox" styleLbl="bgAccFollowNode1">
-              <dgm:alg type="tx">
-                <dgm:param type="stBulletLvl" val="0"/>
-                <dgm:param type="parTxLTRAlign" val="l"/>
-              </dgm:alg>
-              <dgm:shape xmlns:r="http://schemas.openxmlformats.org/officeDocument/2006/relationships" type="rect" r:blip="">
-                <dgm:adjLst/>
-              </dgm:shape>
-              <dgm:presOf/>
-              <dgm:constrLst>
-                <dgm:constr type="tMarg" refType="primFontSz"/>
-                <dgm:constr type="bMarg" refType="primFontSz"/>
-                <dgm:constr type="lMarg" refType="w" fact="0.0575"/>
-                <dgm:constr type="rMarg" refType="w" fact="0.0575"/>
-              </dgm:constrLst>
-              <dgm:presOf axis="des" ptType="node"/>
-              <dgm:ruleLst>
-                <dgm:rule type="primFontSz" val="11" fact="NaN" max="NaN"/>
-              </dgm:ruleLst>
-            </dgm:layoutNode>
+            <dgm:ruleLst>
+              <dgm:rule type="h" val="INF" fact="NaN" max="NaN"/>
+            </dgm:ruleLst>
           </dgm:layoutNode>
         </dgm:if>
-        <dgm:else name="Name17">
-          <dgm:layoutNode name="arrowAndChildren">
-            <dgm:alg type="composite"/>
-            <dgm:shape xmlns:r="http://schemas.openxmlformats.org/officeDocument/2006/relationships" r:blip="">
-              <dgm:adjLst/>
-            </dgm:shape>
-            <dgm:presOf/>
-            <dgm:constrLst>
-              <dgm:constr type="w" for="ch" forName="parentTextArrow" refType="w" fact="0.25"/>
-              <dgm:constr type="t" for="ch" forName="parentTextArrow"/>
-              <dgm:constr type="h" for="ch" forName="parentTextArrow" refType="h" fact="0.65"/>
-              <dgm:constr type="w" for="ch" forName="arrow" refType="w" fact="0.25"/>
-              <dgm:constr type="h" for="ch" forName="arrow" refType="h"/>
-              <dgm:constr type="l" for="ch" forName="descendantArrow" refType="w" fact="0.25"/>
-              <dgm:constr type="w" for="ch" forName="descendantArrow" refType="w" fact="0.75"/>
-              <dgm:constr type="b" for="ch" forName="descendantArrow" refType="h" fact="0.65"/>
-              <dgm:constr type="h" for="ch" forName="descendantArrow" refType="h" fact="0.65"/>
-            </dgm:constrLst>
-            <dgm:ruleLst/>
-            <dgm:layoutNode name="parentTextArrow">
-              <dgm:alg type="tx"/>
-              <dgm:choose name="Name21">
-                <dgm:if name="Name22" axis="ch" ptType="node" func="cnt" op="gte" val="1">
-                  <dgm:shape xmlns:r="http://schemas.openxmlformats.org/officeDocument/2006/relationships" type="rect" r:blip="" zOrderOff="1" hideGeom="1">
+        <dgm:else name="Name3">
+          <dgm:choose name="Name4">
+            <dgm:if name="Name5" axis="par ch" ptType="doc node" func="cnt" op="gte" val="2">
+              <dgm:forEach name="Name6" axis="followSib" ptType="sibTrans" cnt="1">
+                <dgm:layoutNode name="spacer">
+                  <dgm:alg type="sp"/>
+                  <dgm:shape xmlns:r="http://schemas.openxmlformats.org/officeDocument/2006/relationships" r:blip="">
                     <dgm:adjLst/>
                   </dgm:shape>
-                </dgm:if>
-                <dgm:else name="Name23">
-                  <dgm:shape xmlns:r="http://schemas.openxmlformats.org/officeDocument/2006/relationships" rot="180" type="upArrowCallout" r:blip="">
-                    <dgm:adjLst/>
-                  </dgm:shape>
-                </dgm:else>
-              </dgm:choose>
-              <dgm:presOf axis="self"/>
-              <dgm:constrLst>
-                <dgm:constr type="primFontSz" refType="h" op="lte" fact="0.5"/>
-                <dgm:constr type="lMarg" refType="w" fact="0.2016"/>
-                <dgm:constr type="rMarg" refType="w" fact="0.2016"/>
-              </dgm:constrLst>
-              <dgm:ruleLst>
-                <dgm:rule type="primFontSz" val="13" fact="NaN" max="NaN"/>
-              </dgm:ruleLst>
-            </dgm:layoutNode>
-            <dgm:layoutNode name="arrow" styleLbl="alignNode1">
-              <dgm:alg type="sp"/>
-              <dgm:shape xmlns:r="http://schemas.openxmlformats.org/officeDocument/2006/relationships" rot="180" type="upArrowCallout" r:blip="">
-                <dgm:adjLst>
-                  <dgm:adj idx="1" val="0.05"/>
-                  <dgm:adj idx="2" val="0.1"/>
-                  <dgm:adj idx="3" val="0.15"/>
-                </dgm:adjLst>
-              </dgm:shape>
-              <dgm:presOf axis="self"/>
-              <dgm:constrLst/>
-              <dgm:ruleLst/>
-            </dgm:layoutNode>
-            <dgm:layoutNode name="descendantArrow" styleLbl="bgAccFollowNode1">
-              <dgm:alg type="tx">
-                <dgm:param type="stBulletLvl" val="0"/>
-                <dgm:param type="parTxLTRAlign" val="l"/>
-              </dgm:alg>
-              <dgm:shape xmlns:r="http://schemas.openxmlformats.org/officeDocument/2006/relationships" type="rect" r:blip="">
-                <dgm:adjLst/>
-              </dgm:shape>
-              <dgm:presOf axis="des" ptType="node"/>
-              <dgm:constrLst>
-                <dgm:constr type="tMarg" refType="primFontSz"/>
-                <dgm:constr type="bMarg" refType="primFontSz"/>
-                <dgm:constr type="lMarg" refType="w" fact="0.0575"/>
-                <dgm:constr type="rMarg" refType="w" fact="0.0575"/>
-              </dgm:constrLst>
-              <dgm:ruleLst>
-                <dgm:rule type="primFontSz" val="11" fact="NaN" max="NaN"/>
-              </dgm:ruleLst>
-            </dgm:layoutNode>
-          </dgm:layoutNode>
+                  <dgm:presOf/>
+                  <dgm:constrLst/>
+                  <dgm:ruleLst/>
+                </dgm:layoutNode>
+              </dgm:forEach>
+            </dgm:if>
+            <dgm:else name="Name7"/>
+          </dgm:choose>
         </dgm:else>
       </dgm:choose>
-      <dgm:forEach name="Name31" axis="precedSib" ptType="sibTrans" st="-1" cnt="1">
-        <dgm:layoutNode name="sp">
-          <dgm:alg type="sp"/>
-          <dgm:shape xmlns:r="http://schemas.openxmlformats.org/officeDocument/2006/relationships" r:blip="">
-            <dgm:adjLst/>
-          </dgm:shape>
-          <dgm:presOf axis="self"/>
-          <dgm:constrLst/>
-          <dgm:ruleLst/>
-        </dgm:layoutNode>
-      </dgm:forEach>
     </dgm:forEach>
   </dgm:layoutNode>
 </dgm:layoutDef>
@@ -14559,11 +14469,11 @@
 </file>
 
 <file path=ppt/diagrams/quickStyle1.xml><?xml version="1.0" encoding="utf-8"?>
-<dgm:styleDef xmlns:dgm="http://schemas.openxmlformats.org/drawingml/2006/diagram" xmlns:a="http://schemas.openxmlformats.org/drawingml/2006/main" uniqueId="urn:microsoft.com/office/officeart/2005/8/quickstyle/simple4">
+<dgm:styleDef xmlns:dgm="http://schemas.openxmlformats.org/drawingml/2006/diagram" xmlns:a="http://schemas.openxmlformats.org/drawingml/2006/main" uniqueId="urn:microsoft.com/office/officeart/2005/8/quickstyle/simple1">
   <dgm:title val=""/>
   <dgm:desc val=""/>
   <dgm:catLst>
-    <dgm:cat type="simple" pri="10400"/>
+    <dgm:cat type="simple" pri="10100"/>
   </dgm:catLst>
   <dgm:scene3d>
     <a:camera prst="orthographicFront"/>
@@ -14577,13 +14487,13 @@
     <dgm:sp3d/>
     <dgm:txPr/>
     <dgm:style>
-      <a:lnRef idx="0">
-        <a:scrgbClr r="0" g="0" b="0"/>
-      </a:lnRef>
-      <a:fillRef idx="3">
-        <a:scrgbClr r="0" g="0" b="0"/>
-      </a:fillRef>
-      <a:effectRef idx="2">
+      <a:lnRef idx="2">
+        <a:scrgbClr r="0" g="0" b="0"/>
+      </a:lnRef>
+      <a:fillRef idx="1">
+        <a:scrgbClr r="0" g="0" b="0"/>
+      </a:fillRef>
+      <a:effectRef idx="0">
         <a:scrgbClr r="0" g="0" b="0"/>
       </a:effectRef>
       <a:fontRef idx="minor">
@@ -14599,13 +14509,13 @@
     <dgm:sp3d/>
     <dgm:txPr/>
     <dgm:style>
-      <a:lnRef idx="1">
-        <a:scrgbClr r="0" g="0" b="0"/>
-      </a:lnRef>
-      <a:fillRef idx="3">
-        <a:scrgbClr r="0" g="0" b="0"/>
-      </a:fillRef>
-      <a:effectRef idx="2">
+      <a:lnRef idx="2">
+        <a:scrgbClr r="0" g="0" b="0"/>
+      </a:lnRef>
+      <a:fillRef idx="1">
+        <a:scrgbClr r="0" g="0" b="0"/>
+      </a:fillRef>
+      <a:effectRef idx="0">
         <a:scrgbClr r="0" g="0" b="0"/>
       </a:effectRef>
       <a:fontRef idx="minor">
@@ -14621,10 +14531,10 @@
     <dgm:sp3d/>
     <dgm:txPr/>
     <dgm:style>
-      <a:lnRef idx="0">
-        <a:scrgbClr r="0" g="0" b="0"/>
-      </a:lnRef>
-      <a:fillRef idx="3">
+      <a:lnRef idx="2">
+        <a:scrgbClr r="0" g="0" b="0"/>
+      </a:lnRef>
+      <a:fillRef idx="1">
         <a:scrgbClr r="0" g="0" b="0"/>
       </a:fillRef>
       <a:effectRef idx="0">
@@ -14643,13 +14553,13 @@
     <dgm:sp3d/>
     <dgm:txPr/>
     <dgm:style>
-      <a:lnRef idx="1">
-        <a:scrgbClr r="0" g="0" b="0"/>
-      </a:lnRef>
-      <a:fillRef idx="3">
-        <a:scrgbClr r="0" g="0" b="0"/>
-      </a:fillRef>
-      <a:effectRef idx="2">
+      <a:lnRef idx="2">
+        <a:scrgbClr r="0" g="0" b="0"/>
+      </a:lnRef>
+      <a:fillRef idx="1">
+        <a:scrgbClr r="0" g="0" b="0"/>
+      </a:fillRef>
+      <a:effectRef idx="0">
         <a:scrgbClr r="0" g="0" b="0"/>
       </a:effectRef>
       <a:fontRef idx="minor">
@@ -14665,13 +14575,13 @@
     <dgm:sp3d/>
     <dgm:txPr/>
     <dgm:style>
-      <a:lnRef idx="0">
-        <a:scrgbClr r="0" g="0" b="0"/>
-      </a:lnRef>
-      <a:fillRef idx="3">
-        <a:scrgbClr r="0" g="0" b="0"/>
-      </a:fillRef>
-      <a:effectRef idx="2">
+      <a:lnRef idx="2">
+        <a:scrgbClr r="0" g="0" b="0"/>
+      </a:lnRef>
+      <a:fillRef idx="1">
+        <a:scrgbClr r="0" g="0" b="0"/>
+      </a:fillRef>
+      <a:effectRef idx="0">
         <a:scrgbClr r="0" g="0" b="0"/>
       </a:effectRef>
       <a:fontRef idx="minor">
@@ -14687,13 +14597,13 @@
     <dgm:sp3d/>
     <dgm:txPr/>
     <dgm:style>
-      <a:lnRef idx="0">
-        <a:scrgbClr r="0" g="0" b="0"/>
-      </a:lnRef>
-      <a:fillRef idx="3">
-        <a:scrgbClr r="0" g="0" b="0"/>
-      </a:fillRef>
-      <a:effectRef idx="2">
+      <a:lnRef idx="2">
+        <a:scrgbClr r="0" g="0" b="0"/>
+      </a:lnRef>
+      <a:fillRef idx="1">
+        <a:scrgbClr r="0" g="0" b="0"/>
+      </a:fillRef>
+      <a:effectRef idx="0">
         <a:scrgbClr r="0" g="0" b="0"/>
       </a:effectRef>
       <a:fontRef idx="minor">
@@ -14709,13 +14619,13 @@
     <dgm:sp3d/>
     <dgm:txPr/>
     <dgm:style>
-      <a:lnRef idx="0">
-        <a:scrgbClr r="0" g="0" b="0"/>
-      </a:lnRef>
-      <a:fillRef idx="3">
-        <a:scrgbClr r="0" g="0" b="0"/>
-      </a:fillRef>
-      <a:effectRef idx="2">
+      <a:lnRef idx="2">
+        <a:scrgbClr r="0" g="0" b="0"/>
+      </a:lnRef>
+      <a:fillRef idx="1">
+        <a:scrgbClr r="0" g="0" b="0"/>
+      </a:fillRef>
+      <a:effectRef idx="0">
         <a:scrgbClr r="0" g="0" b="0"/>
       </a:effectRef>
       <a:fontRef idx="minor">
@@ -14731,13 +14641,13 @@
     <dgm:sp3d/>
     <dgm:txPr/>
     <dgm:style>
-      <a:lnRef idx="0">
-        <a:scrgbClr r="0" g="0" b="0"/>
-      </a:lnRef>
-      <a:fillRef idx="3">
-        <a:scrgbClr r="0" g="0" b="0"/>
-      </a:fillRef>
-      <a:effectRef idx="2">
+      <a:lnRef idx="2">
+        <a:scrgbClr r="0" g="0" b="0"/>
+      </a:lnRef>
+      <a:fillRef idx="1">
+        <a:scrgbClr r="0" g="0" b="0"/>
+      </a:fillRef>
+      <a:effectRef idx="0">
         <a:scrgbClr r="0" g="0" b="0"/>
       </a:effectRef>
       <a:fontRef idx="minor">
@@ -14753,73 +14663,73 @@
     <dgm:sp3d/>
     <dgm:txPr/>
     <dgm:style>
+      <a:lnRef idx="2">
+        <a:scrgbClr r="0" g="0" b="0"/>
+      </a:lnRef>
+      <a:fillRef idx="1">
+        <a:scrgbClr r="0" g="0" b="0"/>
+      </a:fillRef>
+      <a:effectRef idx="0">
+        <a:scrgbClr r="0" g="0" b="0"/>
+      </a:effectRef>
+      <a:fontRef idx="minor"/>
+    </dgm:style>
+  </dgm:styleLbl>
+  <dgm:styleLbl name="alignImgPlace1">
+    <dgm:scene3d>
+      <a:camera prst="orthographicFront"/>
+      <a:lightRig rig="threePt" dir="t"/>
+    </dgm:scene3d>
+    <dgm:sp3d/>
+    <dgm:txPr/>
+    <dgm:style>
+      <a:lnRef idx="2">
+        <a:scrgbClr r="0" g="0" b="0"/>
+      </a:lnRef>
+      <a:fillRef idx="1">
+        <a:scrgbClr r="0" g="0" b="0"/>
+      </a:fillRef>
+      <a:effectRef idx="0">
+        <a:scrgbClr r="0" g="0" b="0"/>
+      </a:effectRef>
+      <a:fontRef idx="minor"/>
+    </dgm:style>
+  </dgm:styleLbl>
+  <dgm:styleLbl name="bgImgPlace1">
+    <dgm:scene3d>
+      <a:camera prst="orthographicFront"/>
+      <a:lightRig rig="threePt" dir="t"/>
+    </dgm:scene3d>
+    <dgm:sp3d/>
+    <dgm:txPr/>
+    <dgm:style>
+      <a:lnRef idx="2">
+        <a:scrgbClr r="0" g="0" b="0"/>
+      </a:lnRef>
+      <a:fillRef idx="1">
+        <a:scrgbClr r="0" g="0" b="0"/>
+      </a:fillRef>
+      <a:effectRef idx="0">
+        <a:scrgbClr r="0" g="0" b="0"/>
+      </a:effectRef>
+      <a:fontRef idx="minor"/>
+    </dgm:style>
+  </dgm:styleLbl>
+  <dgm:styleLbl name="sibTrans2D1">
+    <dgm:scene3d>
+      <a:camera prst="orthographicFront"/>
+      <a:lightRig rig="threePt" dir="t"/>
+    </dgm:scene3d>
+    <dgm:sp3d/>
+    <dgm:txPr/>
+    <dgm:style>
       <a:lnRef idx="0">
         <a:scrgbClr r="0" g="0" b="0"/>
       </a:lnRef>
       <a:fillRef idx="1">
         <a:scrgbClr r="0" g="0" b="0"/>
       </a:fillRef>
-      <a:effectRef idx="2">
-        <a:scrgbClr r="0" g="0" b="0"/>
-      </a:effectRef>
-      <a:fontRef idx="minor"/>
-    </dgm:style>
-  </dgm:styleLbl>
-  <dgm:styleLbl name="alignImgPlace1">
-    <dgm:scene3d>
-      <a:camera prst="orthographicFront"/>
-      <a:lightRig rig="threePt" dir="t"/>
-    </dgm:scene3d>
-    <dgm:sp3d/>
-    <dgm:txPr/>
-    <dgm:style>
-      <a:lnRef idx="0">
-        <a:scrgbClr r="0" g="0" b="0"/>
-      </a:lnRef>
-      <a:fillRef idx="1">
-        <a:scrgbClr r="0" g="0" b="0"/>
-      </a:fillRef>
-      <a:effectRef idx="2">
-        <a:scrgbClr r="0" g="0" b="0"/>
-      </a:effectRef>
-      <a:fontRef idx="minor"/>
-    </dgm:style>
-  </dgm:styleLbl>
-  <dgm:styleLbl name="bgImgPlace1">
-    <dgm:scene3d>
-      <a:camera prst="orthographicFront"/>
-      <a:lightRig rig="threePt" dir="t"/>
-    </dgm:scene3d>
-    <dgm:sp3d/>
-    <dgm:txPr/>
-    <dgm:style>
-      <a:lnRef idx="0">
-        <a:scrgbClr r="0" g="0" b="0"/>
-      </a:lnRef>
-      <a:fillRef idx="1">
-        <a:scrgbClr r="0" g="0" b="0"/>
-      </a:fillRef>
-      <a:effectRef idx="2">
-        <a:scrgbClr r="0" g="0" b="0"/>
-      </a:effectRef>
-      <a:fontRef idx="minor"/>
-    </dgm:style>
-  </dgm:styleLbl>
-  <dgm:styleLbl name="sibTrans2D1">
-    <dgm:scene3d>
-      <a:camera prst="orthographicFront"/>
-      <a:lightRig rig="threePt" dir="t"/>
-    </dgm:scene3d>
-    <dgm:sp3d/>
-    <dgm:txPr/>
-    <dgm:style>
-      <a:lnRef idx="0">
-        <a:scrgbClr r="0" g="0" b="0"/>
-      </a:lnRef>
-      <a:fillRef idx="3">
-        <a:scrgbClr r="0" g="0" b="0"/>
-      </a:fillRef>
-      <a:effectRef idx="2">
+      <a:effectRef idx="0">
         <a:scrgbClr r="0" g="0" b="0"/>
       </a:effectRef>
       <a:fontRef idx="minor">
@@ -14838,10 +14748,10 @@
       <a:lnRef idx="0">
         <a:scrgbClr r="0" g="0" b="0"/>
       </a:lnRef>
-      <a:fillRef idx="3">
-        <a:scrgbClr r="0" g="0" b="0"/>
-      </a:fillRef>
-      <a:effectRef idx="2">
+      <a:fillRef idx="1">
+        <a:scrgbClr r="0" g="0" b="0"/>
+      </a:fillRef>
+      <a:effectRef idx="0">
         <a:scrgbClr r="0" g="0" b="0"/>
       </a:effectRef>
       <a:fontRef idx="minor">
@@ -14860,10 +14770,10 @@
       <a:lnRef idx="0">
         <a:scrgbClr r="0" g="0" b="0"/>
       </a:lnRef>
-      <a:fillRef idx="3">
-        <a:scrgbClr r="0" g="0" b="0"/>
-      </a:fillRef>
-      <a:effectRef idx="2">
+      <a:fillRef idx="1">
+        <a:scrgbClr r="0" g="0" b="0"/>
+      </a:fillRef>
+      <a:effectRef idx="0">
         <a:scrgbClr r="0" g="0" b="0"/>
       </a:effectRef>
       <a:fontRef idx="minor">
@@ -14905,7 +14815,7 @@
       <a:fillRef idx="1">
         <a:scrgbClr r="0" g="0" b="0"/>
       </a:fillRef>
-      <a:effectRef idx="1">
+      <a:effectRef idx="0">
         <a:scrgbClr r="0" g="0" b="0"/>
       </a:effectRef>
       <a:fontRef idx="minor"/>
@@ -14919,13 +14829,13 @@
     <dgm:sp3d/>
     <dgm:txPr/>
     <dgm:style>
-      <a:lnRef idx="0">
-        <a:scrgbClr r="0" g="0" b="0"/>
-      </a:lnRef>
-      <a:fillRef idx="3">
-        <a:scrgbClr r="0" g="0" b="0"/>
-      </a:fillRef>
-      <a:effectRef idx="2">
+      <a:lnRef idx="2">
+        <a:scrgbClr r="0" g="0" b="0"/>
+      </a:lnRef>
+      <a:fillRef idx="1">
+        <a:scrgbClr r="0" g="0" b="0"/>
+      </a:fillRef>
+      <a:effectRef idx="0">
         <a:scrgbClr r="0" g="0" b="0"/>
       </a:effectRef>
       <a:fontRef idx="minor">
@@ -14941,13 +14851,13 @@
     <dgm:sp3d/>
     <dgm:txPr/>
     <dgm:style>
-      <a:lnRef idx="0">
-        <a:scrgbClr r="0" g="0" b="0"/>
-      </a:lnRef>
-      <a:fillRef idx="3">
-        <a:scrgbClr r="0" g="0" b="0"/>
-      </a:fillRef>
-      <a:effectRef idx="2">
+      <a:lnRef idx="2">
+        <a:scrgbClr r="0" g="0" b="0"/>
+      </a:lnRef>
+      <a:fillRef idx="1">
+        <a:scrgbClr r="0" g="0" b="0"/>
+      </a:fillRef>
+      <a:effectRef idx="0">
         <a:scrgbClr r="0" g="0" b="0"/>
       </a:effectRef>
       <a:fontRef idx="minor">
@@ -14963,13 +14873,13 @@
     <dgm:sp3d/>
     <dgm:txPr/>
     <dgm:style>
-      <a:lnRef idx="0">
-        <a:scrgbClr r="0" g="0" b="0"/>
-      </a:lnRef>
-      <a:fillRef idx="3">
-        <a:scrgbClr r="0" g="0" b="0"/>
-      </a:fillRef>
-      <a:effectRef idx="2">
+      <a:lnRef idx="2">
+        <a:scrgbClr r="0" g="0" b="0"/>
+      </a:lnRef>
+      <a:fillRef idx="1">
+        <a:scrgbClr r="0" g="0" b="0"/>
+      </a:fillRef>
+      <a:effectRef idx="0">
         <a:scrgbClr r="0" g="0" b="0"/>
       </a:effectRef>
       <a:fontRef idx="minor">
@@ -14985,13 +14895,13 @@
     <dgm:sp3d/>
     <dgm:txPr/>
     <dgm:style>
-      <a:lnRef idx="0">
-        <a:scrgbClr r="0" g="0" b="0"/>
-      </a:lnRef>
-      <a:fillRef idx="3">
-        <a:scrgbClr r="0" g="0" b="0"/>
-      </a:fillRef>
-      <a:effectRef idx="2">
+      <a:lnRef idx="2">
+        <a:scrgbClr r="0" g="0" b="0"/>
+      </a:lnRef>
+      <a:fillRef idx="1">
+        <a:scrgbClr r="0" g="0" b="0"/>
+      </a:fillRef>
+      <a:effectRef idx="0">
         <a:scrgbClr r="0" g="0" b="0"/>
       </a:effectRef>
       <a:fontRef idx="minor">
@@ -15007,13 +14917,13 @@
     <dgm:sp3d/>
     <dgm:txPr/>
     <dgm:style>
-      <a:lnRef idx="0">
-        <a:scrgbClr r="0" g="0" b="0"/>
-      </a:lnRef>
-      <a:fillRef idx="3">
-        <a:scrgbClr r="0" g="0" b="0"/>
-      </a:fillRef>
-      <a:effectRef idx="2">
+      <a:lnRef idx="2">
+        <a:scrgbClr r="0" g="0" b="0"/>
+      </a:lnRef>
+      <a:fillRef idx="1">
+        <a:scrgbClr r="0" g="0" b="0"/>
+      </a:fillRef>
+      <a:effectRef idx="0">
         <a:scrgbClr r="0" g="0" b="0"/>
       </a:effectRef>
       <a:fontRef idx="minor">
@@ -15029,13 +14939,13 @@
     <dgm:sp3d/>
     <dgm:txPr/>
     <dgm:style>
-      <a:lnRef idx="0">
-        <a:scrgbClr r="0" g="0" b="0"/>
-      </a:lnRef>
-      <a:fillRef idx="3">
-        <a:scrgbClr r="0" g="0" b="0"/>
-      </a:fillRef>
-      <a:effectRef idx="2">
+      <a:lnRef idx="2">
+        <a:scrgbClr r="0" g="0" b="0"/>
+      </a:lnRef>
+      <a:fillRef idx="1">
+        <a:scrgbClr r="0" g="0" b="0"/>
+      </a:fillRef>
+      <a:effectRef idx="0">
         <a:scrgbClr r="0" g="0" b="0"/>
       </a:effectRef>
       <a:fontRef idx="minor">
@@ -15051,13 +14961,13 @@
     <dgm:sp3d/>
     <dgm:txPr/>
     <dgm:style>
-      <a:lnRef idx="0">
-        <a:scrgbClr r="0" g="0" b="0"/>
-      </a:lnRef>
-      <a:fillRef idx="3">
-        <a:scrgbClr r="0" g="0" b="0"/>
-      </a:fillRef>
-      <a:effectRef idx="2">
+      <a:lnRef idx="2">
+        <a:scrgbClr r="0" g="0" b="0"/>
+      </a:lnRef>
+      <a:fillRef idx="1">
+        <a:scrgbClr r="0" g="0" b="0"/>
+      </a:fillRef>
+      <a:effectRef idx="0">
         <a:scrgbClr r="0" g="0" b="0"/>
       </a:effectRef>
       <a:fontRef idx="minor">
@@ -15073,13 +14983,13 @@
     <dgm:sp3d/>
     <dgm:txPr/>
     <dgm:style>
-      <a:lnRef idx="1">
-        <a:scrgbClr r="0" g="0" b="0"/>
-      </a:lnRef>
-      <a:fillRef idx="3">
-        <a:scrgbClr r="0" g="0" b="0"/>
-      </a:fillRef>
-      <a:effectRef idx="2">
+      <a:lnRef idx="2">
+        <a:scrgbClr r="0" g="0" b="0"/>
+      </a:lnRef>
+      <a:fillRef idx="1">
+        <a:scrgbClr r="0" g="0" b="0"/>
+      </a:fillRef>
+      <a:effectRef idx="0">
         <a:scrgbClr r="0" g="0" b="0"/>
       </a:effectRef>
       <a:fontRef idx="minor">
@@ -15095,13 +15005,13 @@
     <dgm:sp3d/>
     <dgm:txPr/>
     <dgm:style>
-      <a:lnRef idx="1">
-        <a:scrgbClr r="0" g="0" b="0"/>
-      </a:lnRef>
-      <a:fillRef idx="3">
-        <a:scrgbClr r="0" g="0" b="0"/>
-      </a:fillRef>
-      <a:effectRef idx="2">
+      <a:lnRef idx="2">
+        <a:scrgbClr r="0" g="0" b="0"/>
+      </a:lnRef>
+      <a:fillRef idx="1">
+        <a:scrgbClr r="0" g="0" b="0"/>
+      </a:fillRef>
+      <a:effectRef idx="0">
         <a:scrgbClr r="0" g="0" b="0"/>
       </a:effectRef>
       <a:fontRef idx="minor">
@@ -15117,10 +15027,150 @@
     <dgm:sp3d/>
     <dgm:txPr/>
     <dgm:style>
+      <a:lnRef idx="2">
+        <a:scrgbClr r="0" g="0" b="0"/>
+      </a:lnRef>
+      <a:fillRef idx="0">
+        <a:scrgbClr r="0" g="0" b="0"/>
+      </a:fillRef>
+      <a:effectRef idx="0">
+        <a:scrgbClr r="0" g="0" b="0"/>
+      </a:effectRef>
+      <a:fontRef idx="minor"/>
+    </dgm:style>
+  </dgm:styleLbl>
+  <dgm:styleLbl name="parChTrans1D2">
+    <dgm:scene3d>
+      <a:camera prst="orthographicFront"/>
+      <a:lightRig rig="threePt" dir="t"/>
+    </dgm:scene3d>
+    <dgm:sp3d/>
+    <dgm:txPr/>
+    <dgm:style>
+      <a:lnRef idx="2">
+        <a:scrgbClr r="0" g="0" b="0"/>
+      </a:lnRef>
+      <a:fillRef idx="0">
+        <a:scrgbClr r="0" g="0" b="0"/>
+      </a:fillRef>
+      <a:effectRef idx="0">
+        <a:scrgbClr r="0" g="0" b="0"/>
+      </a:effectRef>
+      <a:fontRef idx="minor"/>
+    </dgm:style>
+  </dgm:styleLbl>
+  <dgm:styleLbl name="parChTrans1D3">
+    <dgm:scene3d>
+      <a:camera prst="orthographicFront"/>
+      <a:lightRig rig="threePt" dir="t"/>
+    </dgm:scene3d>
+    <dgm:sp3d/>
+    <dgm:txPr/>
+    <dgm:style>
+      <a:lnRef idx="2">
+        <a:scrgbClr r="0" g="0" b="0"/>
+      </a:lnRef>
+      <a:fillRef idx="0">
+        <a:scrgbClr r="0" g="0" b="0"/>
+      </a:fillRef>
+      <a:effectRef idx="0">
+        <a:scrgbClr r="0" g="0" b="0"/>
+      </a:effectRef>
+      <a:fontRef idx="minor"/>
+    </dgm:style>
+  </dgm:styleLbl>
+  <dgm:styleLbl name="parChTrans1D4">
+    <dgm:scene3d>
+      <a:camera prst="orthographicFront"/>
+      <a:lightRig rig="threePt" dir="t"/>
+    </dgm:scene3d>
+    <dgm:sp3d/>
+    <dgm:txPr/>
+    <dgm:style>
+      <a:lnRef idx="2">
+        <a:scrgbClr r="0" g="0" b="0"/>
+      </a:lnRef>
+      <a:fillRef idx="0">
+        <a:scrgbClr r="0" g="0" b="0"/>
+      </a:fillRef>
+      <a:effectRef idx="0">
+        <a:scrgbClr r="0" g="0" b="0"/>
+      </a:effectRef>
+      <a:fontRef idx="minor"/>
+    </dgm:style>
+  </dgm:styleLbl>
+  <dgm:styleLbl name="fgAcc1">
+    <dgm:scene3d>
+      <a:camera prst="orthographicFront"/>
+      <a:lightRig rig="threePt" dir="t"/>
+    </dgm:scene3d>
+    <dgm:sp3d/>
+    <dgm:txPr/>
+    <dgm:style>
+      <a:lnRef idx="2">
+        <a:scrgbClr r="0" g="0" b="0"/>
+      </a:lnRef>
+      <a:fillRef idx="1">
+        <a:scrgbClr r="0" g="0" b="0"/>
+      </a:fillRef>
+      <a:effectRef idx="0">
+        <a:scrgbClr r="0" g="0" b="0"/>
+      </a:effectRef>
+      <a:fontRef idx="minor"/>
+    </dgm:style>
+  </dgm:styleLbl>
+  <dgm:styleLbl name="conFgAcc1">
+    <dgm:scene3d>
+      <a:camera prst="orthographicFront"/>
+      <a:lightRig rig="threePt" dir="t"/>
+    </dgm:scene3d>
+    <dgm:sp3d/>
+    <dgm:txPr/>
+    <dgm:style>
+      <a:lnRef idx="2">
+        <a:scrgbClr r="0" g="0" b="0"/>
+      </a:lnRef>
+      <a:fillRef idx="1">
+        <a:scrgbClr r="0" g="0" b="0"/>
+      </a:fillRef>
+      <a:effectRef idx="0">
+        <a:scrgbClr r="0" g="0" b="0"/>
+      </a:effectRef>
+      <a:fontRef idx="minor"/>
+    </dgm:style>
+  </dgm:styleLbl>
+  <dgm:styleLbl name="alignAcc1">
+    <dgm:scene3d>
+      <a:camera prst="orthographicFront"/>
+      <a:lightRig rig="threePt" dir="t"/>
+    </dgm:scene3d>
+    <dgm:sp3d/>
+    <dgm:txPr/>
+    <dgm:style>
+      <a:lnRef idx="2">
+        <a:scrgbClr r="0" g="0" b="0"/>
+      </a:lnRef>
+      <a:fillRef idx="1">
+        <a:scrgbClr r="0" g="0" b="0"/>
+      </a:fillRef>
+      <a:effectRef idx="0">
+        <a:scrgbClr r="0" g="0" b="0"/>
+      </a:effectRef>
+      <a:fontRef idx="minor"/>
+    </dgm:style>
+  </dgm:styleLbl>
+  <dgm:styleLbl name="trAlignAcc1">
+    <dgm:scene3d>
+      <a:camera prst="orthographicFront"/>
+      <a:lightRig rig="threePt" dir="t"/>
+    </dgm:scene3d>
+    <dgm:sp3d/>
+    <dgm:txPr/>
+    <dgm:style>
       <a:lnRef idx="1">
         <a:scrgbClr r="0" g="0" b="0"/>
       </a:lnRef>
-      <a:fillRef idx="0">
+      <a:fillRef idx="1">
         <a:scrgbClr r="0" g="0" b="0"/>
       </a:fillRef>
       <a:effectRef idx="0">
@@ -15129,18 +15179,18 @@
       <a:fontRef idx="minor"/>
     </dgm:style>
   </dgm:styleLbl>
-  <dgm:styleLbl name="parChTrans1D2">
-    <dgm:scene3d>
-      <a:camera prst="orthographicFront"/>
-      <a:lightRig rig="threePt" dir="t"/>
-    </dgm:scene3d>
-    <dgm:sp3d/>
-    <dgm:txPr/>
-    <dgm:style>
-      <a:lnRef idx="1">
-        <a:scrgbClr r="0" g="0" b="0"/>
-      </a:lnRef>
-      <a:fillRef idx="0">
+  <dgm:styleLbl name="bgAcc1">
+    <dgm:scene3d>
+      <a:camera prst="orthographicFront"/>
+      <a:lightRig rig="threePt" dir="t"/>
+    </dgm:scene3d>
+    <dgm:sp3d/>
+    <dgm:txPr/>
+    <dgm:style>
+      <a:lnRef idx="2">
+        <a:scrgbClr r="0" g="0" b="0"/>
+      </a:lnRef>
+      <a:fillRef idx="1">
         <a:scrgbClr r="0" g="0" b="0"/>
       </a:fillRef>
       <a:effectRef idx="0">
@@ -15149,18 +15199,18 @@
       <a:fontRef idx="minor"/>
     </dgm:style>
   </dgm:styleLbl>
-  <dgm:styleLbl name="parChTrans1D3">
-    <dgm:scene3d>
-      <a:camera prst="orthographicFront"/>
-      <a:lightRig rig="threePt" dir="t"/>
-    </dgm:scene3d>
-    <dgm:sp3d/>
-    <dgm:txPr/>
-    <dgm:style>
-      <a:lnRef idx="1">
-        <a:scrgbClr r="0" g="0" b="0"/>
-      </a:lnRef>
-      <a:fillRef idx="0">
+  <dgm:styleLbl name="solidFgAcc1">
+    <dgm:scene3d>
+      <a:camera prst="orthographicFront"/>
+      <a:lightRig rig="threePt" dir="t"/>
+    </dgm:scene3d>
+    <dgm:sp3d/>
+    <dgm:txPr/>
+    <dgm:style>
+      <a:lnRef idx="2">
+        <a:scrgbClr r="0" g="0" b="0"/>
+      </a:lnRef>
+      <a:fillRef idx="1">
         <a:scrgbClr r="0" g="0" b="0"/>
       </a:fillRef>
       <a:effectRef idx="0">
@@ -15169,18 +15219,18 @@
       <a:fontRef idx="minor"/>
     </dgm:style>
   </dgm:styleLbl>
-  <dgm:styleLbl name="parChTrans1D4">
-    <dgm:scene3d>
-      <a:camera prst="orthographicFront"/>
-      <a:lightRig rig="threePt" dir="t"/>
-    </dgm:scene3d>
-    <dgm:sp3d/>
-    <dgm:txPr/>
-    <dgm:style>
-      <a:lnRef idx="1">
-        <a:scrgbClr r="0" g="0" b="0"/>
-      </a:lnRef>
-      <a:fillRef idx="0">
+  <dgm:styleLbl name="solidAlignAcc1">
+    <dgm:scene3d>
+      <a:camera prst="orthographicFront"/>
+      <a:lightRig rig="threePt" dir="t"/>
+    </dgm:scene3d>
+    <dgm:sp3d/>
+    <dgm:txPr/>
+    <dgm:style>
+      <a:lnRef idx="2">
+        <a:scrgbClr r="0" g="0" b="0"/>
+      </a:lnRef>
+      <a:fillRef idx="1">
         <a:scrgbClr r="0" g="0" b="0"/>
       </a:fillRef>
       <a:effectRef idx="0">
@@ -15189,15 +15239,15 @@
       <a:fontRef idx="minor"/>
     </dgm:style>
   </dgm:styleLbl>
-  <dgm:styleLbl name="fgAcc1">
-    <dgm:scene3d>
-      <a:camera prst="orthographicFront"/>
-      <a:lightRig rig="threePt" dir="t"/>
-    </dgm:scene3d>
-    <dgm:sp3d/>
-    <dgm:txPr/>
-    <dgm:style>
-      <a:lnRef idx="1">
+  <dgm:styleLbl name="solidBgAcc1">
+    <dgm:scene3d>
+      <a:camera prst="orthographicFront"/>
+      <a:lightRig rig="threePt" dir="t"/>
+    </dgm:scene3d>
+    <dgm:sp3d/>
+    <dgm:txPr/>
+    <dgm:style>
+      <a:lnRef idx="2">
         <a:scrgbClr r="0" g="0" b="0"/>
       </a:lnRef>
       <a:fillRef idx="1">
@@ -15209,15 +15259,15 @@
       <a:fontRef idx="minor"/>
     </dgm:style>
   </dgm:styleLbl>
-  <dgm:styleLbl name="conFgAcc1">
-    <dgm:scene3d>
-      <a:camera prst="orthographicFront"/>
-      <a:lightRig rig="threePt" dir="t"/>
-    </dgm:scene3d>
-    <dgm:sp3d/>
-    <dgm:txPr/>
-    <dgm:style>
-      <a:lnRef idx="1">
+  <dgm:styleLbl name="fgAccFollowNode1">
+    <dgm:scene3d>
+      <a:camera prst="orthographicFront"/>
+      <a:lightRig rig="threePt" dir="t"/>
+    </dgm:scene3d>
+    <dgm:sp3d/>
+    <dgm:txPr/>
+    <dgm:style>
+      <a:lnRef idx="2">
         <a:scrgbClr r="0" g="0" b="0"/>
       </a:lnRef>
       <a:fillRef idx="1">
@@ -15229,15 +15279,15 @@
       <a:fontRef idx="minor"/>
     </dgm:style>
   </dgm:styleLbl>
-  <dgm:styleLbl name="alignAcc1">
-    <dgm:scene3d>
-      <a:camera prst="orthographicFront"/>
-      <a:lightRig rig="threePt" dir="t"/>
-    </dgm:scene3d>
-    <dgm:sp3d/>
-    <dgm:txPr/>
-    <dgm:style>
-      <a:lnRef idx="1">
+  <dgm:styleLbl name="alignAccFollowNode1">
+    <dgm:scene3d>
+      <a:camera prst="orthographicFront"/>
+      <a:lightRig rig="threePt" dir="t"/>
+    </dgm:scene3d>
+    <dgm:sp3d/>
+    <dgm:txPr/>
+    <dgm:style>
+      <a:lnRef idx="2">
         <a:scrgbClr r="0" g="0" b="0"/>
       </a:lnRef>
       <a:fillRef idx="1">
@@ -15249,15 +15299,15 @@
       <a:fontRef idx="minor"/>
     </dgm:style>
   </dgm:styleLbl>
-  <dgm:styleLbl name="trAlignAcc1">
-    <dgm:scene3d>
-      <a:camera prst="orthographicFront"/>
-      <a:lightRig rig="threePt" dir="t"/>
-    </dgm:scene3d>
-    <dgm:sp3d/>
-    <dgm:txPr/>
-    <dgm:style>
-      <a:lnRef idx="1">
+  <dgm:styleLbl name="bgAccFollowNode1">
+    <dgm:scene3d>
+      <a:camera prst="orthographicFront"/>
+      <a:lightRig rig="threePt" dir="t"/>
+    </dgm:scene3d>
+    <dgm:sp3d/>
+    <dgm:txPr/>
+    <dgm:style>
+      <a:lnRef idx="2">
         <a:scrgbClr r="0" g="0" b="0"/>
       </a:lnRef>
       <a:fillRef idx="1">
@@ -15269,15 +15319,15 @@
       <a:fontRef idx="minor"/>
     </dgm:style>
   </dgm:styleLbl>
-  <dgm:styleLbl name="bgAcc1">
-    <dgm:scene3d>
-      <a:camera prst="orthographicFront"/>
-      <a:lightRig rig="threePt" dir="t"/>
-    </dgm:scene3d>
-    <dgm:sp3d/>
-    <dgm:txPr/>
-    <dgm:style>
-      <a:lnRef idx="1">
+  <dgm:styleLbl name="fgAcc0">
+    <dgm:scene3d>
+      <a:camera prst="orthographicFront"/>
+      <a:lightRig rig="threePt" dir="t"/>
+    </dgm:scene3d>
+    <dgm:sp3d/>
+    <dgm:txPr/>
+    <dgm:style>
+      <a:lnRef idx="2">
         <a:scrgbClr r="0" g="0" b="0"/>
       </a:lnRef>
       <a:fillRef idx="1">
@@ -15289,15 +15339,15 @@
       <a:fontRef idx="minor"/>
     </dgm:style>
   </dgm:styleLbl>
-  <dgm:styleLbl name="solidFgAcc1">
-    <dgm:scene3d>
-      <a:camera prst="orthographicFront"/>
-      <a:lightRig rig="threePt" dir="t"/>
-    </dgm:scene3d>
-    <dgm:sp3d/>
-    <dgm:txPr/>
-    <dgm:style>
-      <a:lnRef idx="1">
+  <dgm:styleLbl name="fgAcc2">
+    <dgm:scene3d>
+      <a:camera prst="orthographicFront"/>
+      <a:lightRig rig="threePt" dir="t"/>
+    </dgm:scene3d>
+    <dgm:sp3d/>
+    <dgm:txPr/>
+    <dgm:style>
+      <a:lnRef idx="2">
         <a:scrgbClr r="0" g="0" b="0"/>
       </a:lnRef>
       <a:fillRef idx="1">
@@ -15309,15 +15359,15 @@
       <a:fontRef idx="minor"/>
     </dgm:style>
   </dgm:styleLbl>
-  <dgm:styleLbl name="solidAlignAcc1">
-    <dgm:scene3d>
-      <a:camera prst="orthographicFront"/>
-      <a:lightRig rig="threePt" dir="t"/>
-    </dgm:scene3d>
-    <dgm:sp3d/>
-    <dgm:txPr/>
-    <dgm:style>
-      <a:lnRef idx="1">
+  <dgm:styleLbl name="fgAcc3">
+    <dgm:scene3d>
+      <a:camera prst="orthographicFront"/>
+      <a:lightRig rig="threePt" dir="t"/>
+    </dgm:scene3d>
+    <dgm:sp3d/>
+    <dgm:txPr/>
+    <dgm:style>
+      <a:lnRef idx="2">
         <a:scrgbClr r="0" g="0" b="0"/>
       </a:lnRef>
       <a:fillRef idx="1">
@@ -15329,15 +15379,15 @@
       <a:fontRef idx="minor"/>
     </dgm:style>
   </dgm:styleLbl>
-  <dgm:styleLbl name="solidBgAcc1">
-    <dgm:scene3d>
-      <a:camera prst="orthographicFront"/>
-      <a:lightRig rig="threePt" dir="t"/>
-    </dgm:scene3d>
-    <dgm:sp3d/>
-    <dgm:txPr/>
-    <dgm:style>
-      <a:lnRef idx="1">
+  <dgm:styleLbl name="fgAcc4">
+    <dgm:scene3d>
+      <a:camera prst="orthographicFront"/>
+      <a:lightRig rig="threePt" dir="t"/>
+    </dgm:scene3d>
+    <dgm:sp3d/>
+    <dgm:txPr/>
+    <dgm:style>
+      <a:lnRef idx="2">
         <a:scrgbClr r="0" g="0" b="0"/>
       </a:lnRef>
       <a:fillRef idx="1">
@@ -15349,15 +15399,15 @@
       <a:fontRef idx="minor"/>
     </dgm:style>
   </dgm:styleLbl>
-  <dgm:styleLbl name="fgAccFollowNode1">
-    <dgm:scene3d>
-      <a:camera prst="orthographicFront"/>
-      <a:lightRig rig="threePt" dir="t"/>
-    </dgm:scene3d>
-    <dgm:sp3d/>
-    <dgm:txPr/>
-    <dgm:style>
-      <a:lnRef idx="1">
+  <dgm:styleLbl name="bgShp">
+    <dgm:scene3d>
+      <a:camera prst="orthographicFront"/>
+      <a:lightRig rig="threePt" dir="t"/>
+    </dgm:scene3d>
+    <dgm:sp3d/>
+    <dgm:txPr/>
+    <dgm:style>
+      <a:lnRef idx="0">
         <a:scrgbClr r="0" g="0" b="0"/>
       </a:lnRef>
       <a:fillRef idx="1">
@@ -15369,15 +15419,15 @@
       <a:fontRef idx="minor"/>
     </dgm:style>
   </dgm:styleLbl>
-  <dgm:styleLbl name="alignAccFollowNode1">
-    <dgm:scene3d>
-      <a:camera prst="orthographicFront"/>
-      <a:lightRig rig="threePt" dir="t"/>
-    </dgm:scene3d>
-    <dgm:sp3d/>
-    <dgm:txPr/>
-    <dgm:style>
-      <a:lnRef idx="1">
+  <dgm:styleLbl name="dkBgShp">
+    <dgm:scene3d>
+      <a:camera prst="orthographicFront"/>
+      <a:lightRig rig="threePt" dir="t"/>
+    </dgm:scene3d>
+    <dgm:sp3d/>
+    <dgm:txPr/>
+    <dgm:style>
+      <a:lnRef idx="0">
         <a:scrgbClr r="0" g="0" b="0"/>
       </a:lnRef>
       <a:fillRef idx="1">
@@ -15389,15 +15439,15 @@
       <a:fontRef idx="minor"/>
     </dgm:style>
   </dgm:styleLbl>
-  <dgm:styleLbl name="bgAccFollowNode1">
-    <dgm:scene3d>
-      <a:camera prst="orthographicFront"/>
-      <a:lightRig rig="threePt" dir="t"/>
-    </dgm:scene3d>
-    <dgm:sp3d/>
-    <dgm:txPr/>
-    <dgm:style>
-      <a:lnRef idx="1">
+  <dgm:styleLbl name="trBgShp">
+    <dgm:scene3d>
+      <a:camera prst="orthographicFront"/>
+      <a:lightRig rig="threePt" dir="t"/>
+    </dgm:scene3d>
+    <dgm:sp3d/>
+    <dgm:txPr/>
+    <dgm:style>
+      <a:lnRef idx="0">
         <a:scrgbClr r="0" g="0" b="0"/>
       </a:lnRef>
       <a:fillRef idx="1">
@@ -15409,161 +15459,21 @@
       <a:fontRef idx="minor"/>
     </dgm:style>
   </dgm:styleLbl>
-  <dgm:styleLbl name="fgAcc0">
-    <dgm:scene3d>
-      <a:camera prst="orthographicFront"/>
-      <a:lightRig rig="threePt" dir="t"/>
-    </dgm:scene3d>
-    <dgm:sp3d/>
-    <dgm:txPr/>
-    <dgm:style>
-      <a:lnRef idx="1">
+  <dgm:styleLbl name="fgShp">
+    <dgm:scene3d>
+      <a:camera prst="orthographicFront"/>
+      <a:lightRig rig="threePt" dir="t"/>
+    </dgm:scene3d>
+    <dgm:sp3d/>
+    <dgm:txPr/>
+    <dgm:style>
+      <a:lnRef idx="2">
         <a:scrgbClr r="0" g="0" b="0"/>
       </a:lnRef>
       <a:fillRef idx="1">
         <a:scrgbClr r="0" g="0" b="0"/>
       </a:fillRef>
       <a:effectRef idx="0">
-        <a:scrgbClr r="0" g="0" b="0"/>
-      </a:effectRef>
-      <a:fontRef idx="minor"/>
-    </dgm:style>
-  </dgm:styleLbl>
-  <dgm:styleLbl name="fgAcc2">
-    <dgm:scene3d>
-      <a:camera prst="orthographicFront"/>
-      <a:lightRig rig="threePt" dir="t"/>
-    </dgm:scene3d>
-    <dgm:sp3d/>
-    <dgm:txPr/>
-    <dgm:style>
-      <a:lnRef idx="1">
-        <a:scrgbClr r="0" g="0" b="0"/>
-      </a:lnRef>
-      <a:fillRef idx="1">
-        <a:scrgbClr r="0" g="0" b="0"/>
-      </a:fillRef>
-      <a:effectRef idx="0">
-        <a:scrgbClr r="0" g="0" b="0"/>
-      </a:effectRef>
-      <a:fontRef idx="minor"/>
-    </dgm:style>
-  </dgm:styleLbl>
-  <dgm:styleLbl name="fgAcc3">
-    <dgm:scene3d>
-      <a:camera prst="orthographicFront"/>
-      <a:lightRig rig="threePt" dir="t"/>
-    </dgm:scene3d>
-    <dgm:sp3d/>
-    <dgm:txPr/>
-    <dgm:style>
-      <a:lnRef idx="1">
-        <a:scrgbClr r="0" g="0" b="0"/>
-      </a:lnRef>
-      <a:fillRef idx="1">
-        <a:scrgbClr r="0" g="0" b="0"/>
-      </a:fillRef>
-      <a:effectRef idx="0">
-        <a:scrgbClr r="0" g="0" b="0"/>
-      </a:effectRef>
-      <a:fontRef idx="minor"/>
-    </dgm:style>
-  </dgm:styleLbl>
-  <dgm:styleLbl name="fgAcc4">
-    <dgm:scene3d>
-      <a:camera prst="orthographicFront"/>
-      <a:lightRig rig="threePt" dir="t"/>
-    </dgm:scene3d>
-    <dgm:sp3d/>
-    <dgm:txPr/>
-    <dgm:style>
-      <a:lnRef idx="1">
-        <a:scrgbClr r="0" g="0" b="0"/>
-      </a:lnRef>
-      <a:fillRef idx="1">
-        <a:scrgbClr r="0" g="0" b="0"/>
-      </a:fillRef>
-      <a:effectRef idx="0">
-        <a:scrgbClr r="0" g="0" b="0"/>
-      </a:effectRef>
-      <a:fontRef idx="minor"/>
-    </dgm:style>
-  </dgm:styleLbl>
-  <dgm:styleLbl name="bgShp">
-    <dgm:scene3d>
-      <a:camera prst="orthographicFront"/>
-      <a:lightRig rig="threePt" dir="t"/>
-    </dgm:scene3d>
-    <dgm:sp3d/>
-    <dgm:txPr/>
-    <dgm:style>
-      <a:lnRef idx="0">
-        <a:scrgbClr r="0" g="0" b="0"/>
-      </a:lnRef>
-      <a:fillRef idx="1">
-        <a:scrgbClr r="0" g="0" b="0"/>
-      </a:fillRef>
-      <a:effectRef idx="2">
-        <a:scrgbClr r="0" g="0" b="0"/>
-      </a:effectRef>
-      <a:fontRef idx="minor"/>
-    </dgm:style>
-  </dgm:styleLbl>
-  <dgm:styleLbl name="dkBgShp">
-    <dgm:scene3d>
-      <a:camera prst="orthographicFront"/>
-      <a:lightRig rig="threePt" dir="t"/>
-    </dgm:scene3d>
-    <dgm:sp3d/>
-    <dgm:txPr/>
-    <dgm:style>
-      <a:lnRef idx="0">
-        <a:scrgbClr r="0" g="0" b="0"/>
-      </a:lnRef>
-      <a:fillRef idx="1">
-        <a:scrgbClr r="0" g="0" b="0"/>
-      </a:fillRef>
-      <a:effectRef idx="2">
-        <a:scrgbClr r="0" g="0" b="0"/>
-      </a:effectRef>
-      <a:fontRef idx="minor"/>
-    </dgm:style>
-  </dgm:styleLbl>
-  <dgm:styleLbl name="trBgShp">
-    <dgm:scene3d>
-      <a:camera prst="orthographicFront"/>
-      <a:lightRig rig="threePt" dir="t"/>
-    </dgm:scene3d>
-    <dgm:sp3d/>
-    <dgm:txPr/>
-    <dgm:style>
-      <a:lnRef idx="0">
-        <a:scrgbClr r="0" g="0" b="0"/>
-      </a:lnRef>
-      <a:fillRef idx="1">
-        <a:scrgbClr r="0" g="0" b="0"/>
-      </a:fillRef>
-      <a:effectRef idx="0">
-        <a:scrgbClr r="0" g="0" b="0"/>
-      </a:effectRef>
-      <a:fontRef idx="minor"/>
-    </dgm:style>
-  </dgm:styleLbl>
-  <dgm:styleLbl name="fgShp">
-    <dgm:scene3d>
-      <a:camera prst="orthographicFront"/>
-      <a:lightRig rig="threePt" dir="t"/>
-    </dgm:scene3d>
-    <dgm:sp3d/>
-    <dgm:txPr/>
-    <dgm:style>
-      <a:lnRef idx="0">
-        <a:scrgbClr r="0" g="0" b="0"/>
-      </a:lnRef>
-      <a:fillRef idx="3">
-        <a:scrgbClr r="0" g="0" b="0"/>
-      </a:fillRef>
-      <a:effectRef idx="2">
         <a:scrgbClr r="0" g="0" b="0"/>
       </a:effectRef>
       <a:fontRef idx="minor"/>
@@ -20909,7 +20819,7 @@
           <a:p>
             <a:fld id="{9F3A9019-F9C7-4161-860A-72F76BBF3EB4}" type="datetimeFigureOut">
               <a:rPr lang="en-US" smtClean="0"/>
-              <a:t>3/18/2018</a:t>
+              <a:t>3/19/2018</a:t>
             </a:fld>
             <a:endParaRPr lang="en-US"/>
           </a:p>
@@ -21107,7 +21017,7 @@
           <a:p>
             <a:fld id="{9F3A9019-F9C7-4161-860A-72F76BBF3EB4}" type="datetimeFigureOut">
               <a:rPr lang="en-US" smtClean="0"/>
-              <a:t>3/18/2018</a:t>
+              <a:t>3/19/2018</a:t>
             </a:fld>
             <a:endParaRPr lang="en-US"/>
           </a:p>
@@ -21315,7 +21225,7 @@
           <a:p>
             <a:fld id="{9F3A9019-F9C7-4161-860A-72F76BBF3EB4}" type="datetimeFigureOut">
               <a:rPr lang="en-US" smtClean="0"/>
-              <a:t>3/18/2018</a:t>
+              <a:t>3/19/2018</a:t>
             </a:fld>
             <a:endParaRPr lang="en-US"/>
           </a:p>
@@ -21513,7 +21423,7 @@
           <a:p>
             <a:fld id="{9F3A9019-F9C7-4161-860A-72F76BBF3EB4}" type="datetimeFigureOut">
               <a:rPr lang="en-US" smtClean="0"/>
-              <a:t>3/18/2018</a:t>
+              <a:t>3/19/2018</a:t>
             </a:fld>
             <a:endParaRPr lang="en-US"/>
           </a:p>
@@ -21788,7 +21698,7 @@
           <a:p>
             <a:fld id="{9F3A9019-F9C7-4161-860A-72F76BBF3EB4}" type="datetimeFigureOut">
               <a:rPr lang="en-US" smtClean="0"/>
-              <a:t>3/18/2018</a:t>
+              <a:t>3/19/2018</a:t>
             </a:fld>
             <a:endParaRPr lang="en-US"/>
           </a:p>
@@ -22053,7 +21963,7 @@
           <a:p>
             <a:fld id="{9F3A9019-F9C7-4161-860A-72F76BBF3EB4}" type="datetimeFigureOut">
               <a:rPr lang="en-US" smtClean="0"/>
-              <a:t>3/18/2018</a:t>
+              <a:t>3/19/2018</a:t>
             </a:fld>
             <a:endParaRPr lang="en-US"/>
           </a:p>
@@ -22465,7 +22375,7 @@
           <a:p>
             <a:fld id="{9F3A9019-F9C7-4161-860A-72F76BBF3EB4}" type="datetimeFigureOut">
               <a:rPr lang="en-US" smtClean="0"/>
-              <a:t>3/18/2018</a:t>
+              <a:t>3/19/2018</a:t>
             </a:fld>
             <a:endParaRPr lang="en-US"/>
           </a:p>
@@ -22606,7 +22516,7 @@
           <a:p>
             <a:fld id="{9F3A9019-F9C7-4161-860A-72F76BBF3EB4}" type="datetimeFigureOut">
               <a:rPr lang="en-US" smtClean="0"/>
-              <a:t>3/18/2018</a:t>
+              <a:t>3/19/2018</a:t>
             </a:fld>
             <a:endParaRPr lang="en-US"/>
           </a:p>
@@ -22719,7 +22629,7 @@
           <a:p>
             <a:fld id="{9F3A9019-F9C7-4161-860A-72F76BBF3EB4}" type="datetimeFigureOut">
               <a:rPr lang="en-US" smtClean="0"/>
-              <a:t>3/18/2018</a:t>
+              <a:t>3/19/2018</a:t>
             </a:fld>
             <a:endParaRPr lang="en-US"/>
           </a:p>
@@ -23030,7 +22940,7 @@
           <a:p>
             <a:fld id="{9F3A9019-F9C7-4161-860A-72F76BBF3EB4}" type="datetimeFigureOut">
               <a:rPr lang="en-US" smtClean="0"/>
-              <a:t>3/18/2018</a:t>
+              <a:t>3/19/2018</a:t>
             </a:fld>
             <a:endParaRPr lang="en-US"/>
           </a:p>
@@ -23318,7 +23228,7 @@
           <a:p>
             <a:fld id="{9F3A9019-F9C7-4161-860A-72F76BBF3EB4}" type="datetimeFigureOut">
               <a:rPr lang="en-US" smtClean="0"/>
-              <a:t>3/18/2018</a:t>
+              <a:t>3/19/2018</a:t>
             </a:fld>
             <a:endParaRPr lang="en-US"/>
           </a:p>
@@ -23559,7 +23469,7 @@
           <a:p>
             <a:fld id="{9F3A9019-F9C7-4161-860A-72F76BBF3EB4}" type="datetimeFigureOut">
               <a:rPr lang="en-US" smtClean="0"/>
-              <a:t>3/18/2018</a:t>
+              <a:t>3/19/2018</a:t>
             </a:fld>
             <a:endParaRPr lang="en-US"/>
           </a:p>
@@ -24151,6 +24061,189 @@
       </p:grpSpPr>
       <p:sp>
         <p:nvSpPr>
+          <p:cNvPr id="16" name="Rectangle 15">
+            <a:extLst>
+              <a:ext uri="{FF2B5EF4-FFF2-40B4-BE49-F238E27FC236}">
+                <a16:creationId xmlns:a16="http://schemas.microsoft.com/office/drawing/2014/main" id="{BE95D989-81FA-4BAD-9AD5-E46CEDA91B36}"/>
+              </a:ext>
+            </a:extLst>
+          </p:cNvPr>
+          <p:cNvSpPr>
+            <a:spLocks noGrp="1" noRot="1" noChangeAspect="1" noMove="1" noResize="1" noEditPoints="1" noAdjustHandles="1" noChangeArrowheads="1" noChangeShapeType="1" noTextEdit="1"/>
+          </p:cNvSpPr>
+          <p:nvPr>
+            <p:extLst>
+              <p:ext uri="{386F3935-93C4-4BCD-93E2-E3B085C9AB24}">
+                <p16:designElem xmlns:p16="http://schemas.microsoft.com/office/powerpoint/2015/main" val="1"/>
+              </p:ext>
+            </p:extLst>
+          </p:nvPr>
+        </p:nvSpPr>
+        <p:spPr>
+          <a:xfrm>
+            <a:off x="0" y="0"/>
+            <a:ext cx="4654293" cy="6858000"/>
+          </a:xfrm>
+          <a:prstGeom prst="rect">
+            <a:avLst/>
+          </a:prstGeom>
+          <a:solidFill>
+            <a:schemeClr val="tx1">
+              <a:lumMod val="75000"/>
+              <a:lumOff val="25000"/>
+            </a:schemeClr>
+          </a:solidFill>
+          <a:ln>
+            <a:noFill/>
+          </a:ln>
+        </p:spPr>
+        <p:style>
+          <a:lnRef idx="2">
+            <a:schemeClr val="accent1">
+              <a:shade val="50000"/>
+            </a:schemeClr>
+          </a:lnRef>
+          <a:fillRef idx="1">
+            <a:schemeClr val="accent1"/>
+          </a:fillRef>
+          <a:effectRef idx="0">
+            <a:schemeClr val="accent1"/>
+          </a:effectRef>
+          <a:fontRef idx="minor">
+            <a:schemeClr val="lt1"/>
+          </a:fontRef>
+        </p:style>
+        <p:txBody>
+          <a:bodyPr rtlCol="0" anchor="ctr"/>
+          <a:lstStyle/>
+          <a:p>
+            <a:pPr marL="0" marR="0" lvl="0" indent="0" algn="ctr" defTabSz="914400" rtl="0" eaLnBrk="1" fontAlgn="auto" latinLnBrk="0" hangingPunct="1">
+              <a:lnSpc>
+                <a:spcPct val="100000"/>
+              </a:lnSpc>
+              <a:spcBef>
+                <a:spcPts val="0"/>
+              </a:spcBef>
+              <a:spcAft>
+                <a:spcPts val="0"/>
+              </a:spcAft>
+              <a:buClrTx/>
+              <a:buSzTx/>
+              <a:buFontTx/>
+              <a:buNone/>
+              <a:tabLst/>
+              <a:defRPr/>
+            </a:pPr>
+            <a:endParaRPr kumimoji="0" lang="en-US" sz="1800" b="0" i="0" u="none" strike="noStrike" kern="1200" cap="none" spc="0" normalizeH="0" baseline="0" noProof="0">
+              <a:ln>
+                <a:noFill/>
+              </a:ln>
+              <a:solidFill>
+                <a:prstClr val="white"/>
+              </a:solidFill>
+              <a:effectLst/>
+              <a:uLnTx/>
+              <a:uFillTx/>
+              <a:latin typeface="Calibri" panose="020F0502020204030204"/>
+              <a:ea typeface="+mn-ea"/>
+              <a:cs typeface="+mn-cs"/>
+            </a:endParaRPr>
+          </a:p>
+        </p:txBody>
+      </p:sp>
+      <p:sp>
+        <p:nvSpPr>
+          <p:cNvPr id="18" name="Rectangle 17">
+            <a:extLst>
+              <a:ext uri="{FF2B5EF4-FFF2-40B4-BE49-F238E27FC236}">
+                <a16:creationId xmlns:a16="http://schemas.microsoft.com/office/drawing/2014/main" id="{156189E5-8A3E-4CFD-B71B-CCD0F8495E56}"/>
+              </a:ext>
+            </a:extLst>
+          </p:cNvPr>
+          <p:cNvSpPr>
+            <a:spLocks noGrp="1" noRot="1" noChangeAspect="1" noMove="1" noResize="1" noEditPoints="1" noAdjustHandles="1" noChangeArrowheads="1" noChangeShapeType="1" noTextEdit="1"/>
+          </p:cNvSpPr>
+          <p:nvPr>
+            <p:extLst>
+              <p:ext uri="{386F3935-93C4-4BCD-93E2-E3B085C9AB24}">
+                <p16:designElem xmlns:p16="http://schemas.microsoft.com/office/powerpoint/2015/main" val="1"/>
+              </p:ext>
+            </p:extLst>
+          </p:nvPr>
+        </p:nvSpPr>
+        <p:spPr>
+          <a:xfrm>
+            <a:off x="4654293" y="0"/>
+            <a:ext cx="142074" cy="6858000"/>
+          </a:xfrm>
+          <a:prstGeom prst="rect">
+            <a:avLst/>
+          </a:prstGeom>
+          <a:solidFill>
+            <a:schemeClr val="tx1">
+              <a:alpha val="20000"/>
+            </a:schemeClr>
+          </a:solidFill>
+          <a:ln>
+            <a:noFill/>
+          </a:ln>
+        </p:spPr>
+        <p:style>
+          <a:lnRef idx="2">
+            <a:schemeClr val="accent1">
+              <a:shade val="50000"/>
+            </a:schemeClr>
+          </a:lnRef>
+          <a:fillRef idx="1">
+            <a:schemeClr val="accent1"/>
+          </a:fillRef>
+          <a:effectRef idx="0">
+            <a:schemeClr val="accent1"/>
+          </a:effectRef>
+          <a:fontRef idx="minor">
+            <a:schemeClr val="lt1"/>
+          </a:fontRef>
+        </p:style>
+        <p:txBody>
+          <a:bodyPr rtlCol="0" anchor="ctr"/>
+          <a:lstStyle/>
+          <a:p>
+            <a:pPr marL="0" marR="0" lvl="0" indent="0" algn="ctr" defTabSz="914400" rtl="0" eaLnBrk="1" fontAlgn="auto" latinLnBrk="0" hangingPunct="1">
+              <a:lnSpc>
+                <a:spcPct val="100000"/>
+              </a:lnSpc>
+              <a:spcBef>
+                <a:spcPts val="0"/>
+              </a:spcBef>
+              <a:spcAft>
+                <a:spcPts val="0"/>
+              </a:spcAft>
+              <a:buClrTx/>
+              <a:buSzTx/>
+              <a:buFontTx/>
+              <a:buNone/>
+              <a:tabLst/>
+              <a:defRPr/>
+            </a:pPr>
+            <a:endParaRPr kumimoji="0" lang="en-US" sz="1800" b="0" i="0" u="none" strike="noStrike" kern="1200" cap="none" spc="0" normalizeH="0" baseline="0" noProof="0">
+              <a:ln>
+                <a:noFill/>
+              </a:ln>
+              <a:solidFill>
+                <a:prstClr val="white"/>
+              </a:solidFill>
+              <a:effectLst/>
+              <a:uLnTx/>
+              <a:uFillTx/>
+              <a:latin typeface="Calibri" panose="020F0502020204030204"/>
+              <a:ea typeface="+mn-ea"/>
+              <a:cs typeface="+mn-cs"/>
+            </a:endParaRPr>
+          </a:p>
+        </p:txBody>
+      </p:sp>
+      <p:sp>
+        <p:nvSpPr>
           <p:cNvPr id="2" name="Title 1">
             <a:extLst>
               <a:ext uri="{FF2B5EF4-FFF2-40B4-BE49-F238E27FC236}">
@@ -24167,8 +24260,8 @@
         </p:nvSpPr>
         <p:spPr>
           <a:xfrm>
-            <a:off x="838200" y="5529884"/>
-            <a:ext cx="7719381" cy="1096331"/>
+            <a:off x="838200" y="811161"/>
+            <a:ext cx="3335594" cy="5403370"/>
           </a:xfrm>
         </p:spPr>
         <p:txBody>
@@ -24178,7 +24271,11 @@
           <a:lstStyle/>
           <a:p>
             <a:r>
-              <a:rPr lang="en-US"/>
+              <a:rPr lang="en-US">
+                <a:solidFill>
+                  <a:schemeClr val="bg1"/>
+                </a:solidFill>
+              </a:rPr>
               <a:t>Features</a:t>
             </a:r>
           </a:p>
@@ -24200,14 +24297,14 @@
             <p:ph idx="1"/>
             <p:extLst>
               <p:ext uri="{D42A27DB-BD31-4B8C-83A1-F6EECF244321}">
-                <p14:modId xmlns:p14="http://schemas.microsoft.com/office/powerpoint/2010/main" val="4002336288"/>
+                <p14:modId xmlns:p14="http://schemas.microsoft.com/office/powerpoint/2010/main" val="2331932840"/>
               </p:ext>
             </p:extLst>
           </p:nvPr>
         </p:nvGraphicFramePr>
         <p:xfrm>
-          <a:off x="838200" y="643467"/>
-          <a:ext cx="10515600" cy="4080974"/>
+          <a:off x="5459413" y="642938"/>
+          <a:ext cx="6089650" cy="5572125"/>
         </p:xfrm>
         <a:graphic>
           <a:graphicData uri="http://schemas.openxmlformats.org/drawingml/2006/diagram">

--- a/Overview.pptx
+++ b/Overview.pptx
@@ -6692,8 +6692,12 @@
         <a:lstStyle/>
         <a:p>
           <a:r>
+            <a:rPr lang="en-US"/>
+            <a:t>A Chatbot </a:t>
+          </a:r>
+          <a:r>
             <a:rPr lang="en-US" dirty="0"/>
-            <a:t>A tool to simulate a full fledged Chat room</a:t>
+            <a:t>to simulate a full fledged Chat room</a:t>
           </a:r>
         </a:p>
       </dgm:t>
@@ -10981,8 +10985,12 @@
             <a:buNone/>
           </a:pPr>
           <a:r>
+            <a:rPr lang="en-US" sz="1100" kern="1200"/>
+            <a:t>A Chatbot </a:t>
+          </a:r>
+          <a:r>
             <a:rPr lang="en-US" sz="1100" kern="1200" dirty="0"/>
-            <a:t>A tool to simulate a full fledged Chat room</a:t>
+            <a:t>to simulate a full fledged Chat room</a:t>
           </a:r>
         </a:p>
       </dsp:txBody>
@@ -24634,7 +24642,7 @@
             <p:ph idx="1"/>
             <p:extLst>
               <p:ext uri="{D42A27DB-BD31-4B8C-83A1-F6EECF244321}">
-                <p14:modId xmlns:p14="http://schemas.microsoft.com/office/powerpoint/2010/main" val="3116101790"/>
+                <p14:modId xmlns:p14="http://schemas.microsoft.com/office/powerpoint/2010/main" val="3274071881"/>
               </p:ext>
             </p:extLst>
           </p:nvPr>
